--- a/img/in-post/2020/2020-10-11/1011_resource.pptx
+++ b/img/in-post/2020/2020-10-11/1011_resource.pptx
@@ -10,6 +10,7 @@
     <p:sldId id="259" r:id="rId4"/>
     <p:sldId id="257" r:id="rId5"/>
     <p:sldId id="260" r:id="rId6"/>
+    <p:sldId id="261" r:id="rId7"/>
   </p:sldIdLst>
   <p:sldSz cx="12192000" cy="6858000"/>
   <p:notesSz cx="6858000" cy="9144000"/>
@@ -108,6 +109,11 @@
       </a:defRPr>
     </a:lvl9pPr>
   </p:defaultTextStyle>
+  <p:extLst>
+    <p:ext uri="{EFAFB233-063F-42B5-8137-9DF3F51BA10A}">
+      <p15:sldGuideLst xmlns:p15="http://schemas.microsoft.com/office/powerpoint/2012/main"/>
+    </p:ext>
+  </p:extLst>
 </p:presentation>
 </file>
 
@@ -258,7 +264,7 @@
           <a:p>
             <a:fld id="{F75D7BCC-C1B9-4AB8-8EF5-0911F278E1A5}" type="datetimeFigureOut">
               <a:rPr lang="ko-KR" altLang="en-US" smtClean="0"/>
-              <a:t>2020-10-03</a:t>
+              <a:t>2020-10-04</a:t>
             </a:fld>
             <a:endParaRPr lang="ko-KR" altLang="en-US"/>
           </a:p>
@@ -456,7 +462,7 @@
           <a:p>
             <a:fld id="{F75D7BCC-C1B9-4AB8-8EF5-0911F278E1A5}" type="datetimeFigureOut">
               <a:rPr lang="ko-KR" altLang="en-US" smtClean="0"/>
-              <a:t>2020-10-03</a:t>
+              <a:t>2020-10-04</a:t>
             </a:fld>
             <a:endParaRPr lang="ko-KR" altLang="en-US"/>
           </a:p>
@@ -664,7 +670,7 @@
           <a:p>
             <a:fld id="{F75D7BCC-C1B9-4AB8-8EF5-0911F278E1A5}" type="datetimeFigureOut">
               <a:rPr lang="ko-KR" altLang="en-US" smtClean="0"/>
-              <a:t>2020-10-03</a:t>
+              <a:t>2020-10-04</a:t>
             </a:fld>
             <a:endParaRPr lang="ko-KR" altLang="en-US"/>
           </a:p>
@@ -862,7 +868,7 @@
           <a:p>
             <a:fld id="{F75D7BCC-C1B9-4AB8-8EF5-0911F278E1A5}" type="datetimeFigureOut">
               <a:rPr lang="ko-KR" altLang="en-US" smtClean="0"/>
-              <a:t>2020-10-03</a:t>
+              <a:t>2020-10-04</a:t>
             </a:fld>
             <a:endParaRPr lang="ko-KR" altLang="en-US"/>
           </a:p>
@@ -1137,7 +1143,7 @@
           <a:p>
             <a:fld id="{F75D7BCC-C1B9-4AB8-8EF5-0911F278E1A5}" type="datetimeFigureOut">
               <a:rPr lang="ko-KR" altLang="en-US" smtClean="0"/>
-              <a:t>2020-10-03</a:t>
+              <a:t>2020-10-04</a:t>
             </a:fld>
             <a:endParaRPr lang="ko-KR" altLang="en-US"/>
           </a:p>
@@ -1402,7 +1408,7 @@
           <a:p>
             <a:fld id="{F75D7BCC-C1B9-4AB8-8EF5-0911F278E1A5}" type="datetimeFigureOut">
               <a:rPr lang="ko-KR" altLang="en-US" smtClean="0"/>
-              <a:t>2020-10-03</a:t>
+              <a:t>2020-10-04</a:t>
             </a:fld>
             <a:endParaRPr lang="ko-KR" altLang="en-US"/>
           </a:p>
@@ -1814,7 +1820,7 @@
           <a:p>
             <a:fld id="{F75D7BCC-C1B9-4AB8-8EF5-0911F278E1A5}" type="datetimeFigureOut">
               <a:rPr lang="ko-KR" altLang="en-US" smtClean="0"/>
-              <a:t>2020-10-03</a:t>
+              <a:t>2020-10-04</a:t>
             </a:fld>
             <a:endParaRPr lang="ko-KR" altLang="en-US"/>
           </a:p>
@@ -1955,7 +1961,7 @@
           <a:p>
             <a:fld id="{F75D7BCC-C1B9-4AB8-8EF5-0911F278E1A5}" type="datetimeFigureOut">
               <a:rPr lang="ko-KR" altLang="en-US" smtClean="0"/>
-              <a:t>2020-10-03</a:t>
+              <a:t>2020-10-04</a:t>
             </a:fld>
             <a:endParaRPr lang="ko-KR" altLang="en-US"/>
           </a:p>
@@ -2068,7 +2074,7 @@
           <a:p>
             <a:fld id="{F75D7BCC-C1B9-4AB8-8EF5-0911F278E1A5}" type="datetimeFigureOut">
               <a:rPr lang="ko-KR" altLang="en-US" smtClean="0"/>
-              <a:t>2020-10-03</a:t>
+              <a:t>2020-10-04</a:t>
             </a:fld>
             <a:endParaRPr lang="ko-KR" altLang="en-US"/>
           </a:p>
@@ -2379,7 +2385,7 @@
           <a:p>
             <a:fld id="{F75D7BCC-C1B9-4AB8-8EF5-0911F278E1A5}" type="datetimeFigureOut">
               <a:rPr lang="ko-KR" altLang="en-US" smtClean="0"/>
-              <a:t>2020-10-03</a:t>
+              <a:t>2020-10-04</a:t>
             </a:fld>
             <a:endParaRPr lang="ko-KR" altLang="en-US"/>
           </a:p>
@@ -2667,7 +2673,7 @@
           <a:p>
             <a:fld id="{F75D7BCC-C1B9-4AB8-8EF5-0911F278E1A5}" type="datetimeFigureOut">
               <a:rPr lang="ko-KR" altLang="en-US" smtClean="0"/>
-              <a:t>2020-10-03</a:t>
+              <a:t>2020-10-04</a:t>
             </a:fld>
             <a:endParaRPr lang="ko-KR" altLang="en-US"/>
           </a:p>
@@ -2908,7 +2914,7 @@
           <a:p>
             <a:fld id="{F75D7BCC-C1B9-4AB8-8EF5-0911F278E1A5}" type="datetimeFigureOut">
               <a:rPr lang="ko-KR" altLang="en-US" smtClean="0"/>
-              <a:t>2020-10-03</a:t>
+              <a:t>2020-10-04</a:t>
             </a:fld>
             <a:endParaRPr lang="ko-KR" altLang="en-US"/>
           </a:p>
@@ -4025,8 +4031,8 @@
           </a:p>
         </p:txBody>
       </p:sp>
-      <mc:AlternateContent xmlns:mc="http://schemas.openxmlformats.org/markup-compatibility/2006">
-        <mc:Choice xmlns:a14="http://schemas.microsoft.com/office/drawing/2010/main" Requires="a14">
+      <mc:AlternateContent xmlns:mc="http://schemas.openxmlformats.org/markup-compatibility/2006" xmlns:a14="http://schemas.microsoft.com/office/drawing/2010/main">
+        <mc:Choice Requires="a14">
           <p:sp>
             <p:nvSpPr>
               <p:cNvPr id="11" name="TextBox 10">
@@ -4101,7 +4107,7 @@
             </p:txBody>
           </p:sp>
         </mc:Choice>
-        <mc:Fallback>
+        <mc:Fallback xmlns="">
           <p:sp>
             <p:nvSpPr>
               <p:cNvPr id="11" name="TextBox 10">
@@ -4146,8 +4152,8 @@
           </p:sp>
         </mc:Fallback>
       </mc:AlternateContent>
-      <mc:AlternateContent xmlns:mc="http://schemas.openxmlformats.org/markup-compatibility/2006">
-        <mc:Choice xmlns:a14="http://schemas.microsoft.com/office/drawing/2010/main" Requires="a14">
+      <mc:AlternateContent xmlns:mc="http://schemas.openxmlformats.org/markup-compatibility/2006" xmlns:a14="http://schemas.microsoft.com/office/drawing/2010/main">
+        <mc:Choice Requires="a14">
           <p:sp>
             <p:nvSpPr>
               <p:cNvPr id="15" name="TextBox 14">
@@ -4222,7 +4228,7 @@
             </p:txBody>
           </p:sp>
         </mc:Choice>
-        <mc:Fallback>
+        <mc:Fallback xmlns="">
           <p:sp>
             <p:nvSpPr>
               <p:cNvPr id="15" name="TextBox 14">
@@ -4267,8 +4273,8 @@
           </p:sp>
         </mc:Fallback>
       </mc:AlternateContent>
-      <mc:AlternateContent xmlns:mc="http://schemas.openxmlformats.org/markup-compatibility/2006">
-        <mc:Choice xmlns:a14="http://schemas.microsoft.com/office/drawing/2010/main" Requires="a14">
+      <mc:AlternateContent xmlns:mc="http://schemas.openxmlformats.org/markup-compatibility/2006" xmlns:a14="http://schemas.microsoft.com/office/drawing/2010/main">
+        <mc:Choice Requires="a14">
           <p:sp>
             <p:nvSpPr>
               <p:cNvPr id="16" name="TextBox 15">
@@ -4343,7 +4349,7 @@
             </p:txBody>
           </p:sp>
         </mc:Choice>
-        <mc:Fallback>
+        <mc:Fallback xmlns="">
           <p:sp>
             <p:nvSpPr>
               <p:cNvPr id="16" name="TextBox 15">
@@ -5279,8 +5285,8 @@
           </a:p>
         </p:txBody>
       </p:sp>
-      <mc:AlternateContent xmlns:mc="http://schemas.openxmlformats.org/markup-compatibility/2006">
-        <mc:Choice xmlns:a14="http://schemas.microsoft.com/office/drawing/2010/main" Requires="a14">
+      <mc:AlternateContent xmlns:mc="http://schemas.openxmlformats.org/markup-compatibility/2006" xmlns:a14="http://schemas.microsoft.com/office/drawing/2010/main">
+        <mc:Choice Requires="a14">
           <p:sp>
             <p:nvSpPr>
               <p:cNvPr id="40" name="TextBox 39">
@@ -5368,7 +5374,7 @@
             </p:txBody>
           </p:sp>
         </mc:Choice>
-        <mc:Fallback>
+        <mc:Fallback xmlns="">
           <p:sp>
             <p:nvSpPr>
               <p:cNvPr id="40" name="TextBox 39">
@@ -5413,8 +5419,8 @@
           </p:sp>
         </mc:Fallback>
       </mc:AlternateContent>
-      <mc:AlternateContent xmlns:mc="http://schemas.openxmlformats.org/markup-compatibility/2006">
-        <mc:Choice xmlns:a14="http://schemas.microsoft.com/office/drawing/2010/main" Requires="a14">
+      <mc:AlternateContent xmlns:mc="http://schemas.openxmlformats.org/markup-compatibility/2006" xmlns:a14="http://schemas.microsoft.com/office/drawing/2010/main">
+        <mc:Choice Requires="a14">
           <p:sp>
             <p:nvSpPr>
               <p:cNvPr id="42" name="TextBox 41">
@@ -5502,7 +5508,7 @@
             </p:txBody>
           </p:sp>
         </mc:Choice>
-        <mc:Fallback>
+        <mc:Fallback xmlns="">
           <p:sp>
             <p:nvSpPr>
               <p:cNvPr id="42" name="TextBox 41">
@@ -5547,8 +5553,8 @@
           </p:sp>
         </mc:Fallback>
       </mc:AlternateContent>
-      <mc:AlternateContent xmlns:mc="http://schemas.openxmlformats.org/markup-compatibility/2006">
-        <mc:Choice xmlns:a14="http://schemas.microsoft.com/office/drawing/2010/main" Requires="a14">
+      <mc:AlternateContent xmlns:mc="http://schemas.openxmlformats.org/markup-compatibility/2006" xmlns:a14="http://schemas.microsoft.com/office/drawing/2010/main">
+        <mc:Choice Requires="a14">
           <p:sp>
             <p:nvSpPr>
               <p:cNvPr id="44" name="TextBox 43">
@@ -5636,7 +5642,7 @@
             </p:txBody>
           </p:sp>
         </mc:Choice>
-        <mc:Fallback>
+        <mc:Fallback xmlns="">
           <p:sp>
             <p:nvSpPr>
               <p:cNvPr id="44" name="TextBox 43">
@@ -6798,8 +6804,8 @@
           </a:fontRef>
         </p:style>
       </p:cxnSp>
-      <mc:AlternateContent xmlns:mc="http://schemas.openxmlformats.org/markup-compatibility/2006">
-        <mc:Choice xmlns:a14="http://schemas.microsoft.com/office/drawing/2010/main" Requires="a14">
+      <mc:AlternateContent xmlns:mc="http://schemas.openxmlformats.org/markup-compatibility/2006" xmlns:a14="http://schemas.microsoft.com/office/drawing/2010/main">
+        <mc:Choice Requires="a14">
           <p:sp>
             <p:nvSpPr>
               <p:cNvPr id="108" name="TextBox 107">
@@ -6887,7 +6893,7 @@
             </p:txBody>
           </p:sp>
         </mc:Choice>
-        <mc:Fallback>
+        <mc:Fallback xmlns="">
           <p:sp>
             <p:nvSpPr>
               <p:cNvPr id="108" name="TextBox 107">
@@ -6932,8 +6938,8 @@
           </p:sp>
         </mc:Fallback>
       </mc:AlternateContent>
-      <mc:AlternateContent xmlns:mc="http://schemas.openxmlformats.org/markup-compatibility/2006">
-        <mc:Choice xmlns:a14="http://schemas.microsoft.com/office/drawing/2010/main" Requires="a14">
+      <mc:AlternateContent xmlns:mc="http://schemas.openxmlformats.org/markup-compatibility/2006" xmlns:a14="http://schemas.microsoft.com/office/drawing/2010/main">
+        <mc:Choice Requires="a14">
           <p:sp>
             <p:nvSpPr>
               <p:cNvPr id="111" name="TextBox 110">
@@ -7021,7 +7027,7 @@
             </p:txBody>
           </p:sp>
         </mc:Choice>
-        <mc:Fallback>
+        <mc:Fallback xmlns="">
           <p:sp>
             <p:nvSpPr>
               <p:cNvPr id="111" name="TextBox 110">
@@ -7342,8 +7348,8 @@
           </a:p>
         </p:txBody>
       </p:sp>
-      <mc:AlternateContent xmlns:mc="http://schemas.openxmlformats.org/markup-compatibility/2006">
-        <mc:Choice xmlns:a14="http://schemas.microsoft.com/office/drawing/2010/main" Requires="a14">
+      <mc:AlternateContent xmlns:mc="http://schemas.openxmlformats.org/markup-compatibility/2006" xmlns:a14="http://schemas.microsoft.com/office/drawing/2010/main">
+        <mc:Choice Requires="a14">
           <p:sp>
             <p:nvSpPr>
               <p:cNvPr id="125" name="TextBox 124">
@@ -7431,7 +7437,7 @@
             </p:txBody>
           </p:sp>
         </mc:Choice>
-        <mc:Fallback>
+        <mc:Fallback xmlns="">
           <p:sp>
             <p:nvSpPr>
               <p:cNvPr id="125" name="TextBox 124">
@@ -7476,8 +7482,8 @@
           </p:sp>
         </mc:Fallback>
       </mc:AlternateContent>
-      <mc:AlternateContent xmlns:mc="http://schemas.openxmlformats.org/markup-compatibility/2006">
-        <mc:Choice xmlns:a14="http://schemas.microsoft.com/office/drawing/2010/main" Requires="a14">
+      <mc:AlternateContent xmlns:mc="http://schemas.openxmlformats.org/markup-compatibility/2006" xmlns:a14="http://schemas.microsoft.com/office/drawing/2010/main">
+        <mc:Choice Requires="a14">
           <p:sp>
             <p:nvSpPr>
               <p:cNvPr id="126" name="TextBox 125">
@@ -7565,7 +7571,7 @@
             </p:txBody>
           </p:sp>
         </mc:Choice>
-        <mc:Fallback>
+        <mc:Fallback xmlns="">
           <p:sp>
             <p:nvSpPr>
               <p:cNvPr id="126" name="TextBox 125">
@@ -7610,8 +7616,8 @@
           </p:sp>
         </mc:Fallback>
       </mc:AlternateContent>
-      <mc:AlternateContent xmlns:mc="http://schemas.openxmlformats.org/markup-compatibility/2006">
-        <mc:Choice xmlns:a14="http://schemas.microsoft.com/office/drawing/2010/main" Requires="a14">
+      <mc:AlternateContent xmlns:mc="http://schemas.openxmlformats.org/markup-compatibility/2006" xmlns:a14="http://schemas.microsoft.com/office/drawing/2010/main">
+        <mc:Choice Requires="a14">
           <p:sp>
             <p:nvSpPr>
               <p:cNvPr id="127" name="TextBox 126">
@@ -7699,7 +7705,7 @@
             </p:txBody>
           </p:sp>
         </mc:Choice>
-        <mc:Fallback>
+        <mc:Fallback xmlns="">
           <p:sp>
             <p:nvSpPr>
               <p:cNvPr id="127" name="TextBox 126">
@@ -8385,8 +8391,8 @@
           </a:fontRef>
         </p:style>
       </p:cxnSp>
-      <mc:AlternateContent xmlns:mc="http://schemas.openxmlformats.org/markup-compatibility/2006">
-        <mc:Choice xmlns:a14="http://schemas.microsoft.com/office/drawing/2010/main" Requires="a14">
+      <mc:AlternateContent xmlns:mc="http://schemas.openxmlformats.org/markup-compatibility/2006" xmlns:a14="http://schemas.microsoft.com/office/drawing/2010/main">
+        <mc:Choice Requires="a14">
           <p:sp>
             <p:nvSpPr>
               <p:cNvPr id="140" name="TextBox 139">
@@ -8474,7 +8480,7 @@
             </p:txBody>
           </p:sp>
         </mc:Choice>
-        <mc:Fallback>
+        <mc:Fallback xmlns="">
           <p:sp>
             <p:nvSpPr>
               <p:cNvPr id="140" name="TextBox 139">
@@ -8519,8 +8525,8 @@
           </p:sp>
         </mc:Fallback>
       </mc:AlternateContent>
-      <mc:AlternateContent xmlns:mc="http://schemas.openxmlformats.org/markup-compatibility/2006">
-        <mc:Choice xmlns:a14="http://schemas.microsoft.com/office/drawing/2010/main" Requires="a14">
+      <mc:AlternateContent xmlns:mc="http://schemas.openxmlformats.org/markup-compatibility/2006" xmlns:a14="http://schemas.microsoft.com/office/drawing/2010/main">
+        <mc:Choice Requires="a14">
           <p:sp>
             <p:nvSpPr>
               <p:cNvPr id="141" name="TextBox 140">
@@ -8608,7 +8614,7 @@
             </p:txBody>
           </p:sp>
         </mc:Choice>
-        <mc:Fallback>
+        <mc:Fallback xmlns="">
           <p:sp>
             <p:nvSpPr>
               <p:cNvPr id="141" name="TextBox 140">
@@ -11016,8 +11022,8 @@
           </a:p>
         </p:txBody>
       </p:sp>
-      <mc:AlternateContent xmlns:mc="http://schemas.openxmlformats.org/markup-compatibility/2006">
-        <mc:Choice xmlns:a14="http://schemas.microsoft.com/office/drawing/2010/main" Requires="a14">
+      <mc:AlternateContent xmlns:mc="http://schemas.openxmlformats.org/markup-compatibility/2006" xmlns:a14="http://schemas.microsoft.com/office/drawing/2010/main">
+        <mc:Choice Requires="a14">
           <p:sp>
             <p:nvSpPr>
               <p:cNvPr id="4" name="TextBox 3">
@@ -11092,7 +11098,7 @@
             </p:txBody>
           </p:sp>
         </mc:Choice>
-        <mc:Fallback>
+        <mc:Fallback xmlns="">
           <p:sp>
             <p:nvSpPr>
               <p:cNvPr id="4" name="TextBox 3">
@@ -11137,8 +11143,8 @@
           </p:sp>
         </mc:Fallback>
       </mc:AlternateContent>
-      <mc:AlternateContent xmlns:mc="http://schemas.openxmlformats.org/markup-compatibility/2006">
-        <mc:Choice xmlns:a14="http://schemas.microsoft.com/office/drawing/2010/main" Requires="a14">
+      <mc:AlternateContent xmlns:mc="http://schemas.openxmlformats.org/markup-compatibility/2006" xmlns:a14="http://schemas.microsoft.com/office/drawing/2010/main">
+        <mc:Choice Requires="a14">
           <p:sp>
             <p:nvSpPr>
               <p:cNvPr id="12" name="TextBox 11">
@@ -11213,7 +11219,7 @@
             </p:txBody>
           </p:sp>
         </mc:Choice>
-        <mc:Fallback>
+        <mc:Fallback xmlns="">
           <p:sp>
             <p:nvSpPr>
               <p:cNvPr id="12" name="TextBox 11">
@@ -11258,8 +11264,8 @@
           </p:sp>
         </mc:Fallback>
       </mc:AlternateContent>
-      <mc:AlternateContent xmlns:mc="http://schemas.openxmlformats.org/markup-compatibility/2006">
-        <mc:Choice xmlns:a14="http://schemas.microsoft.com/office/drawing/2010/main" Requires="a14">
+      <mc:AlternateContent xmlns:mc="http://schemas.openxmlformats.org/markup-compatibility/2006" xmlns:a14="http://schemas.microsoft.com/office/drawing/2010/main">
+        <mc:Choice Requires="a14">
           <p:sp>
             <p:nvSpPr>
               <p:cNvPr id="13" name="TextBox 12">
@@ -11334,7 +11340,7 @@
             </p:txBody>
           </p:sp>
         </mc:Choice>
-        <mc:Fallback>
+        <mc:Fallback xmlns="">
           <p:sp>
             <p:nvSpPr>
               <p:cNvPr id="13" name="TextBox 12">
@@ -13767,8 +13773,8 @@
           </a:p>
         </p:txBody>
       </p:sp>
-      <mc:AlternateContent xmlns:mc="http://schemas.openxmlformats.org/markup-compatibility/2006">
-        <mc:Choice xmlns:a14="http://schemas.microsoft.com/office/drawing/2010/main" Requires="a14">
+      <mc:AlternateContent xmlns:mc="http://schemas.openxmlformats.org/markup-compatibility/2006" xmlns:a14="http://schemas.microsoft.com/office/drawing/2010/main">
+        <mc:Choice Requires="a14">
           <p:sp>
             <p:nvSpPr>
               <p:cNvPr id="4" name="TextBox 3">
@@ -13856,7 +13862,7 @@
             </p:txBody>
           </p:sp>
         </mc:Choice>
-        <mc:Fallback>
+        <mc:Fallback xmlns="">
           <p:sp>
             <p:nvSpPr>
               <p:cNvPr id="4" name="TextBox 3">
@@ -13901,8 +13907,8 @@
           </p:sp>
         </mc:Fallback>
       </mc:AlternateContent>
-      <mc:AlternateContent xmlns:mc="http://schemas.openxmlformats.org/markup-compatibility/2006">
-        <mc:Choice xmlns:a14="http://schemas.microsoft.com/office/drawing/2010/main" Requires="a14">
+      <mc:AlternateContent xmlns:mc="http://schemas.openxmlformats.org/markup-compatibility/2006" xmlns:a14="http://schemas.microsoft.com/office/drawing/2010/main">
+        <mc:Choice Requires="a14">
           <p:sp>
             <p:nvSpPr>
               <p:cNvPr id="12" name="TextBox 11">
@@ -13990,7 +13996,7 @@
             </p:txBody>
           </p:sp>
         </mc:Choice>
-        <mc:Fallback>
+        <mc:Fallback xmlns="">
           <p:sp>
             <p:nvSpPr>
               <p:cNvPr id="12" name="TextBox 11">
@@ -14035,8 +14041,8 @@
           </p:sp>
         </mc:Fallback>
       </mc:AlternateContent>
-      <mc:AlternateContent xmlns:mc="http://schemas.openxmlformats.org/markup-compatibility/2006">
-        <mc:Choice xmlns:a14="http://schemas.microsoft.com/office/drawing/2010/main" Requires="a14">
+      <mc:AlternateContent xmlns:mc="http://schemas.openxmlformats.org/markup-compatibility/2006" xmlns:a14="http://schemas.microsoft.com/office/drawing/2010/main">
+        <mc:Choice Requires="a14">
           <p:sp>
             <p:nvSpPr>
               <p:cNvPr id="13" name="TextBox 12">
@@ -14124,7 +14130,7 @@
             </p:txBody>
           </p:sp>
         </mc:Choice>
-        <mc:Fallback>
+        <mc:Fallback xmlns="">
           <p:sp>
             <p:nvSpPr>
               <p:cNvPr id="13" name="TextBox 12">
@@ -14169,8 +14175,8 @@
           </p:sp>
         </mc:Fallback>
       </mc:AlternateContent>
-      <mc:AlternateContent xmlns:mc="http://schemas.openxmlformats.org/markup-compatibility/2006">
-        <mc:Choice xmlns:a14="http://schemas.microsoft.com/office/drawing/2010/main" Requires="a14">
+      <mc:AlternateContent xmlns:mc="http://schemas.openxmlformats.org/markup-compatibility/2006" xmlns:a14="http://schemas.microsoft.com/office/drawing/2010/main">
+        <mc:Choice Requires="a14">
           <p:sp>
             <p:nvSpPr>
               <p:cNvPr id="14" name="TextBox 13">
@@ -14258,7 +14264,7 @@
             </p:txBody>
           </p:sp>
         </mc:Choice>
-        <mc:Fallback>
+        <mc:Fallback xmlns="">
           <p:sp>
             <p:nvSpPr>
               <p:cNvPr id="14" name="TextBox 13">
@@ -14303,8 +14309,8 @@
           </p:sp>
         </mc:Fallback>
       </mc:AlternateContent>
-      <mc:AlternateContent xmlns:mc="http://schemas.openxmlformats.org/markup-compatibility/2006">
-        <mc:Choice xmlns:a14="http://schemas.microsoft.com/office/drawing/2010/main" Requires="a14">
+      <mc:AlternateContent xmlns:mc="http://schemas.openxmlformats.org/markup-compatibility/2006" xmlns:a14="http://schemas.microsoft.com/office/drawing/2010/main">
+        <mc:Choice Requires="a14">
           <p:sp>
             <p:nvSpPr>
               <p:cNvPr id="21" name="TextBox 20">
@@ -14392,7 +14398,7 @@
             </p:txBody>
           </p:sp>
         </mc:Choice>
-        <mc:Fallback>
+        <mc:Fallback xmlns="">
           <p:sp>
             <p:nvSpPr>
               <p:cNvPr id="21" name="TextBox 20">
@@ -16830,8 +16836,8 @@
           </a:p>
         </p:txBody>
       </p:sp>
-      <mc:AlternateContent xmlns:mc="http://schemas.openxmlformats.org/markup-compatibility/2006">
-        <mc:Choice xmlns:a14="http://schemas.microsoft.com/office/drawing/2010/main" Requires="a14">
+      <mc:AlternateContent xmlns:mc="http://schemas.openxmlformats.org/markup-compatibility/2006" xmlns:a14="http://schemas.microsoft.com/office/drawing/2010/main">
+        <mc:Choice Requires="a14">
           <p:sp>
             <p:nvSpPr>
               <p:cNvPr id="13" name="TextBox 12">
@@ -16919,7 +16925,7 @@
             </p:txBody>
           </p:sp>
         </mc:Choice>
-        <mc:Fallback>
+        <mc:Fallback xmlns="">
           <p:sp>
             <p:nvSpPr>
               <p:cNvPr id="13" name="TextBox 12">
@@ -16964,8 +16970,8 @@
           </p:sp>
         </mc:Fallback>
       </mc:AlternateContent>
-      <mc:AlternateContent xmlns:mc="http://schemas.openxmlformats.org/markup-compatibility/2006">
-        <mc:Choice xmlns:a14="http://schemas.microsoft.com/office/drawing/2010/main" Requires="a14">
+      <mc:AlternateContent xmlns:mc="http://schemas.openxmlformats.org/markup-compatibility/2006" xmlns:a14="http://schemas.microsoft.com/office/drawing/2010/main">
+        <mc:Choice Requires="a14">
           <p:sp>
             <p:nvSpPr>
               <p:cNvPr id="14" name="TextBox 13">
@@ -17053,7 +17059,7 @@
             </p:txBody>
           </p:sp>
         </mc:Choice>
-        <mc:Fallback>
+        <mc:Fallback xmlns="">
           <p:sp>
             <p:nvSpPr>
               <p:cNvPr id="14" name="TextBox 13">
@@ -17098,8 +17104,8 @@
           </p:sp>
         </mc:Fallback>
       </mc:AlternateContent>
-      <mc:AlternateContent xmlns:mc="http://schemas.openxmlformats.org/markup-compatibility/2006">
-        <mc:Choice xmlns:a14="http://schemas.microsoft.com/office/drawing/2010/main" Requires="a14">
+      <mc:AlternateContent xmlns:mc="http://schemas.openxmlformats.org/markup-compatibility/2006" xmlns:a14="http://schemas.microsoft.com/office/drawing/2010/main">
+        <mc:Choice Requires="a14">
           <p:sp>
             <p:nvSpPr>
               <p:cNvPr id="21" name="TextBox 20">
@@ -17187,7 +17193,7 @@
             </p:txBody>
           </p:sp>
         </mc:Choice>
-        <mc:Fallback>
+        <mc:Fallback xmlns="">
           <p:sp>
             <p:nvSpPr>
               <p:cNvPr id="21" name="TextBox 20">
@@ -17232,8 +17238,8 @@
           </p:sp>
         </mc:Fallback>
       </mc:AlternateContent>
-      <mc:AlternateContent xmlns:mc="http://schemas.openxmlformats.org/markup-compatibility/2006">
-        <mc:Choice xmlns:a14="http://schemas.microsoft.com/office/drawing/2010/main" Requires="a14">
+      <mc:AlternateContent xmlns:mc="http://schemas.openxmlformats.org/markup-compatibility/2006" xmlns:a14="http://schemas.microsoft.com/office/drawing/2010/main">
+        <mc:Choice Requires="a14">
           <p:sp>
             <p:nvSpPr>
               <p:cNvPr id="22" name="TextBox 21">
@@ -17321,7 +17327,7 @@
             </p:txBody>
           </p:sp>
         </mc:Choice>
-        <mc:Fallback>
+        <mc:Fallback xmlns="">
           <p:sp>
             <p:nvSpPr>
               <p:cNvPr id="22" name="TextBox 21">
@@ -17366,8 +17372,8 @@
           </p:sp>
         </mc:Fallback>
       </mc:AlternateContent>
-      <mc:AlternateContent xmlns:mc="http://schemas.openxmlformats.org/markup-compatibility/2006">
-        <mc:Choice xmlns:a14="http://schemas.microsoft.com/office/drawing/2010/main" Requires="a14">
+      <mc:AlternateContent xmlns:mc="http://schemas.openxmlformats.org/markup-compatibility/2006" xmlns:a14="http://schemas.microsoft.com/office/drawing/2010/main">
+        <mc:Choice Requires="a14">
           <p:sp>
             <p:nvSpPr>
               <p:cNvPr id="23" name="TextBox 22">
@@ -17455,7 +17461,7 @@
             </p:txBody>
           </p:sp>
         </mc:Choice>
-        <mc:Fallback>
+        <mc:Fallback xmlns="">
           <p:sp>
             <p:nvSpPr>
               <p:cNvPr id="23" name="TextBox 22">
@@ -17530,12 +17536,1030 @@
           <a:chExt cx="0" cy="0"/>
         </a:xfrm>
       </p:grpSpPr>
+      <p:pic>
+        <p:nvPicPr>
+          <p:cNvPr id="4" name="Picture 2">
+            <a:extLst>
+              <a:ext uri="{FF2B5EF4-FFF2-40B4-BE49-F238E27FC236}">
+                <a16:creationId xmlns:a16="http://schemas.microsoft.com/office/drawing/2014/main" id="{3C4B8C66-9CD1-4B67-8733-398B628C5859}"/>
+              </a:ext>
+            </a:extLst>
+          </p:cNvPr>
+          <p:cNvPicPr>
+            <a:picLocks noChangeAspect="1" noChangeArrowheads="1"/>
+          </p:cNvPicPr>
+          <p:nvPr/>
+        </p:nvPicPr>
+        <p:blipFill rotWithShape="1">
+          <a:blip r:embed="rId2">
+            <a:extLst>
+              <a:ext uri="{28A0092B-C50C-407E-A947-70E740481C1C}">
+                <a14:useLocalDpi xmlns:a14="http://schemas.microsoft.com/office/drawing/2010/main" val="0"/>
+              </a:ext>
+            </a:extLst>
+          </a:blip>
+          <a:srcRect l="31358" t="24131" r="60308" b="10399"/>
+          <a:stretch/>
+        </p:blipFill>
+        <p:spPr bwMode="auto">
+          <a:xfrm>
+            <a:off x="1161790" y="3649064"/>
+            <a:ext cx="693941" cy="672256"/>
+          </a:xfrm>
+          <a:prstGeom prst="rect">
+            <a:avLst/>
+          </a:prstGeom>
+          <a:noFill/>
+          <a:extLst>
+            <a:ext uri="{909E8E84-426E-40DD-AFC4-6F175D3DCCD1}">
+              <a14:hiddenFill xmlns:a14="http://schemas.microsoft.com/office/drawing/2010/main">
+                <a:solidFill>
+                  <a:srgbClr val="FFFFFF"/>
+                </a:solidFill>
+              </a14:hiddenFill>
+            </a:ext>
+          </a:extLst>
+        </p:spPr>
+      </p:pic>
+      <p:pic>
+        <p:nvPicPr>
+          <p:cNvPr id="5" name="Picture 2">
+            <a:extLst>
+              <a:ext uri="{FF2B5EF4-FFF2-40B4-BE49-F238E27FC236}">
+                <a16:creationId xmlns:a16="http://schemas.microsoft.com/office/drawing/2014/main" id="{1D7B7DFD-DF07-489C-A706-CC611B2E29FE}"/>
+              </a:ext>
+            </a:extLst>
+          </p:cNvPr>
+          <p:cNvPicPr>
+            <a:picLocks noChangeAspect="1" noChangeArrowheads="1"/>
+          </p:cNvPicPr>
+          <p:nvPr/>
+        </p:nvPicPr>
+        <p:blipFill rotWithShape="1">
+          <a:blip r:embed="rId2">
+            <a:extLst>
+              <a:ext uri="{28A0092B-C50C-407E-A947-70E740481C1C}">
+                <a14:useLocalDpi xmlns:a14="http://schemas.microsoft.com/office/drawing/2010/main" val="0"/>
+              </a:ext>
+            </a:extLst>
+          </a:blip>
+          <a:srcRect l="41359" t="24131" r="50307" b="10399"/>
+          <a:stretch/>
+        </p:blipFill>
+        <p:spPr bwMode="auto">
+          <a:xfrm>
+            <a:off x="2530292" y="3649064"/>
+            <a:ext cx="693941" cy="672256"/>
+          </a:xfrm>
+          <a:prstGeom prst="rect">
+            <a:avLst/>
+          </a:prstGeom>
+          <a:noFill/>
+          <a:extLst>
+            <a:ext uri="{909E8E84-426E-40DD-AFC4-6F175D3DCCD1}">
+              <a14:hiddenFill xmlns:a14="http://schemas.microsoft.com/office/drawing/2010/main">
+                <a:solidFill>
+                  <a:srgbClr val="FFFFFF"/>
+                </a:solidFill>
+              </a14:hiddenFill>
+            </a:ext>
+          </a:extLst>
+        </p:spPr>
+      </p:pic>
+      <p:pic>
+        <p:nvPicPr>
+          <p:cNvPr id="7" name="Picture 2">
+            <a:extLst>
+              <a:ext uri="{FF2B5EF4-FFF2-40B4-BE49-F238E27FC236}">
+                <a16:creationId xmlns:a16="http://schemas.microsoft.com/office/drawing/2014/main" id="{44901336-400B-4C97-9935-9FE80606D27A}"/>
+              </a:ext>
+            </a:extLst>
+          </p:cNvPr>
+          <p:cNvPicPr>
+            <a:picLocks noChangeAspect="1" noChangeArrowheads="1"/>
+          </p:cNvPicPr>
+          <p:nvPr/>
+        </p:nvPicPr>
+        <p:blipFill rotWithShape="1">
+          <a:blip r:embed="rId2">
+            <a:extLst>
+              <a:ext uri="{28A0092B-C50C-407E-A947-70E740481C1C}">
+                <a14:useLocalDpi xmlns:a14="http://schemas.microsoft.com/office/drawing/2010/main" val="0"/>
+              </a:ext>
+            </a:extLst>
+          </a:blip>
+          <a:srcRect l="51464" t="24131" r="40202" b="10399"/>
+          <a:stretch/>
+        </p:blipFill>
+        <p:spPr bwMode="auto">
+          <a:xfrm>
+            <a:off x="3901182" y="3649064"/>
+            <a:ext cx="693941" cy="672256"/>
+          </a:xfrm>
+          <a:prstGeom prst="rect">
+            <a:avLst/>
+          </a:prstGeom>
+          <a:noFill/>
+          <a:extLst>
+            <a:ext uri="{909E8E84-426E-40DD-AFC4-6F175D3DCCD1}">
+              <a14:hiddenFill xmlns:a14="http://schemas.microsoft.com/office/drawing/2010/main">
+                <a:solidFill>
+                  <a:srgbClr val="FFFFFF"/>
+                </a:solidFill>
+              </a14:hiddenFill>
+            </a:ext>
+          </a:extLst>
+        </p:spPr>
+      </p:pic>
       <p:sp>
         <p:nvSpPr>
-          <p:cNvPr id="4" name="TextBox 3">
+          <p:cNvPr id="8" name="직사각형 7">
             <a:extLst>
               <a:ext uri="{FF2B5EF4-FFF2-40B4-BE49-F238E27FC236}">
-                <a16:creationId xmlns:a16="http://schemas.microsoft.com/office/drawing/2014/main" id="{B4869FF0-5246-45D6-8737-C564BC770A98}"/>
+                <a16:creationId xmlns:a16="http://schemas.microsoft.com/office/drawing/2014/main" id="{1F3E3820-B5F9-4A85-8389-25675C1DDA05}"/>
+              </a:ext>
+            </a:extLst>
+          </p:cNvPr>
+          <p:cNvSpPr/>
+          <p:nvPr/>
+        </p:nvSpPr>
+        <p:spPr>
+          <a:xfrm>
+            <a:off x="1000760" y="3000309"/>
+            <a:ext cx="1016000" cy="464820"/>
+          </a:xfrm>
+          <a:prstGeom prst="rect">
+            <a:avLst/>
+          </a:prstGeom>
+          <a:solidFill>
+            <a:schemeClr val="accent6">
+              <a:lumMod val="20000"/>
+              <a:lumOff val="80000"/>
+            </a:schemeClr>
+          </a:solidFill>
+          <a:ln>
+            <a:solidFill>
+              <a:schemeClr val="accent6">
+                <a:lumMod val="60000"/>
+                <a:lumOff val="40000"/>
+              </a:schemeClr>
+            </a:solidFill>
+          </a:ln>
+        </p:spPr>
+        <p:style>
+          <a:lnRef idx="2">
+            <a:schemeClr val="accent1">
+              <a:shade val="50000"/>
+            </a:schemeClr>
+          </a:lnRef>
+          <a:fillRef idx="1">
+            <a:schemeClr val="accent1"/>
+          </a:fillRef>
+          <a:effectRef idx="0">
+            <a:schemeClr val="accent1"/>
+          </a:effectRef>
+          <a:fontRef idx="minor">
+            <a:schemeClr val="lt1"/>
+          </a:fontRef>
+        </p:style>
+        <p:txBody>
+          <a:bodyPr rtlCol="0" anchor="ctr"/>
+          <a:lstStyle/>
+          <a:p>
+            <a:pPr algn="ctr"/>
+            <a:r>
+              <a:rPr lang="en-US" altLang="ko-KR" sz="1400" b="1" dirty="0">
+                <a:solidFill>
+                  <a:schemeClr val="tx1"/>
+                </a:solidFill>
+                <a:latin typeface="나눔스퀘어" panose="020B0600000101010101" pitchFamily="50" charset="-127"/>
+                <a:ea typeface="나눔스퀘어" panose="020B0600000101010101" pitchFamily="50" charset="-127"/>
+              </a:rPr>
+              <a:t>LSTM</a:t>
+            </a:r>
+            <a:endParaRPr lang="ko-KR" altLang="en-US" sz="1400" b="1" dirty="0">
+              <a:solidFill>
+                <a:schemeClr val="tx1"/>
+              </a:solidFill>
+              <a:latin typeface="나눔스퀘어" panose="020B0600000101010101" pitchFamily="50" charset="-127"/>
+              <a:ea typeface="나눔스퀘어" panose="020B0600000101010101" pitchFamily="50" charset="-127"/>
+            </a:endParaRPr>
+          </a:p>
+        </p:txBody>
+      </p:sp>
+      <p:sp>
+        <p:nvSpPr>
+          <p:cNvPr id="9" name="직사각형 8">
+            <a:extLst>
+              <a:ext uri="{FF2B5EF4-FFF2-40B4-BE49-F238E27FC236}">
+                <a16:creationId xmlns:a16="http://schemas.microsoft.com/office/drawing/2014/main" id="{110834B9-B85E-4A95-B46E-3885D06B58BF}"/>
+              </a:ext>
+            </a:extLst>
+          </p:cNvPr>
+          <p:cNvSpPr/>
+          <p:nvPr/>
+        </p:nvSpPr>
+        <p:spPr>
+          <a:xfrm>
+            <a:off x="2367393" y="3000309"/>
+            <a:ext cx="1016000" cy="464820"/>
+          </a:xfrm>
+          <a:prstGeom prst="rect">
+            <a:avLst/>
+          </a:prstGeom>
+          <a:solidFill>
+            <a:schemeClr val="accent6">
+              <a:lumMod val="20000"/>
+              <a:lumOff val="80000"/>
+            </a:schemeClr>
+          </a:solidFill>
+          <a:ln>
+            <a:solidFill>
+              <a:schemeClr val="accent6">
+                <a:lumMod val="60000"/>
+                <a:lumOff val="40000"/>
+              </a:schemeClr>
+            </a:solidFill>
+          </a:ln>
+        </p:spPr>
+        <p:style>
+          <a:lnRef idx="2">
+            <a:schemeClr val="accent1">
+              <a:shade val="50000"/>
+            </a:schemeClr>
+          </a:lnRef>
+          <a:fillRef idx="1">
+            <a:schemeClr val="accent1"/>
+          </a:fillRef>
+          <a:effectRef idx="0">
+            <a:schemeClr val="accent1"/>
+          </a:effectRef>
+          <a:fontRef idx="minor">
+            <a:schemeClr val="lt1"/>
+          </a:fontRef>
+        </p:style>
+        <p:txBody>
+          <a:bodyPr rtlCol="0" anchor="ctr"/>
+          <a:lstStyle/>
+          <a:p>
+            <a:pPr algn="ctr"/>
+            <a:r>
+              <a:rPr lang="en-US" altLang="ko-KR" sz="1400" b="1" dirty="0">
+                <a:solidFill>
+                  <a:schemeClr val="tx1"/>
+                </a:solidFill>
+                <a:latin typeface="나눔스퀘어" panose="020B0600000101010101" pitchFamily="50" charset="-127"/>
+                <a:ea typeface="나눔스퀘어" panose="020B0600000101010101" pitchFamily="50" charset="-127"/>
+              </a:rPr>
+              <a:t>LSTM</a:t>
+            </a:r>
+            <a:endParaRPr lang="ko-KR" altLang="en-US" sz="1400" b="1" dirty="0">
+              <a:solidFill>
+                <a:schemeClr val="tx1"/>
+              </a:solidFill>
+              <a:latin typeface="나눔스퀘어" panose="020B0600000101010101" pitchFamily="50" charset="-127"/>
+              <a:ea typeface="나눔스퀘어" panose="020B0600000101010101" pitchFamily="50" charset="-127"/>
+            </a:endParaRPr>
+          </a:p>
+        </p:txBody>
+      </p:sp>
+      <p:sp>
+        <p:nvSpPr>
+          <p:cNvPr id="10" name="직사각형 9">
+            <a:extLst>
+              <a:ext uri="{FF2B5EF4-FFF2-40B4-BE49-F238E27FC236}">
+                <a16:creationId xmlns:a16="http://schemas.microsoft.com/office/drawing/2014/main" id="{5A5329D5-593B-40D8-8D9D-1AC2DCCF9DFC}"/>
+              </a:ext>
+            </a:extLst>
+          </p:cNvPr>
+          <p:cNvSpPr/>
+          <p:nvPr/>
+        </p:nvSpPr>
+        <p:spPr>
+          <a:xfrm>
+            <a:off x="3740152" y="3000309"/>
+            <a:ext cx="1016000" cy="464820"/>
+          </a:xfrm>
+          <a:prstGeom prst="rect">
+            <a:avLst/>
+          </a:prstGeom>
+          <a:solidFill>
+            <a:schemeClr val="accent6">
+              <a:lumMod val="20000"/>
+              <a:lumOff val="80000"/>
+            </a:schemeClr>
+          </a:solidFill>
+          <a:ln>
+            <a:solidFill>
+              <a:schemeClr val="accent6">
+                <a:lumMod val="60000"/>
+                <a:lumOff val="40000"/>
+              </a:schemeClr>
+            </a:solidFill>
+          </a:ln>
+        </p:spPr>
+        <p:style>
+          <a:lnRef idx="2">
+            <a:schemeClr val="accent1">
+              <a:shade val="50000"/>
+            </a:schemeClr>
+          </a:lnRef>
+          <a:fillRef idx="1">
+            <a:schemeClr val="accent1"/>
+          </a:fillRef>
+          <a:effectRef idx="0">
+            <a:schemeClr val="accent1"/>
+          </a:effectRef>
+          <a:fontRef idx="minor">
+            <a:schemeClr val="lt1"/>
+          </a:fontRef>
+        </p:style>
+        <p:txBody>
+          <a:bodyPr rtlCol="0" anchor="ctr"/>
+          <a:lstStyle/>
+          <a:p>
+            <a:pPr algn="ctr"/>
+            <a:r>
+              <a:rPr lang="en-US" altLang="ko-KR" sz="1400" b="1" dirty="0">
+                <a:solidFill>
+                  <a:schemeClr val="tx1"/>
+                </a:solidFill>
+                <a:latin typeface="나눔스퀘어" panose="020B0600000101010101" pitchFamily="50" charset="-127"/>
+                <a:ea typeface="나눔스퀘어" panose="020B0600000101010101" pitchFamily="50" charset="-127"/>
+              </a:rPr>
+              <a:t>LSTM</a:t>
+            </a:r>
+            <a:endParaRPr lang="ko-KR" altLang="en-US" sz="1400" b="1" dirty="0">
+              <a:solidFill>
+                <a:schemeClr val="tx1"/>
+              </a:solidFill>
+              <a:latin typeface="나눔스퀘어" panose="020B0600000101010101" pitchFamily="50" charset="-127"/>
+              <a:ea typeface="나눔스퀘어" panose="020B0600000101010101" pitchFamily="50" charset="-127"/>
+            </a:endParaRPr>
+          </a:p>
+        </p:txBody>
+      </p:sp>
+      <p:cxnSp>
+        <p:nvCxnSpPr>
+          <p:cNvPr id="11" name="직선 화살표 연결선 10">
+            <a:extLst>
+              <a:ext uri="{FF2B5EF4-FFF2-40B4-BE49-F238E27FC236}">
+                <a16:creationId xmlns:a16="http://schemas.microsoft.com/office/drawing/2014/main" id="{00FDEC74-ACEA-48B7-8CD6-2F20714791A8}"/>
+              </a:ext>
+            </a:extLst>
+          </p:cNvPr>
+          <p:cNvCxnSpPr>
+            <a:stCxn id="8" idx="3"/>
+            <a:endCxn id="9" idx="1"/>
+          </p:cNvCxnSpPr>
+          <p:nvPr/>
+        </p:nvCxnSpPr>
+        <p:spPr>
+          <a:xfrm>
+            <a:off x="2016760" y="3232719"/>
+            <a:ext cx="350633" cy="0"/>
+          </a:xfrm>
+          <a:prstGeom prst="straightConnector1">
+            <a:avLst/>
+          </a:prstGeom>
+          <a:ln w="25400">
+            <a:solidFill>
+              <a:schemeClr val="bg2">
+                <a:lumMod val="50000"/>
+              </a:schemeClr>
+            </a:solidFill>
+            <a:tailEnd type="triangle"/>
+          </a:ln>
+        </p:spPr>
+        <p:style>
+          <a:lnRef idx="1">
+            <a:schemeClr val="accent1"/>
+          </a:lnRef>
+          <a:fillRef idx="0">
+            <a:schemeClr val="accent1"/>
+          </a:fillRef>
+          <a:effectRef idx="0">
+            <a:schemeClr val="accent1"/>
+          </a:effectRef>
+          <a:fontRef idx="minor">
+            <a:schemeClr val="tx1"/>
+          </a:fontRef>
+        </p:style>
+      </p:cxnSp>
+      <p:cxnSp>
+        <p:nvCxnSpPr>
+          <p:cNvPr id="12" name="직선 화살표 연결선 11">
+            <a:extLst>
+              <a:ext uri="{FF2B5EF4-FFF2-40B4-BE49-F238E27FC236}">
+                <a16:creationId xmlns:a16="http://schemas.microsoft.com/office/drawing/2014/main" id="{FB6D6D69-8330-47CD-AFC1-4E158863DEF9}"/>
+              </a:ext>
+            </a:extLst>
+          </p:cNvPr>
+          <p:cNvCxnSpPr>
+            <a:cxnSpLocks/>
+            <a:stCxn id="9" idx="3"/>
+            <a:endCxn id="10" idx="1"/>
+          </p:cNvCxnSpPr>
+          <p:nvPr/>
+        </p:nvCxnSpPr>
+        <p:spPr>
+          <a:xfrm>
+            <a:off x="3383393" y="3232719"/>
+            <a:ext cx="356759" cy="0"/>
+          </a:xfrm>
+          <a:prstGeom prst="straightConnector1">
+            <a:avLst/>
+          </a:prstGeom>
+          <a:ln w="25400">
+            <a:solidFill>
+              <a:schemeClr val="bg2">
+                <a:lumMod val="50000"/>
+              </a:schemeClr>
+            </a:solidFill>
+            <a:tailEnd type="triangle"/>
+          </a:ln>
+        </p:spPr>
+        <p:style>
+          <a:lnRef idx="1">
+            <a:schemeClr val="accent1"/>
+          </a:lnRef>
+          <a:fillRef idx="0">
+            <a:schemeClr val="accent1"/>
+          </a:fillRef>
+          <a:effectRef idx="0">
+            <a:schemeClr val="accent1"/>
+          </a:effectRef>
+          <a:fontRef idx="minor">
+            <a:schemeClr val="tx1"/>
+          </a:fontRef>
+        </p:style>
+      </p:cxnSp>
+      <p:grpSp>
+        <p:nvGrpSpPr>
+          <p:cNvPr id="13" name="그룹 12">
+            <a:extLst>
+              <a:ext uri="{FF2B5EF4-FFF2-40B4-BE49-F238E27FC236}">
+                <a16:creationId xmlns:a16="http://schemas.microsoft.com/office/drawing/2014/main" id="{9508C301-02D5-46AC-AA04-8BDE0AA05D65}"/>
+              </a:ext>
+            </a:extLst>
+          </p:cNvPr>
+          <p:cNvGrpSpPr/>
+          <p:nvPr/>
+        </p:nvGrpSpPr>
+        <p:grpSpPr>
+          <a:xfrm>
+            <a:off x="5160955" y="2506775"/>
+            <a:ext cx="313235" cy="1451888"/>
+            <a:chOff x="5188812" y="3558262"/>
+            <a:chExt cx="313235" cy="1451888"/>
+          </a:xfrm>
+        </p:grpSpPr>
+        <p:sp>
+          <p:nvSpPr>
+            <p:cNvPr id="14" name="사각형: 둥근 모서리 13">
+              <a:extLst>
+                <a:ext uri="{FF2B5EF4-FFF2-40B4-BE49-F238E27FC236}">
+                  <a16:creationId xmlns:a16="http://schemas.microsoft.com/office/drawing/2014/main" id="{EC7214C2-9CE4-4292-9E52-83D690493A2E}"/>
+                </a:ext>
+              </a:extLst>
+            </p:cNvPr>
+            <p:cNvSpPr/>
+            <p:nvPr/>
+          </p:nvSpPr>
+          <p:spPr>
+            <a:xfrm>
+              <a:off x="5188812" y="3558262"/>
+              <a:ext cx="313235" cy="1451888"/>
+            </a:xfrm>
+            <a:prstGeom prst="roundRect">
+              <a:avLst>
+                <a:gd name="adj" fmla="val 50000"/>
+              </a:avLst>
+            </a:prstGeom>
+            <a:noFill/>
+            <a:ln w="19050">
+              <a:solidFill>
+                <a:schemeClr val="accent1">
+                  <a:lumMod val="60000"/>
+                  <a:lumOff val="40000"/>
+                </a:schemeClr>
+              </a:solidFill>
+            </a:ln>
+          </p:spPr>
+          <p:style>
+            <a:lnRef idx="2">
+              <a:schemeClr val="accent1">
+                <a:shade val="50000"/>
+              </a:schemeClr>
+            </a:lnRef>
+            <a:fillRef idx="1">
+              <a:schemeClr val="accent1"/>
+            </a:fillRef>
+            <a:effectRef idx="0">
+              <a:schemeClr val="accent1"/>
+            </a:effectRef>
+            <a:fontRef idx="minor">
+              <a:schemeClr val="lt1"/>
+            </a:fontRef>
+          </p:style>
+          <p:txBody>
+            <a:bodyPr rtlCol="0" anchor="ctr"/>
+            <a:lstStyle/>
+            <a:p>
+              <a:pPr algn="ctr"/>
+              <a:endParaRPr lang="ko-KR" altLang="en-US"/>
+            </a:p>
+          </p:txBody>
+        </p:sp>
+        <p:sp>
+          <p:nvSpPr>
+            <p:cNvPr id="15" name="타원 14">
+              <a:extLst>
+                <a:ext uri="{FF2B5EF4-FFF2-40B4-BE49-F238E27FC236}">
+                  <a16:creationId xmlns:a16="http://schemas.microsoft.com/office/drawing/2014/main" id="{1C7E8BAA-6CA2-4A42-9F77-EAD47A657A8F}"/>
+                </a:ext>
+              </a:extLst>
+            </p:cNvPr>
+            <p:cNvSpPr/>
+            <p:nvPr/>
+          </p:nvSpPr>
+          <p:spPr>
+            <a:xfrm>
+              <a:off x="5242560" y="3634740"/>
+              <a:ext cx="205740" cy="205740"/>
+            </a:xfrm>
+            <a:prstGeom prst="ellipse">
+              <a:avLst/>
+            </a:prstGeom>
+            <a:solidFill>
+              <a:schemeClr val="accent5">
+                <a:lumMod val="20000"/>
+                <a:lumOff val="80000"/>
+              </a:schemeClr>
+            </a:solidFill>
+            <a:ln>
+              <a:solidFill>
+                <a:schemeClr val="accent5">
+                  <a:lumMod val="60000"/>
+                  <a:lumOff val="40000"/>
+                </a:schemeClr>
+              </a:solidFill>
+            </a:ln>
+          </p:spPr>
+          <p:style>
+            <a:lnRef idx="2">
+              <a:schemeClr val="accent1">
+                <a:shade val="50000"/>
+              </a:schemeClr>
+            </a:lnRef>
+            <a:fillRef idx="1">
+              <a:schemeClr val="accent1"/>
+            </a:fillRef>
+            <a:effectRef idx="0">
+              <a:schemeClr val="accent1"/>
+            </a:effectRef>
+            <a:fontRef idx="minor">
+              <a:schemeClr val="lt1"/>
+            </a:fontRef>
+          </p:style>
+          <p:txBody>
+            <a:bodyPr rtlCol="0" anchor="ctr"/>
+            <a:lstStyle/>
+            <a:p>
+              <a:pPr algn="ctr"/>
+              <a:endParaRPr lang="ko-KR" altLang="en-US"/>
+            </a:p>
+          </p:txBody>
+        </p:sp>
+        <p:sp>
+          <p:nvSpPr>
+            <p:cNvPr id="16" name="타원 15">
+              <a:extLst>
+                <a:ext uri="{FF2B5EF4-FFF2-40B4-BE49-F238E27FC236}">
+                  <a16:creationId xmlns:a16="http://schemas.microsoft.com/office/drawing/2014/main" id="{417CB18E-B37D-47AC-930E-FA98DD90D979}"/>
+                </a:ext>
+              </a:extLst>
+            </p:cNvPr>
+            <p:cNvSpPr/>
+            <p:nvPr/>
+          </p:nvSpPr>
+          <p:spPr>
+            <a:xfrm>
+              <a:off x="5242560" y="3922891"/>
+              <a:ext cx="205740" cy="205740"/>
+            </a:xfrm>
+            <a:prstGeom prst="ellipse">
+              <a:avLst/>
+            </a:prstGeom>
+            <a:solidFill>
+              <a:schemeClr val="accent5">
+                <a:lumMod val="20000"/>
+                <a:lumOff val="80000"/>
+              </a:schemeClr>
+            </a:solidFill>
+            <a:ln>
+              <a:solidFill>
+                <a:schemeClr val="accent5">
+                  <a:lumMod val="60000"/>
+                  <a:lumOff val="40000"/>
+                </a:schemeClr>
+              </a:solidFill>
+            </a:ln>
+          </p:spPr>
+          <p:style>
+            <a:lnRef idx="2">
+              <a:schemeClr val="accent1">
+                <a:shade val="50000"/>
+              </a:schemeClr>
+            </a:lnRef>
+            <a:fillRef idx="1">
+              <a:schemeClr val="accent1"/>
+            </a:fillRef>
+            <a:effectRef idx="0">
+              <a:schemeClr val="accent1"/>
+            </a:effectRef>
+            <a:fontRef idx="minor">
+              <a:schemeClr val="lt1"/>
+            </a:fontRef>
+          </p:style>
+          <p:txBody>
+            <a:bodyPr rtlCol="0" anchor="ctr"/>
+            <a:lstStyle/>
+            <a:p>
+              <a:pPr algn="ctr"/>
+              <a:endParaRPr lang="ko-KR" altLang="en-US"/>
+            </a:p>
+          </p:txBody>
+        </p:sp>
+        <p:sp>
+          <p:nvSpPr>
+            <p:cNvPr id="17" name="타원 16">
+              <a:extLst>
+                <a:ext uri="{FF2B5EF4-FFF2-40B4-BE49-F238E27FC236}">
+                  <a16:creationId xmlns:a16="http://schemas.microsoft.com/office/drawing/2014/main" id="{45CB7F7C-33B9-4B8A-B0E4-BC4FB66F6D1B}"/>
+                </a:ext>
+              </a:extLst>
+            </p:cNvPr>
+            <p:cNvSpPr/>
+            <p:nvPr/>
+          </p:nvSpPr>
+          <p:spPr>
+            <a:xfrm>
+              <a:off x="5242560" y="4211042"/>
+              <a:ext cx="205740" cy="205740"/>
+            </a:xfrm>
+            <a:prstGeom prst="ellipse">
+              <a:avLst/>
+            </a:prstGeom>
+            <a:solidFill>
+              <a:schemeClr val="accent5">
+                <a:lumMod val="20000"/>
+                <a:lumOff val="80000"/>
+              </a:schemeClr>
+            </a:solidFill>
+            <a:ln>
+              <a:solidFill>
+                <a:schemeClr val="accent5">
+                  <a:lumMod val="60000"/>
+                  <a:lumOff val="40000"/>
+                </a:schemeClr>
+              </a:solidFill>
+            </a:ln>
+          </p:spPr>
+          <p:style>
+            <a:lnRef idx="2">
+              <a:schemeClr val="accent1">
+                <a:shade val="50000"/>
+              </a:schemeClr>
+            </a:lnRef>
+            <a:fillRef idx="1">
+              <a:schemeClr val="accent1"/>
+            </a:fillRef>
+            <a:effectRef idx="0">
+              <a:schemeClr val="accent1"/>
+            </a:effectRef>
+            <a:fontRef idx="minor">
+              <a:schemeClr val="lt1"/>
+            </a:fontRef>
+          </p:style>
+          <p:txBody>
+            <a:bodyPr rtlCol="0" anchor="ctr"/>
+            <a:lstStyle/>
+            <a:p>
+              <a:pPr algn="ctr"/>
+              <a:endParaRPr lang="ko-KR" altLang="en-US"/>
+            </a:p>
+          </p:txBody>
+        </p:sp>
+        <p:sp>
+          <p:nvSpPr>
+            <p:cNvPr id="18" name="TextBox 17">
+              <a:extLst>
+                <a:ext uri="{FF2B5EF4-FFF2-40B4-BE49-F238E27FC236}">
+                  <a16:creationId xmlns:a16="http://schemas.microsoft.com/office/drawing/2014/main" id="{7F00A678-D438-4CC3-A6F3-B426E6A95B03}"/>
+                </a:ext>
+              </a:extLst>
+            </p:cNvPr>
+            <p:cNvSpPr txBox="1"/>
+            <p:nvPr/>
+          </p:nvSpPr>
+          <p:spPr>
+            <a:xfrm rot="16200000">
+              <a:off x="5116196" y="4461296"/>
+              <a:ext cx="458469" cy="276999"/>
+            </a:xfrm>
+            <a:prstGeom prst="rect">
+              <a:avLst/>
+            </a:prstGeom>
+            <a:noFill/>
+          </p:spPr>
+          <p:txBody>
+            <a:bodyPr wrap="square" rtlCol="0">
+              <a:spAutoFit/>
+            </a:bodyPr>
+            <a:lstStyle/>
+            <a:p>
+              <a:pPr algn="ctr"/>
+              <a:r>
+                <a:rPr lang="ko-KR" altLang="en-US" sz="1200" dirty="0">
+                  <a:solidFill>
+                    <a:schemeClr val="bg2">
+                      <a:lumMod val="50000"/>
+                    </a:schemeClr>
+                  </a:solidFill>
+                  <a:sym typeface="Wingdings" panose="05000000000000000000" pitchFamily="2" charset="2"/>
+                </a:rPr>
+                <a:t></a:t>
+              </a:r>
+              <a:endParaRPr lang="ko-KR" altLang="en-US" sz="1200" dirty="0">
+                <a:solidFill>
+                  <a:schemeClr val="bg2">
+                    <a:lumMod val="50000"/>
+                  </a:schemeClr>
+                </a:solidFill>
+              </a:endParaRPr>
+            </a:p>
+          </p:txBody>
+        </p:sp>
+        <p:sp>
+          <p:nvSpPr>
+            <p:cNvPr id="19" name="타원 18">
+              <a:extLst>
+                <a:ext uri="{FF2B5EF4-FFF2-40B4-BE49-F238E27FC236}">
+                  <a16:creationId xmlns:a16="http://schemas.microsoft.com/office/drawing/2014/main" id="{770E144D-80F1-4E09-9A4B-BC82338FC2C8}"/>
+                </a:ext>
+              </a:extLst>
+            </p:cNvPr>
+            <p:cNvSpPr/>
+            <p:nvPr/>
+          </p:nvSpPr>
+          <p:spPr>
+            <a:xfrm>
+              <a:off x="5242560" y="4741122"/>
+              <a:ext cx="205740" cy="205740"/>
+            </a:xfrm>
+            <a:prstGeom prst="ellipse">
+              <a:avLst/>
+            </a:prstGeom>
+            <a:solidFill>
+              <a:schemeClr val="accent5">
+                <a:lumMod val="20000"/>
+                <a:lumOff val="80000"/>
+              </a:schemeClr>
+            </a:solidFill>
+            <a:ln>
+              <a:solidFill>
+                <a:schemeClr val="accent5">
+                  <a:lumMod val="60000"/>
+                  <a:lumOff val="40000"/>
+                </a:schemeClr>
+              </a:solidFill>
+            </a:ln>
+          </p:spPr>
+          <p:style>
+            <a:lnRef idx="2">
+              <a:schemeClr val="accent1">
+                <a:shade val="50000"/>
+              </a:schemeClr>
+            </a:lnRef>
+            <a:fillRef idx="1">
+              <a:schemeClr val="accent1"/>
+            </a:fillRef>
+            <a:effectRef idx="0">
+              <a:schemeClr val="accent1"/>
+            </a:effectRef>
+            <a:fontRef idx="minor">
+              <a:schemeClr val="lt1"/>
+            </a:fontRef>
+          </p:style>
+          <p:txBody>
+            <a:bodyPr rtlCol="0" anchor="ctr"/>
+            <a:lstStyle/>
+            <a:p>
+              <a:pPr algn="ctr"/>
+              <a:endParaRPr lang="ko-KR" altLang="en-US"/>
+            </a:p>
+          </p:txBody>
+        </p:sp>
+      </p:grpSp>
+      <p:cxnSp>
+        <p:nvCxnSpPr>
+          <p:cNvPr id="20" name="직선 화살표 연결선 19">
+            <a:extLst>
+              <a:ext uri="{FF2B5EF4-FFF2-40B4-BE49-F238E27FC236}">
+                <a16:creationId xmlns:a16="http://schemas.microsoft.com/office/drawing/2014/main" id="{587099ED-7ADF-46CA-9A70-7BBBE52E1866}"/>
+              </a:ext>
+            </a:extLst>
+          </p:cNvPr>
+          <p:cNvCxnSpPr>
+            <a:cxnSpLocks/>
+            <a:stCxn id="10" idx="3"/>
+            <a:endCxn id="14" idx="1"/>
+          </p:cNvCxnSpPr>
+          <p:nvPr/>
+        </p:nvCxnSpPr>
+        <p:spPr>
+          <a:xfrm>
+            <a:off x="4756152" y="3232719"/>
+            <a:ext cx="404803" cy="0"/>
+          </a:xfrm>
+          <a:prstGeom prst="straightConnector1">
+            <a:avLst/>
+          </a:prstGeom>
+          <a:ln w="25400">
+            <a:solidFill>
+              <a:schemeClr val="bg2">
+                <a:lumMod val="50000"/>
+              </a:schemeClr>
+            </a:solidFill>
+            <a:tailEnd type="triangle"/>
+          </a:ln>
+        </p:spPr>
+        <p:style>
+          <a:lnRef idx="1">
+            <a:schemeClr val="accent1"/>
+          </a:lnRef>
+          <a:fillRef idx="0">
+            <a:schemeClr val="accent1"/>
+          </a:fillRef>
+          <a:effectRef idx="0">
+            <a:schemeClr val="accent1"/>
+          </a:effectRef>
+          <a:fontRef idx="minor">
+            <a:schemeClr val="tx1"/>
+          </a:fontRef>
+        </p:style>
+      </p:cxnSp>
+      <p:cxnSp>
+        <p:nvCxnSpPr>
+          <p:cNvPr id="21" name="직선 화살표 연결선 20">
+            <a:extLst>
+              <a:ext uri="{FF2B5EF4-FFF2-40B4-BE49-F238E27FC236}">
+                <a16:creationId xmlns:a16="http://schemas.microsoft.com/office/drawing/2014/main" id="{F636B65B-E8BC-4D1F-AF39-EE6FA41F54CE}"/>
+              </a:ext>
+            </a:extLst>
+          </p:cNvPr>
+          <p:cNvCxnSpPr>
+            <a:cxnSpLocks/>
+            <a:stCxn id="4" idx="0"/>
+            <a:endCxn id="8" idx="2"/>
+          </p:cNvCxnSpPr>
+          <p:nvPr/>
+        </p:nvCxnSpPr>
+        <p:spPr>
+          <a:xfrm flipH="1" flipV="1">
+            <a:off x="1508760" y="3465129"/>
+            <a:ext cx="1" cy="183935"/>
+          </a:xfrm>
+          <a:prstGeom prst="straightConnector1">
+            <a:avLst/>
+          </a:prstGeom>
+          <a:ln w="25400">
+            <a:solidFill>
+              <a:schemeClr val="bg2">
+                <a:lumMod val="50000"/>
+              </a:schemeClr>
+            </a:solidFill>
+            <a:tailEnd type="triangle"/>
+          </a:ln>
+        </p:spPr>
+        <p:style>
+          <a:lnRef idx="1">
+            <a:schemeClr val="accent1"/>
+          </a:lnRef>
+          <a:fillRef idx="0">
+            <a:schemeClr val="accent1"/>
+          </a:fillRef>
+          <a:effectRef idx="0">
+            <a:schemeClr val="accent1"/>
+          </a:effectRef>
+          <a:fontRef idx="minor">
+            <a:schemeClr val="tx1"/>
+          </a:fontRef>
+        </p:style>
+      </p:cxnSp>
+      <p:cxnSp>
+        <p:nvCxnSpPr>
+          <p:cNvPr id="22" name="직선 화살표 연결선 21">
+            <a:extLst>
+              <a:ext uri="{FF2B5EF4-FFF2-40B4-BE49-F238E27FC236}">
+                <a16:creationId xmlns:a16="http://schemas.microsoft.com/office/drawing/2014/main" id="{BBBEAA96-9769-4BA2-ACC2-1167EAD2A6EC}"/>
+              </a:ext>
+            </a:extLst>
+          </p:cNvPr>
+          <p:cNvCxnSpPr>
+            <a:cxnSpLocks/>
+            <a:stCxn id="5" idx="0"/>
+            <a:endCxn id="9" idx="2"/>
+          </p:cNvCxnSpPr>
+          <p:nvPr/>
+        </p:nvCxnSpPr>
+        <p:spPr>
+          <a:xfrm flipH="1" flipV="1">
+            <a:off x="2875393" y="3465129"/>
+            <a:ext cx="1870" cy="183935"/>
+          </a:xfrm>
+          <a:prstGeom prst="straightConnector1">
+            <a:avLst/>
+          </a:prstGeom>
+          <a:ln w="25400">
+            <a:solidFill>
+              <a:schemeClr val="bg2">
+                <a:lumMod val="50000"/>
+              </a:schemeClr>
+            </a:solidFill>
+            <a:tailEnd type="triangle"/>
+          </a:ln>
+        </p:spPr>
+        <p:style>
+          <a:lnRef idx="1">
+            <a:schemeClr val="accent1"/>
+          </a:lnRef>
+          <a:fillRef idx="0">
+            <a:schemeClr val="accent1"/>
+          </a:fillRef>
+          <a:effectRef idx="0">
+            <a:schemeClr val="accent1"/>
+          </a:effectRef>
+          <a:fontRef idx="minor">
+            <a:schemeClr val="tx1"/>
+          </a:fontRef>
+        </p:style>
+      </p:cxnSp>
+      <p:cxnSp>
+        <p:nvCxnSpPr>
+          <p:cNvPr id="23" name="직선 화살표 연결선 22">
+            <a:extLst>
+              <a:ext uri="{FF2B5EF4-FFF2-40B4-BE49-F238E27FC236}">
+                <a16:creationId xmlns:a16="http://schemas.microsoft.com/office/drawing/2014/main" id="{C3C82BAB-6B64-41F6-BFED-2524CDEF9B26}"/>
+              </a:ext>
+            </a:extLst>
+          </p:cNvPr>
+          <p:cNvCxnSpPr>
+            <a:cxnSpLocks/>
+            <a:stCxn id="7" idx="0"/>
+            <a:endCxn id="10" idx="2"/>
+          </p:cNvCxnSpPr>
+          <p:nvPr/>
+        </p:nvCxnSpPr>
+        <p:spPr>
+          <a:xfrm flipH="1" flipV="1">
+            <a:off x="4248152" y="3465129"/>
+            <a:ext cx="1" cy="183935"/>
+          </a:xfrm>
+          <a:prstGeom prst="straightConnector1">
+            <a:avLst/>
+          </a:prstGeom>
+          <a:ln w="25400">
+            <a:solidFill>
+              <a:schemeClr val="bg2">
+                <a:lumMod val="50000"/>
+              </a:schemeClr>
+            </a:solidFill>
+            <a:tailEnd type="triangle"/>
+          </a:ln>
+        </p:spPr>
+        <p:style>
+          <a:lnRef idx="1">
+            <a:schemeClr val="accent1"/>
+          </a:lnRef>
+          <a:fillRef idx="0">
+            <a:schemeClr val="accent1"/>
+          </a:fillRef>
+          <a:effectRef idx="0">
+            <a:schemeClr val="accent1"/>
+          </a:effectRef>
+          <a:fontRef idx="minor">
+            <a:schemeClr val="tx1"/>
+          </a:fontRef>
+        </p:style>
+      </p:cxnSp>
+      <p:sp>
+        <p:nvSpPr>
+          <p:cNvPr id="24" name="TextBox 23">
+            <a:extLst>
+              <a:ext uri="{FF2B5EF4-FFF2-40B4-BE49-F238E27FC236}">
+                <a16:creationId xmlns:a16="http://schemas.microsoft.com/office/drawing/2014/main" id="{1C0F381A-DB43-48BF-9190-A70EC7837A1A}"/>
               </a:ext>
             </a:extLst>
           </p:cNvPr>
@@ -17544,8 +18568,8 @@
         </p:nvSpPr>
         <p:spPr>
           <a:xfrm>
-            <a:off x="4084320" y="3027680"/>
-            <a:ext cx="508473" cy="369332"/>
+            <a:off x="4841798" y="3985192"/>
+            <a:ext cx="938273" cy="261610"/>
           </a:xfrm>
           <a:prstGeom prst="rect">
             <a:avLst/>
@@ -17553,23 +18577,6650 @@
           <a:noFill/>
         </p:spPr>
         <p:txBody>
-          <a:bodyPr wrap="none" rtlCol="0">
+          <a:bodyPr wrap="square" rtlCol="0">
             <a:spAutoFit/>
           </a:bodyPr>
           <a:lstStyle/>
           <a:p>
+            <a:pPr algn="ctr"/>
             <a:r>
-              <a:rPr lang="en-US" altLang="ko-KR" dirty="0"/>
-              <a:t>××</a:t>
+              <a:rPr lang="en-US" altLang="ko-KR" sz="1100" b="1" dirty="0">
+                <a:solidFill>
+                  <a:schemeClr val="accent1"/>
+                </a:solidFill>
+                <a:latin typeface="나눔스퀘어" panose="020B0600000101010101" pitchFamily="50" charset="-127"/>
+                <a:ea typeface="나눔스퀘어" panose="020B0600000101010101" pitchFamily="50" charset="-127"/>
+              </a:rPr>
+              <a:t>Feature</a:t>
             </a:r>
-            <a:endParaRPr lang="ko-KR" altLang="en-US" dirty="0"/>
+            <a:endParaRPr lang="ko-KR" altLang="en-US" sz="1100" b="1" dirty="0">
+              <a:solidFill>
+                <a:schemeClr val="accent1"/>
+              </a:solidFill>
+              <a:latin typeface="나눔스퀘어" panose="020B0600000101010101" pitchFamily="50" charset="-127"/>
+              <a:ea typeface="나눔스퀘어" panose="020B0600000101010101" pitchFamily="50" charset="-127"/>
+            </a:endParaRPr>
           </a:p>
         </p:txBody>
       </p:sp>
+      <mc:AlternateContent xmlns:mc="http://schemas.openxmlformats.org/markup-compatibility/2006">
+        <mc:Choice xmlns:a14="http://schemas.microsoft.com/office/drawing/2010/main" Requires="a14">
+          <p:sp>
+            <p:nvSpPr>
+              <p:cNvPr id="25" name="TextBox 24">
+                <a:extLst>
+                  <a:ext uri="{FF2B5EF4-FFF2-40B4-BE49-F238E27FC236}">
+                    <a16:creationId xmlns:a16="http://schemas.microsoft.com/office/drawing/2014/main" id="{5564CBF7-7154-4AC5-B1F8-56D54F297E1E}"/>
+                  </a:ext>
+                </a:extLst>
+              </p:cNvPr>
+              <p:cNvSpPr txBox="1"/>
+              <p:nvPr/>
+            </p:nvSpPr>
+            <p:spPr>
+              <a:xfrm>
+                <a:off x="1011776" y="4305657"/>
+                <a:ext cx="993967" cy="338554"/>
+              </a:xfrm>
+              <a:prstGeom prst="rect">
+                <a:avLst/>
+              </a:prstGeom>
+              <a:noFill/>
+            </p:spPr>
+            <p:txBody>
+              <a:bodyPr wrap="square" rtlCol="0">
+                <a:spAutoFit/>
+              </a:bodyPr>
+              <a:lstStyle/>
+              <a:p>
+                <a:pPr algn="ctr"/>
+                <a14:m>
+                  <m:oMathPara xmlns:m="http://schemas.openxmlformats.org/officeDocument/2006/math">
+                    <m:oMathParaPr>
+                      <m:jc m:val="centerGroup"/>
+                    </m:oMathParaPr>
+                    <m:oMath xmlns:m="http://schemas.openxmlformats.org/officeDocument/2006/math">
+                      <m:sSub>
+                        <m:sSubPr>
+                          <m:ctrlPr>
+                            <a:rPr lang="en-US" altLang="ko-KR" sz="1600" b="1" i="1" dirty="0" smtClean="0">
+                              <a:latin typeface="Cambria Math" panose="02040503050406030204" pitchFamily="18" charset="0"/>
+                              <a:ea typeface="나눔스퀘어" panose="020B0600000101010101" pitchFamily="50" charset="-127"/>
+                            </a:rPr>
+                          </m:ctrlPr>
+                        </m:sSubPr>
+                        <m:e>
+                          <m:r>
+                            <a:rPr lang="en-US" altLang="ko-KR" sz="1600" b="1" i="1" dirty="0" smtClean="0">
+                              <a:latin typeface="Cambria Math" panose="02040503050406030204" pitchFamily="18" charset="0"/>
+                              <a:ea typeface="나눔스퀘어" panose="020B0600000101010101" pitchFamily="50" charset="-127"/>
+                            </a:rPr>
+                            <m:t>𝒗</m:t>
+                          </m:r>
+                        </m:e>
+                        <m:sub>
+                          <m:r>
+                            <a:rPr lang="en-US" altLang="ko-KR" sz="1600" b="1" i="1" dirty="0" smtClean="0">
+                              <a:latin typeface="Cambria Math" panose="02040503050406030204" pitchFamily="18" charset="0"/>
+                              <a:ea typeface="나눔스퀘어" panose="020B0600000101010101" pitchFamily="50" charset="-127"/>
+                            </a:rPr>
+                            <m:t>𝟏</m:t>
+                          </m:r>
+                        </m:sub>
+                      </m:sSub>
+                    </m:oMath>
+                  </m:oMathPara>
+                </a14:m>
+                <a:endParaRPr lang="ko-KR" altLang="en-US" sz="1600" b="1" dirty="0">
+                  <a:latin typeface="나눔스퀘어" panose="020B0600000101010101" pitchFamily="50" charset="-127"/>
+                  <a:ea typeface="나눔스퀘어" panose="020B0600000101010101" pitchFamily="50" charset="-127"/>
+                </a:endParaRPr>
+              </a:p>
+            </p:txBody>
+          </p:sp>
+        </mc:Choice>
+        <mc:Fallback>
+          <p:sp>
+            <p:nvSpPr>
+              <p:cNvPr id="25" name="TextBox 24">
+                <a:extLst>
+                  <a:ext uri="{FF2B5EF4-FFF2-40B4-BE49-F238E27FC236}">
+                    <a16:creationId xmlns:a16="http://schemas.microsoft.com/office/drawing/2014/main" id="{5564CBF7-7154-4AC5-B1F8-56D54F297E1E}"/>
+                  </a:ext>
+                </a:extLst>
+              </p:cNvPr>
+              <p:cNvSpPr txBox="1">
+                <a:spLocks noRot="1" noChangeAspect="1" noMove="1" noResize="1" noEditPoints="1" noAdjustHandles="1" noChangeArrowheads="1" noChangeShapeType="1" noTextEdit="1"/>
+              </p:cNvSpPr>
+              <p:nvPr/>
+            </p:nvSpPr>
+            <p:spPr>
+              <a:xfrm>
+                <a:off x="1011776" y="4305657"/>
+                <a:ext cx="993967" cy="338554"/>
+              </a:xfrm>
+              <a:prstGeom prst="rect">
+                <a:avLst/>
+              </a:prstGeom>
+              <a:blipFill>
+                <a:blip r:embed="rId3"/>
+                <a:stretch>
+                  <a:fillRect/>
+                </a:stretch>
+              </a:blipFill>
+            </p:spPr>
+            <p:txBody>
+              <a:bodyPr/>
+              <a:lstStyle/>
+              <a:p>
+                <a:r>
+                  <a:rPr lang="ko-KR" altLang="en-US">
+                    <a:noFill/>
+                  </a:rPr>
+                  <a:t> </a:t>
+                </a:r>
+              </a:p>
+            </p:txBody>
+          </p:sp>
+        </mc:Fallback>
+      </mc:AlternateContent>
+      <mc:AlternateContent xmlns:mc="http://schemas.openxmlformats.org/markup-compatibility/2006">
+        <mc:Choice xmlns:a14="http://schemas.microsoft.com/office/drawing/2010/main" Requires="a14">
+          <p:sp>
+            <p:nvSpPr>
+              <p:cNvPr id="26" name="TextBox 25">
+                <a:extLst>
+                  <a:ext uri="{FF2B5EF4-FFF2-40B4-BE49-F238E27FC236}">
+                    <a16:creationId xmlns:a16="http://schemas.microsoft.com/office/drawing/2014/main" id="{CF4730F6-7B5F-47D0-83E2-76868F27CB1C}"/>
+                  </a:ext>
+                </a:extLst>
+              </p:cNvPr>
+              <p:cNvSpPr txBox="1"/>
+              <p:nvPr/>
+            </p:nvSpPr>
+            <p:spPr>
+              <a:xfrm>
+                <a:off x="2371488" y="4303540"/>
+                <a:ext cx="1016000" cy="338554"/>
+              </a:xfrm>
+              <a:prstGeom prst="rect">
+                <a:avLst/>
+              </a:prstGeom>
+              <a:noFill/>
+            </p:spPr>
+            <p:txBody>
+              <a:bodyPr wrap="square" rtlCol="0">
+                <a:spAutoFit/>
+              </a:bodyPr>
+              <a:lstStyle/>
+              <a:p>
+                <a:pPr algn="ctr"/>
+                <a14:m>
+                  <m:oMathPara xmlns:m="http://schemas.openxmlformats.org/officeDocument/2006/math">
+                    <m:oMathParaPr>
+                      <m:jc m:val="centerGroup"/>
+                    </m:oMathParaPr>
+                    <m:oMath xmlns:m="http://schemas.openxmlformats.org/officeDocument/2006/math">
+                      <m:sSub>
+                        <m:sSubPr>
+                          <m:ctrlPr>
+                            <a:rPr lang="en-US" altLang="ko-KR" sz="1600" b="1" i="1" dirty="0" smtClean="0">
+                              <a:latin typeface="Cambria Math" panose="02040503050406030204" pitchFamily="18" charset="0"/>
+                              <a:ea typeface="나눔스퀘어" panose="020B0600000101010101" pitchFamily="50" charset="-127"/>
+                            </a:rPr>
+                          </m:ctrlPr>
+                        </m:sSubPr>
+                        <m:e>
+                          <m:r>
+                            <a:rPr lang="en-US" altLang="ko-KR" sz="1600" b="1" i="1" dirty="0" smtClean="0">
+                              <a:latin typeface="Cambria Math" panose="02040503050406030204" pitchFamily="18" charset="0"/>
+                              <a:ea typeface="나눔스퀘어" panose="020B0600000101010101" pitchFamily="50" charset="-127"/>
+                            </a:rPr>
+                            <m:t>𝒗</m:t>
+                          </m:r>
+                        </m:e>
+                        <m:sub>
+                          <m:r>
+                            <a:rPr lang="en-US" altLang="ko-KR" sz="1600" b="1" i="1" dirty="0" smtClean="0">
+                              <a:latin typeface="Cambria Math" panose="02040503050406030204" pitchFamily="18" charset="0"/>
+                              <a:ea typeface="나눔스퀘어" panose="020B0600000101010101" pitchFamily="50" charset="-127"/>
+                            </a:rPr>
+                            <m:t>𝟐</m:t>
+                          </m:r>
+                        </m:sub>
+                      </m:sSub>
+                    </m:oMath>
+                  </m:oMathPara>
+                </a14:m>
+                <a:endParaRPr lang="ko-KR" altLang="en-US" sz="1600" b="1" dirty="0">
+                  <a:latin typeface="나눔스퀘어" panose="020B0600000101010101" pitchFamily="50" charset="-127"/>
+                  <a:ea typeface="나눔스퀘어" panose="020B0600000101010101" pitchFamily="50" charset="-127"/>
+                </a:endParaRPr>
+              </a:p>
+            </p:txBody>
+          </p:sp>
+        </mc:Choice>
+        <mc:Fallback>
+          <p:sp>
+            <p:nvSpPr>
+              <p:cNvPr id="26" name="TextBox 25">
+                <a:extLst>
+                  <a:ext uri="{FF2B5EF4-FFF2-40B4-BE49-F238E27FC236}">
+                    <a16:creationId xmlns:a16="http://schemas.microsoft.com/office/drawing/2014/main" id="{CF4730F6-7B5F-47D0-83E2-76868F27CB1C}"/>
+                  </a:ext>
+                </a:extLst>
+              </p:cNvPr>
+              <p:cNvSpPr txBox="1">
+                <a:spLocks noRot="1" noChangeAspect="1" noMove="1" noResize="1" noEditPoints="1" noAdjustHandles="1" noChangeArrowheads="1" noChangeShapeType="1" noTextEdit="1"/>
+              </p:cNvSpPr>
+              <p:nvPr/>
+            </p:nvSpPr>
+            <p:spPr>
+              <a:xfrm>
+                <a:off x="2371488" y="4303540"/>
+                <a:ext cx="1016000" cy="338554"/>
+              </a:xfrm>
+              <a:prstGeom prst="rect">
+                <a:avLst/>
+              </a:prstGeom>
+              <a:blipFill>
+                <a:blip r:embed="rId4"/>
+                <a:stretch>
+                  <a:fillRect/>
+                </a:stretch>
+              </a:blipFill>
+            </p:spPr>
+            <p:txBody>
+              <a:bodyPr/>
+              <a:lstStyle/>
+              <a:p>
+                <a:r>
+                  <a:rPr lang="ko-KR" altLang="en-US">
+                    <a:noFill/>
+                  </a:rPr>
+                  <a:t> </a:t>
+                </a:r>
+              </a:p>
+            </p:txBody>
+          </p:sp>
+        </mc:Fallback>
+      </mc:AlternateContent>
+      <mc:AlternateContent xmlns:mc="http://schemas.openxmlformats.org/markup-compatibility/2006">
+        <mc:Choice xmlns:a14="http://schemas.microsoft.com/office/drawing/2010/main" Requires="a14">
+          <p:sp>
+            <p:nvSpPr>
+              <p:cNvPr id="27" name="TextBox 26">
+                <a:extLst>
+                  <a:ext uri="{FF2B5EF4-FFF2-40B4-BE49-F238E27FC236}">
+                    <a16:creationId xmlns:a16="http://schemas.microsoft.com/office/drawing/2014/main" id="{E141DDE5-00FC-4B20-89F9-6A2BE3BF22B5}"/>
+                  </a:ext>
+                </a:extLst>
+              </p:cNvPr>
+              <p:cNvSpPr txBox="1"/>
+              <p:nvPr/>
+            </p:nvSpPr>
+            <p:spPr>
+              <a:xfrm>
+                <a:off x="3740152" y="4303539"/>
+                <a:ext cx="1016000" cy="338554"/>
+              </a:xfrm>
+              <a:prstGeom prst="rect">
+                <a:avLst/>
+              </a:prstGeom>
+              <a:noFill/>
+            </p:spPr>
+            <p:txBody>
+              <a:bodyPr wrap="square" rtlCol="0">
+                <a:spAutoFit/>
+              </a:bodyPr>
+              <a:lstStyle/>
+              <a:p>
+                <a:pPr algn="ctr"/>
+                <a14:m>
+                  <m:oMathPara xmlns:m="http://schemas.openxmlformats.org/officeDocument/2006/math">
+                    <m:oMathParaPr>
+                      <m:jc m:val="centerGroup"/>
+                    </m:oMathParaPr>
+                    <m:oMath xmlns:m="http://schemas.openxmlformats.org/officeDocument/2006/math">
+                      <m:sSub>
+                        <m:sSubPr>
+                          <m:ctrlPr>
+                            <a:rPr lang="en-US" altLang="ko-KR" sz="1600" b="1" i="1" dirty="0" smtClean="0">
+                              <a:latin typeface="Cambria Math" panose="02040503050406030204" pitchFamily="18" charset="0"/>
+                              <a:ea typeface="나눔스퀘어" panose="020B0600000101010101" pitchFamily="50" charset="-127"/>
+                            </a:rPr>
+                          </m:ctrlPr>
+                        </m:sSubPr>
+                        <m:e>
+                          <m:r>
+                            <a:rPr lang="en-US" altLang="ko-KR" sz="1600" b="1" i="1" dirty="0" smtClean="0">
+                              <a:latin typeface="Cambria Math" panose="02040503050406030204" pitchFamily="18" charset="0"/>
+                              <a:ea typeface="나눔스퀘어" panose="020B0600000101010101" pitchFamily="50" charset="-127"/>
+                            </a:rPr>
+                            <m:t>𝒗</m:t>
+                          </m:r>
+                        </m:e>
+                        <m:sub>
+                          <m:r>
+                            <a:rPr lang="en-US" altLang="ko-KR" sz="1600" b="1" i="1" dirty="0" smtClean="0">
+                              <a:latin typeface="Cambria Math" panose="02040503050406030204" pitchFamily="18" charset="0"/>
+                              <a:ea typeface="나눔스퀘어" panose="020B0600000101010101" pitchFamily="50" charset="-127"/>
+                            </a:rPr>
+                            <m:t>𝟑</m:t>
+                          </m:r>
+                        </m:sub>
+                      </m:sSub>
+                    </m:oMath>
+                  </m:oMathPara>
+                </a14:m>
+                <a:endParaRPr lang="ko-KR" altLang="en-US" sz="1600" b="1" dirty="0">
+                  <a:latin typeface="나눔스퀘어" panose="020B0600000101010101" pitchFamily="50" charset="-127"/>
+                  <a:ea typeface="나눔스퀘어" panose="020B0600000101010101" pitchFamily="50" charset="-127"/>
+                </a:endParaRPr>
+              </a:p>
+            </p:txBody>
+          </p:sp>
+        </mc:Choice>
+        <mc:Fallback>
+          <p:sp>
+            <p:nvSpPr>
+              <p:cNvPr id="27" name="TextBox 26">
+                <a:extLst>
+                  <a:ext uri="{FF2B5EF4-FFF2-40B4-BE49-F238E27FC236}">
+                    <a16:creationId xmlns:a16="http://schemas.microsoft.com/office/drawing/2014/main" id="{E141DDE5-00FC-4B20-89F9-6A2BE3BF22B5}"/>
+                  </a:ext>
+                </a:extLst>
+              </p:cNvPr>
+              <p:cNvSpPr txBox="1">
+                <a:spLocks noRot="1" noChangeAspect="1" noMove="1" noResize="1" noEditPoints="1" noAdjustHandles="1" noChangeArrowheads="1" noChangeShapeType="1" noTextEdit="1"/>
+              </p:cNvSpPr>
+              <p:nvPr/>
+            </p:nvSpPr>
+            <p:spPr>
+              <a:xfrm>
+                <a:off x="3740152" y="4303539"/>
+                <a:ext cx="1016000" cy="338554"/>
+              </a:xfrm>
+              <a:prstGeom prst="rect">
+                <a:avLst/>
+              </a:prstGeom>
+              <a:blipFill>
+                <a:blip r:embed="rId5"/>
+                <a:stretch>
+                  <a:fillRect/>
+                </a:stretch>
+              </a:blipFill>
+            </p:spPr>
+            <p:txBody>
+              <a:bodyPr/>
+              <a:lstStyle/>
+              <a:p>
+                <a:r>
+                  <a:rPr lang="ko-KR" altLang="en-US">
+                    <a:noFill/>
+                  </a:rPr>
+                  <a:t> </a:t>
+                </a:r>
+              </a:p>
+            </p:txBody>
+          </p:sp>
+        </mc:Fallback>
+      </mc:AlternateContent>
+      <p:cxnSp>
+        <p:nvCxnSpPr>
+          <p:cNvPr id="2" name="직선 화살표 연결선 1">
+            <a:extLst>
+              <a:ext uri="{FF2B5EF4-FFF2-40B4-BE49-F238E27FC236}">
+                <a16:creationId xmlns:a16="http://schemas.microsoft.com/office/drawing/2014/main" id="{FDBD9676-1A4D-45D8-8B79-CC5CB93740FC}"/>
+              </a:ext>
+            </a:extLst>
+          </p:cNvPr>
+          <p:cNvCxnSpPr>
+            <a:cxnSpLocks/>
+            <a:stCxn id="14" idx="3"/>
+          </p:cNvCxnSpPr>
+          <p:nvPr/>
+        </p:nvCxnSpPr>
+        <p:spPr>
+          <a:xfrm flipV="1">
+            <a:off x="5474190" y="2686123"/>
+            <a:ext cx="621810" cy="546596"/>
+          </a:xfrm>
+          <a:prstGeom prst="straightConnector1">
+            <a:avLst/>
+          </a:prstGeom>
+          <a:ln w="25400">
+            <a:gradFill>
+              <a:gsLst>
+                <a:gs pos="0">
+                  <a:schemeClr val="bg1">
+                    <a:alpha val="50000"/>
+                  </a:schemeClr>
+                </a:gs>
+                <a:gs pos="52000">
+                  <a:schemeClr val="bg2">
+                    <a:lumMod val="90000"/>
+                  </a:schemeClr>
+                </a:gs>
+                <a:gs pos="83000">
+                  <a:schemeClr val="bg2">
+                    <a:lumMod val="75000"/>
+                  </a:schemeClr>
+                </a:gs>
+                <a:gs pos="100000">
+                  <a:schemeClr val="bg2">
+                    <a:lumMod val="50000"/>
+                  </a:schemeClr>
+                </a:gs>
+              </a:gsLst>
+              <a:lin ang="10800000" scaled="0"/>
+            </a:gradFill>
+            <a:tailEnd type="triangle"/>
+          </a:ln>
+        </p:spPr>
+        <p:style>
+          <a:lnRef idx="1">
+            <a:schemeClr val="accent1"/>
+          </a:lnRef>
+          <a:fillRef idx="0">
+            <a:schemeClr val="accent1"/>
+          </a:fillRef>
+          <a:effectRef idx="0">
+            <a:schemeClr val="accent1"/>
+          </a:effectRef>
+          <a:fontRef idx="minor">
+            <a:schemeClr val="tx1"/>
+          </a:fontRef>
+        </p:style>
+      </p:cxnSp>
+      <p:cxnSp>
+        <p:nvCxnSpPr>
+          <p:cNvPr id="33" name="직선 화살표 연결선 32">
+            <a:extLst>
+              <a:ext uri="{FF2B5EF4-FFF2-40B4-BE49-F238E27FC236}">
+                <a16:creationId xmlns:a16="http://schemas.microsoft.com/office/drawing/2014/main" id="{1978A854-DBE9-4F21-8532-9B749A994276}"/>
+              </a:ext>
+            </a:extLst>
+          </p:cNvPr>
+          <p:cNvCxnSpPr>
+            <a:cxnSpLocks/>
+            <a:stCxn id="14" idx="3"/>
+          </p:cNvCxnSpPr>
+          <p:nvPr/>
+        </p:nvCxnSpPr>
+        <p:spPr>
+          <a:xfrm>
+            <a:off x="5474190" y="3232719"/>
+            <a:ext cx="565832" cy="544824"/>
+          </a:xfrm>
+          <a:prstGeom prst="straightConnector1">
+            <a:avLst/>
+          </a:prstGeom>
+          <a:ln w="25400">
+            <a:gradFill>
+              <a:gsLst>
+                <a:gs pos="0">
+                  <a:schemeClr val="bg1"/>
+                </a:gs>
+                <a:gs pos="74000">
+                  <a:schemeClr val="bg2">
+                    <a:lumMod val="90000"/>
+                  </a:schemeClr>
+                </a:gs>
+                <a:gs pos="83000">
+                  <a:schemeClr val="bg2">
+                    <a:lumMod val="75000"/>
+                  </a:schemeClr>
+                </a:gs>
+                <a:gs pos="100000">
+                  <a:schemeClr val="bg2">
+                    <a:lumMod val="50000"/>
+                  </a:schemeClr>
+                </a:gs>
+              </a:gsLst>
+              <a:lin ang="10800000" scaled="0"/>
+            </a:gradFill>
+            <a:tailEnd type="triangle"/>
+          </a:ln>
+        </p:spPr>
+        <p:style>
+          <a:lnRef idx="1">
+            <a:schemeClr val="accent1"/>
+          </a:lnRef>
+          <a:fillRef idx="0">
+            <a:schemeClr val="accent1"/>
+          </a:fillRef>
+          <a:effectRef idx="0">
+            <a:schemeClr val="accent1"/>
+          </a:effectRef>
+          <a:fontRef idx="minor">
+            <a:schemeClr val="tx1"/>
+          </a:fontRef>
+        </p:style>
+      </p:cxnSp>
     </p:spTree>
     <p:extLst>
       <p:ext uri="{BB962C8B-B14F-4D97-AF65-F5344CB8AC3E}">
         <p14:creationId xmlns:p14="http://schemas.microsoft.com/office/powerpoint/2010/main" val="457052788"/>
+      </p:ext>
+    </p:extLst>
+  </p:cSld>
+  <p:clrMapOvr>
+    <a:masterClrMapping/>
+  </p:clrMapOvr>
+</p:sld>
+</file>
+
+<file path=ppt/slides/slide6.xml><?xml version="1.0" encoding="utf-8"?>
+<p:sld xmlns:a="http://schemas.openxmlformats.org/drawingml/2006/main" xmlns:r="http://schemas.openxmlformats.org/officeDocument/2006/relationships" xmlns:p="http://schemas.openxmlformats.org/presentationml/2006/main">
+  <p:cSld>
+    <p:spTree>
+      <p:nvGrpSpPr>
+        <p:cNvPr id="1" name=""/>
+        <p:cNvGrpSpPr/>
+        <p:nvPr/>
+      </p:nvGrpSpPr>
+      <p:grpSpPr>
+        <a:xfrm>
+          <a:off x="0" y="0"/>
+          <a:ext cx="0" cy="0"/>
+          <a:chOff x="0" y="0"/>
+          <a:chExt cx="0" cy="0"/>
+        </a:xfrm>
+      </p:grpSpPr>
+      <p:grpSp>
+        <p:nvGrpSpPr>
+          <p:cNvPr id="4" name="그룹 3">
+            <a:extLst>
+              <a:ext uri="{FF2B5EF4-FFF2-40B4-BE49-F238E27FC236}">
+                <a16:creationId xmlns:a16="http://schemas.microsoft.com/office/drawing/2014/main" id="{55273F20-524D-4330-8486-8C11422D968E}"/>
+              </a:ext>
+            </a:extLst>
+          </p:cNvPr>
+          <p:cNvGrpSpPr/>
+          <p:nvPr/>
+        </p:nvGrpSpPr>
+        <p:grpSpPr>
+          <a:xfrm>
+            <a:off x="5348645" y="924233"/>
+            <a:ext cx="313235" cy="1451888"/>
+            <a:chOff x="5188812" y="3558262"/>
+            <a:chExt cx="313235" cy="1451888"/>
+          </a:xfrm>
+        </p:grpSpPr>
+        <p:sp>
+          <p:nvSpPr>
+            <p:cNvPr id="5" name="사각형: 둥근 모서리 4">
+              <a:extLst>
+                <a:ext uri="{FF2B5EF4-FFF2-40B4-BE49-F238E27FC236}">
+                  <a16:creationId xmlns:a16="http://schemas.microsoft.com/office/drawing/2014/main" id="{5C82D482-A1FE-4718-897B-B164D5396F38}"/>
+                </a:ext>
+              </a:extLst>
+            </p:cNvPr>
+            <p:cNvSpPr/>
+            <p:nvPr/>
+          </p:nvSpPr>
+          <p:spPr>
+            <a:xfrm>
+              <a:off x="5188812" y="3558262"/>
+              <a:ext cx="313235" cy="1451888"/>
+            </a:xfrm>
+            <a:prstGeom prst="roundRect">
+              <a:avLst>
+                <a:gd name="adj" fmla="val 50000"/>
+              </a:avLst>
+            </a:prstGeom>
+            <a:noFill/>
+            <a:ln w="19050">
+              <a:solidFill>
+                <a:schemeClr val="accent1">
+                  <a:lumMod val="60000"/>
+                  <a:lumOff val="40000"/>
+                </a:schemeClr>
+              </a:solidFill>
+            </a:ln>
+          </p:spPr>
+          <p:style>
+            <a:lnRef idx="2">
+              <a:schemeClr val="accent1">
+                <a:shade val="50000"/>
+              </a:schemeClr>
+            </a:lnRef>
+            <a:fillRef idx="1">
+              <a:schemeClr val="accent1"/>
+            </a:fillRef>
+            <a:effectRef idx="0">
+              <a:schemeClr val="accent1"/>
+            </a:effectRef>
+            <a:fontRef idx="minor">
+              <a:schemeClr val="lt1"/>
+            </a:fontRef>
+          </p:style>
+          <p:txBody>
+            <a:bodyPr rtlCol="0" anchor="ctr"/>
+            <a:lstStyle/>
+            <a:p>
+              <a:pPr algn="ctr"/>
+              <a:endParaRPr lang="ko-KR" altLang="en-US"/>
+            </a:p>
+          </p:txBody>
+        </p:sp>
+        <p:sp>
+          <p:nvSpPr>
+            <p:cNvPr id="6" name="타원 5">
+              <a:extLst>
+                <a:ext uri="{FF2B5EF4-FFF2-40B4-BE49-F238E27FC236}">
+                  <a16:creationId xmlns:a16="http://schemas.microsoft.com/office/drawing/2014/main" id="{0273616B-D2B9-4131-A0E8-49392A82B2D3}"/>
+                </a:ext>
+              </a:extLst>
+            </p:cNvPr>
+            <p:cNvSpPr/>
+            <p:nvPr/>
+          </p:nvSpPr>
+          <p:spPr>
+            <a:xfrm>
+              <a:off x="5242560" y="3634740"/>
+              <a:ext cx="205740" cy="205740"/>
+            </a:xfrm>
+            <a:prstGeom prst="ellipse">
+              <a:avLst/>
+            </a:prstGeom>
+            <a:solidFill>
+              <a:schemeClr val="accent5">
+                <a:lumMod val="20000"/>
+                <a:lumOff val="80000"/>
+              </a:schemeClr>
+            </a:solidFill>
+            <a:ln>
+              <a:solidFill>
+                <a:schemeClr val="accent5">
+                  <a:lumMod val="60000"/>
+                  <a:lumOff val="40000"/>
+                </a:schemeClr>
+              </a:solidFill>
+            </a:ln>
+          </p:spPr>
+          <p:style>
+            <a:lnRef idx="2">
+              <a:schemeClr val="accent1">
+                <a:shade val="50000"/>
+              </a:schemeClr>
+            </a:lnRef>
+            <a:fillRef idx="1">
+              <a:schemeClr val="accent1"/>
+            </a:fillRef>
+            <a:effectRef idx="0">
+              <a:schemeClr val="accent1"/>
+            </a:effectRef>
+            <a:fontRef idx="minor">
+              <a:schemeClr val="lt1"/>
+            </a:fontRef>
+          </p:style>
+          <p:txBody>
+            <a:bodyPr rtlCol="0" anchor="ctr"/>
+            <a:lstStyle/>
+            <a:p>
+              <a:pPr algn="ctr"/>
+              <a:endParaRPr lang="ko-KR" altLang="en-US"/>
+            </a:p>
+          </p:txBody>
+        </p:sp>
+        <p:sp>
+          <p:nvSpPr>
+            <p:cNvPr id="7" name="타원 6">
+              <a:extLst>
+                <a:ext uri="{FF2B5EF4-FFF2-40B4-BE49-F238E27FC236}">
+                  <a16:creationId xmlns:a16="http://schemas.microsoft.com/office/drawing/2014/main" id="{F7790229-675C-4297-9666-138AD354894C}"/>
+                </a:ext>
+              </a:extLst>
+            </p:cNvPr>
+            <p:cNvSpPr/>
+            <p:nvPr/>
+          </p:nvSpPr>
+          <p:spPr>
+            <a:xfrm>
+              <a:off x="5242560" y="3922891"/>
+              <a:ext cx="205740" cy="205740"/>
+            </a:xfrm>
+            <a:prstGeom prst="ellipse">
+              <a:avLst/>
+            </a:prstGeom>
+            <a:solidFill>
+              <a:schemeClr val="accent5">
+                <a:lumMod val="20000"/>
+                <a:lumOff val="80000"/>
+              </a:schemeClr>
+            </a:solidFill>
+            <a:ln>
+              <a:solidFill>
+                <a:schemeClr val="accent5">
+                  <a:lumMod val="60000"/>
+                  <a:lumOff val="40000"/>
+                </a:schemeClr>
+              </a:solidFill>
+            </a:ln>
+          </p:spPr>
+          <p:style>
+            <a:lnRef idx="2">
+              <a:schemeClr val="accent1">
+                <a:shade val="50000"/>
+              </a:schemeClr>
+            </a:lnRef>
+            <a:fillRef idx="1">
+              <a:schemeClr val="accent1"/>
+            </a:fillRef>
+            <a:effectRef idx="0">
+              <a:schemeClr val="accent1"/>
+            </a:effectRef>
+            <a:fontRef idx="minor">
+              <a:schemeClr val="lt1"/>
+            </a:fontRef>
+          </p:style>
+          <p:txBody>
+            <a:bodyPr rtlCol="0" anchor="ctr"/>
+            <a:lstStyle/>
+            <a:p>
+              <a:pPr algn="ctr"/>
+              <a:endParaRPr lang="ko-KR" altLang="en-US"/>
+            </a:p>
+          </p:txBody>
+        </p:sp>
+        <p:sp>
+          <p:nvSpPr>
+            <p:cNvPr id="8" name="타원 7">
+              <a:extLst>
+                <a:ext uri="{FF2B5EF4-FFF2-40B4-BE49-F238E27FC236}">
+                  <a16:creationId xmlns:a16="http://schemas.microsoft.com/office/drawing/2014/main" id="{0FF5860B-0FA1-42C7-BFCE-3C935F704F56}"/>
+                </a:ext>
+              </a:extLst>
+            </p:cNvPr>
+            <p:cNvSpPr/>
+            <p:nvPr/>
+          </p:nvSpPr>
+          <p:spPr>
+            <a:xfrm>
+              <a:off x="5242560" y="4211042"/>
+              <a:ext cx="205740" cy="205740"/>
+            </a:xfrm>
+            <a:prstGeom prst="ellipse">
+              <a:avLst/>
+            </a:prstGeom>
+            <a:solidFill>
+              <a:schemeClr val="accent5">
+                <a:lumMod val="20000"/>
+                <a:lumOff val="80000"/>
+              </a:schemeClr>
+            </a:solidFill>
+            <a:ln>
+              <a:solidFill>
+                <a:schemeClr val="accent5">
+                  <a:lumMod val="60000"/>
+                  <a:lumOff val="40000"/>
+                </a:schemeClr>
+              </a:solidFill>
+            </a:ln>
+          </p:spPr>
+          <p:style>
+            <a:lnRef idx="2">
+              <a:schemeClr val="accent1">
+                <a:shade val="50000"/>
+              </a:schemeClr>
+            </a:lnRef>
+            <a:fillRef idx="1">
+              <a:schemeClr val="accent1"/>
+            </a:fillRef>
+            <a:effectRef idx="0">
+              <a:schemeClr val="accent1"/>
+            </a:effectRef>
+            <a:fontRef idx="minor">
+              <a:schemeClr val="lt1"/>
+            </a:fontRef>
+          </p:style>
+          <p:txBody>
+            <a:bodyPr rtlCol="0" anchor="ctr"/>
+            <a:lstStyle/>
+            <a:p>
+              <a:pPr algn="ctr"/>
+              <a:endParaRPr lang="ko-KR" altLang="en-US"/>
+            </a:p>
+          </p:txBody>
+        </p:sp>
+        <p:sp>
+          <p:nvSpPr>
+            <p:cNvPr id="9" name="TextBox 8">
+              <a:extLst>
+                <a:ext uri="{FF2B5EF4-FFF2-40B4-BE49-F238E27FC236}">
+                  <a16:creationId xmlns:a16="http://schemas.microsoft.com/office/drawing/2014/main" id="{2E0B372C-8F78-4ACC-AFBB-406CCB49DAA5}"/>
+                </a:ext>
+              </a:extLst>
+            </p:cNvPr>
+            <p:cNvSpPr txBox="1"/>
+            <p:nvPr/>
+          </p:nvSpPr>
+          <p:spPr>
+            <a:xfrm rot="16200000">
+              <a:off x="5116196" y="4461296"/>
+              <a:ext cx="458469" cy="276999"/>
+            </a:xfrm>
+            <a:prstGeom prst="rect">
+              <a:avLst/>
+            </a:prstGeom>
+            <a:noFill/>
+          </p:spPr>
+          <p:txBody>
+            <a:bodyPr wrap="square" rtlCol="0">
+              <a:spAutoFit/>
+            </a:bodyPr>
+            <a:lstStyle/>
+            <a:p>
+              <a:pPr algn="ctr"/>
+              <a:r>
+                <a:rPr lang="ko-KR" altLang="en-US" sz="1200" dirty="0">
+                  <a:solidFill>
+                    <a:schemeClr val="bg2">
+                      <a:lumMod val="50000"/>
+                    </a:schemeClr>
+                  </a:solidFill>
+                  <a:sym typeface="Wingdings" panose="05000000000000000000" pitchFamily="2" charset="2"/>
+                </a:rPr>
+                <a:t></a:t>
+              </a:r>
+              <a:endParaRPr lang="ko-KR" altLang="en-US" sz="1200" dirty="0">
+                <a:solidFill>
+                  <a:schemeClr val="bg2">
+                    <a:lumMod val="50000"/>
+                  </a:schemeClr>
+                </a:solidFill>
+              </a:endParaRPr>
+            </a:p>
+          </p:txBody>
+        </p:sp>
+        <p:sp>
+          <p:nvSpPr>
+            <p:cNvPr id="10" name="타원 9">
+              <a:extLst>
+                <a:ext uri="{FF2B5EF4-FFF2-40B4-BE49-F238E27FC236}">
+                  <a16:creationId xmlns:a16="http://schemas.microsoft.com/office/drawing/2014/main" id="{8AF7924D-0332-45A8-B608-D779D9370811}"/>
+                </a:ext>
+              </a:extLst>
+            </p:cNvPr>
+            <p:cNvSpPr/>
+            <p:nvPr/>
+          </p:nvSpPr>
+          <p:spPr>
+            <a:xfrm>
+              <a:off x="5242560" y="4741122"/>
+              <a:ext cx="205740" cy="205740"/>
+            </a:xfrm>
+            <a:prstGeom prst="ellipse">
+              <a:avLst/>
+            </a:prstGeom>
+            <a:solidFill>
+              <a:schemeClr val="accent5">
+                <a:lumMod val="20000"/>
+                <a:lumOff val="80000"/>
+              </a:schemeClr>
+            </a:solidFill>
+            <a:ln>
+              <a:solidFill>
+                <a:schemeClr val="accent5">
+                  <a:lumMod val="60000"/>
+                  <a:lumOff val="40000"/>
+                </a:schemeClr>
+              </a:solidFill>
+            </a:ln>
+          </p:spPr>
+          <p:style>
+            <a:lnRef idx="2">
+              <a:schemeClr val="accent1">
+                <a:shade val="50000"/>
+              </a:schemeClr>
+            </a:lnRef>
+            <a:fillRef idx="1">
+              <a:schemeClr val="accent1"/>
+            </a:fillRef>
+            <a:effectRef idx="0">
+              <a:schemeClr val="accent1"/>
+            </a:effectRef>
+            <a:fontRef idx="minor">
+              <a:schemeClr val="lt1"/>
+            </a:fontRef>
+          </p:style>
+          <p:txBody>
+            <a:bodyPr rtlCol="0" anchor="ctr"/>
+            <a:lstStyle/>
+            <a:p>
+              <a:pPr algn="ctr"/>
+              <a:endParaRPr lang="ko-KR" altLang="en-US"/>
+            </a:p>
+          </p:txBody>
+        </p:sp>
+      </p:grpSp>
+      <p:sp>
+        <p:nvSpPr>
+          <p:cNvPr id="11" name="직사각형 10">
+            <a:extLst>
+              <a:ext uri="{FF2B5EF4-FFF2-40B4-BE49-F238E27FC236}">
+                <a16:creationId xmlns:a16="http://schemas.microsoft.com/office/drawing/2014/main" id="{1A26896E-741A-41EA-8D29-C8B79BB28213}"/>
+              </a:ext>
+            </a:extLst>
+          </p:cNvPr>
+          <p:cNvSpPr/>
+          <p:nvPr/>
+        </p:nvSpPr>
+        <p:spPr>
+          <a:xfrm>
+            <a:off x="7176701" y="1417767"/>
+            <a:ext cx="1016000" cy="464820"/>
+          </a:xfrm>
+          <a:prstGeom prst="rect">
+            <a:avLst/>
+          </a:prstGeom>
+          <a:solidFill>
+            <a:schemeClr val="accent4">
+              <a:lumMod val="20000"/>
+              <a:lumOff val="80000"/>
+            </a:schemeClr>
+          </a:solidFill>
+          <a:ln>
+            <a:solidFill>
+              <a:schemeClr val="accent4">
+                <a:lumMod val="60000"/>
+                <a:lumOff val="40000"/>
+              </a:schemeClr>
+            </a:solidFill>
+          </a:ln>
+        </p:spPr>
+        <p:style>
+          <a:lnRef idx="2">
+            <a:schemeClr val="accent1">
+              <a:shade val="50000"/>
+            </a:schemeClr>
+          </a:lnRef>
+          <a:fillRef idx="1">
+            <a:schemeClr val="accent1"/>
+          </a:fillRef>
+          <a:effectRef idx="0">
+            <a:schemeClr val="accent1"/>
+          </a:effectRef>
+          <a:fontRef idx="minor">
+            <a:schemeClr val="lt1"/>
+          </a:fontRef>
+        </p:style>
+        <p:txBody>
+          <a:bodyPr rtlCol="0" anchor="ctr"/>
+          <a:lstStyle/>
+          <a:p>
+            <a:pPr algn="ctr"/>
+            <a:r>
+              <a:rPr lang="en-US" altLang="ko-KR" sz="1400" b="1" dirty="0">
+                <a:solidFill>
+                  <a:schemeClr val="tx1"/>
+                </a:solidFill>
+                <a:latin typeface="나눔스퀘어" panose="020B0600000101010101" pitchFamily="50" charset="-127"/>
+                <a:ea typeface="나눔스퀘어" panose="020B0600000101010101" pitchFamily="50" charset="-127"/>
+              </a:rPr>
+              <a:t>LSTM</a:t>
+            </a:r>
+            <a:endParaRPr lang="ko-KR" altLang="en-US" sz="1400" b="1" dirty="0">
+              <a:solidFill>
+                <a:schemeClr val="tx1"/>
+              </a:solidFill>
+              <a:latin typeface="나눔스퀘어" panose="020B0600000101010101" pitchFamily="50" charset="-127"/>
+              <a:ea typeface="나눔스퀘어" panose="020B0600000101010101" pitchFamily="50" charset="-127"/>
+            </a:endParaRPr>
+          </a:p>
+        </p:txBody>
+      </p:sp>
+      <p:sp>
+        <p:nvSpPr>
+          <p:cNvPr id="12" name="직사각형 11">
+            <a:extLst>
+              <a:ext uri="{FF2B5EF4-FFF2-40B4-BE49-F238E27FC236}">
+                <a16:creationId xmlns:a16="http://schemas.microsoft.com/office/drawing/2014/main" id="{56EB5EEA-D426-45D5-BF04-7BF72024DE25}"/>
+              </a:ext>
+            </a:extLst>
+          </p:cNvPr>
+          <p:cNvSpPr/>
+          <p:nvPr/>
+        </p:nvSpPr>
+        <p:spPr>
+          <a:xfrm>
+            <a:off x="8543334" y="1417767"/>
+            <a:ext cx="1016000" cy="464820"/>
+          </a:xfrm>
+          <a:prstGeom prst="rect">
+            <a:avLst/>
+          </a:prstGeom>
+          <a:solidFill>
+            <a:schemeClr val="accent4">
+              <a:lumMod val="20000"/>
+              <a:lumOff val="80000"/>
+            </a:schemeClr>
+          </a:solidFill>
+          <a:ln>
+            <a:solidFill>
+              <a:schemeClr val="accent4">
+                <a:lumMod val="60000"/>
+                <a:lumOff val="40000"/>
+              </a:schemeClr>
+            </a:solidFill>
+          </a:ln>
+        </p:spPr>
+        <p:style>
+          <a:lnRef idx="2">
+            <a:schemeClr val="accent1">
+              <a:shade val="50000"/>
+            </a:schemeClr>
+          </a:lnRef>
+          <a:fillRef idx="1">
+            <a:schemeClr val="accent1"/>
+          </a:fillRef>
+          <a:effectRef idx="0">
+            <a:schemeClr val="accent1"/>
+          </a:effectRef>
+          <a:fontRef idx="minor">
+            <a:schemeClr val="lt1"/>
+          </a:fontRef>
+        </p:style>
+        <p:txBody>
+          <a:bodyPr rtlCol="0" anchor="ctr"/>
+          <a:lstStyle/>
+          <a:p>
+            <a:pPr algn="ctr"/>
+            <a:r>
+              <a:rPr lang="en-US" altLang="ko-KR" sz="1400" b="1" dirty="0">
+                <a:solidFill>
+                  <a:schemeClr val="tx1"/>
+                </a:solidFill>
+                <a:latin typeface="나눔스퀘어" panose="020B0600000101010101" pitchFamily="50" charset="-127"/>
+                <a:ea typeface="나눔스퀘어" panose="020B0600000101010101" pitchFamily="50" charset="-127"/>
+              </a:rPr>
+              <a:t>LSTM</a:t>
+            </a:r>
+            <a:endParaRPr lang="ko-KR" altLang="en-US" sz="1400" b="1" dirty="0">
+              <a:solidFill>
+                <a:schemeClr val="tx1"/>
+              </a:solidFill>
+              <a:latin typeface="나눔스퀘어" panose="020B0600000101010101" pitchFamily="50" charset="-127"/>
+              <a:ea typeface="나눔스퀘어" panose="020B0600000101010101" pitchFamily="50" charset="-127"/>
+            </a:endParaRPr>
+          </a:p>
+        </p:txBody>
+      </p:sp>
+      <p:sp>
+        <p:nvSpPr>
+          <p:cNvPr id="13" name="직사각형 12">
+            <a:extLst>
+              <a:ext uri="{FF2B5EF4-FFF2-40B4-BE49-F238E27FC236}">
+                <a16:creationId xmlns:a16="http://schemas.microsoft.com/office/drawing/2014/main" id="{47C299DD-4B35-4A69-8C77-D37A14E84F1E}"/>
+              </a:ext>
+            </a:extLst>
+          </p:cNvPr>
+          <p:cNvSpPr/>
+          <p:nvPr/>
+        </p:nvSpPr>
+        <p:spPr>
+          <a:xfrm>
+            <a:off x="9903393" y="1417767"/>
+            <a:ext cx="1016000" cy="464820"/>
+          </a:xfrm>
+          <a:prstGeom prst="rect">
+            <a:avLst/>
+          </a:prstGeom>
+          <a:solidFill>
+            <a:schemeClr val="accent4">
+              <a:lumMod val="20000"/>
+              <a:lumOff val="80000"/>
+            </a:schemeClr>
+          </a:solidFill>
+          <a:ln>
+            <a:solidFill>
+              <a:schemeClr val="accent4">
+                <a:lumMod val="60000"/>
+                <a:lumOff val="40000"/>
+              </a:schemeClr>
+            </a:solidFill>
+          </a:ln>
+        </p:spPr>
+        <p:style>
+          <a:lnRef idx="2">
+            <a:schemeClr val="accent1">
+              <a:shade val="50000"/>
+            </a:schemeClr>
+          </a:lnRef>
+          <a:fillRef idx="1">
+            <a:schemeClr val="accent1"/>
+          </a:fillRef>
+          <a:effectRef idx="0">
+            <a:schemeClr val="accent1"/>
+          </a:effectRef>
+          <a:fontRef idx="minor">
+            <a:schemeClr val="lt1"/>
+          </a:fontRef>
+        </p:style>
+        <p:txBody>
+          <a:bodyPr rtlCol="0" anchor="ctr"/>
+          <a:lstStyle/>
+          <a:p>
+            <a:pPr algn="ctr"/>
+            <a:r>
+              <a:rPr lang="en-US" altLang="ko-KR" sz="1400" b="1" dirty="0">
+                <a:solidFill>
+                  <a:schemeClr val="tx1"/>
+                </a:solidFill>
+                <a:latin typeface="나눔스퀘어" panose="020B0600000101010101" pitchFamily="50" charset="-127"/>
+                <a:ea typeface="나눔스퀘어" panose="020B0600000101010101" pitchFamily="50" charset="-127"/>
+              </a:rPr>
+              <a:t>LSTM</a:t>
+            </a:r>
+            <a:endParaRPr lang="ko-KR" altLang="en-US" sz="1400" b="1" dirty="0">
+              <a:solidFill>
+                <a:schemeClr val="tx1"/>
+              </a:solidFill>
+              <a:latin typeface="나눔스퀘어" panose="020B0600000101010101" pitchFamily="50" charset="-127"/>
+              <a:ea typeface="나눔스퀘어" panose="020B0600000101010101" pitchFamily="50" charset="-127"/>
+            </a:endParaRPr>
+          </a:p>
+        </p:txBody>
+      </p:sp>
+      <p:cxnSp>
+        <p:nvCxnSpPr>
+          <p:cNvPr id="14" name="직선 화살표 연결선 13">
+            <a:extLst>
+              <a:ext uri="{FF2B5EF4-FFF2-40B4-BE49-F238E27FC236}">
+                <a16:creationId xmlns:a16="http://schemas.microsoft.com/office/drawing/2014/main" id="{767ECE19-2CB2-4B6A-8F68-5148EAE00025}"/>
+              </a:ext>
+            </a:extLst>
+          </p:cNvPr>
+          <p:cNvCxnSpPr>
+            <a:cxnSpLocks/>
+            <a:stCxn id="11" idx="0"/>
+            <a:endCxn id="25" idx="2"/>
+          </p:cNvCxnSpPr>
+          <p:nvPr/>
+        </p:nvCxnSpPr>
+        <p:spPr>
+          <a:xfrm flipH="1" flipV="1">
+            <a:off x="7682658" y="1222647"/>
+            <a:ext cx="2043" cy="195120"/>
+          </a:xfrm>
+          <a:prstGeom prst="straightConnector1">
+            <a:avLst/>
+          </a:prstGeom>
+          <a:ln w="25400">
+            <a:solidFill>
+              <a:schemeClr val="bg2">
+                <a:lumMod val="50000"/>
+              </a:schemeClr>
+            </a:solidFill>
+            <a:tailEnd type="triangle"/>
+          </a:ln>
+        </p:spPr>
+        <p:style>
+          <a:lnRef idx="1">
+            <a:schemeClr val="accent1"/>
+          </a:lnRef>
+          <a:fillRef idx="0">
+            <a:schemeClr val="accent1"/>
+          </a:fillRef>
+          <a:effectRef idx="0">
+            <a:schemeClr val="accent1"/>
+          </a:effectRef>
+          <a:fontRef idx="minor">
+            <a:schemeClr val="tx1"/>
+          </a:fontRef>
+        </p:style>
+      </p:cxnSp>
+      <p:cxnSp>
+        <p:nvCxnSpPr>
+          <p:cNvPr id="15" name="직선 화살표 연결선 14">
+            <a:extLst>
+              <a:ext uri="{FF2B5EF4-FFF2-40B4-BE49-F238E27FC236}">
+                <a16:creationId xmlns:a16="http://schemas.microsoft.com/office/drawing/2014/main" id="{42D0E3DA-2D53-41E1-A4CA-E7D6CF6CA80D}"/>
+              </a:ext>
+            </a:extLst>
+          </p:cNvPr>
+          <p:cNvCxnSpPr>
+            <a:cxnSpLocks/>
+            <a:stCxn id="12" idx="0"/>
+            <a:endCxn id="26" idx="2"/>
+          </p:cNvCxnSpPr>
+          <p:nvPr/>
+        </p:nvCxnSpPr>
+        <p:spPr>
+          <a:xfrm flipV="1">
+            <a:off x="9051334" y="1222647"/>
+            <a:ext cx="2265" cy="195120"/>
+          </a:xfrm>
+          <a:prstGeom prst="straightConnector1">
+            <a:avLst/>
+          </a:prstGeom>
+          <a:ln w="25400">
+            <a:solidFill>
+              <a:schemeClr val="bg2">
+                <a:lumMod val="50000"/>
+              </a:schemeClr>
+            </a:solidFill>
+            <a:tailEnd type="triangle"/>
+          </a:ln>
+        </p:spPr>
+        <p:style>
+          <a:lnRef idx="1">
+            <a:schemeClr val="accent1"/>
+          </a:lnRef>
+          <a:fillRef idx="0">
+            <a:schemeClr val="accent1"/>
+          </a:fillRef>
+          <a:effectRef idx="0">
+            <a:schemeClr val="accent1"/>
+          </a:effectRef>
+          <a:fontRef idx="minor">
+            <a:schemeClr val="tx1"/>
+          </a:fontRef>
+        </p:style>
+      </p:cxnSp>
+      <p:cxnSp>
+        <p:nvCxnSpPr>
+          <p:cNvPr id="16" name="직선 화살표 연결선 15">
+            <a:extLst>
+              <a:ext uri="{FF2B5EF4-FFF2-40B4-BE49-F238E27FC236}">
+                <a16:creationId xmlns:a16="http://schemas.microsoft.com/office/drawing/2014/main" id="{D20C55CC-0756-40E1-97A7-1D604237ADF5}"/>
+              </a:ext>
+            </a:extLst>
+          </p:cNvPr>
+          <p:cNvCxnSpPr>
+            <a:cxnSpLocks/>
+            <a:stCxn id="13" idx="0"/>
+            <a:endCxn id="27" idx="2"/>
+          </p:cNvCxnSpPr>
+          <p:nvPr/>
+        </p:nvCxnSpPr>
+        <p:spPr>
+          <a:xfrm flipV="1">
+            <a:off x="10411393" y="1222647"/>
+            <a:ext cx="2469" cy="195120"/>
+          </a:xfrm>
+          <a:prstGeom prst="straightConnector1">
+            <a:avLst/>
+          </a:prstGeom>
+          <a:ln w="25400">
+            <a:solidFill>
+              <a:schemeClr val="bg2">
+                <a:lumMod val="50000"/>
+              </a:schemeClr>
+            </a:solidFill>
+            <a:tailEnd type="triangle"/>
+          </a:ln>
+        </p:spPr>
+        <p:style>
+          <a:lnRef idx="1">
+            <a:schemeClr val="accent1"/>
+          </a:lnRef>
+          <a:fillRef idx="0">
+            <a:schemeClr val="accent1"/>
+          </a:fillRef>
+          <a:effectRef idx="0">
+            <a:schemeClr val="accent1"/>
+          </a:effectRef>
+          <a:fontRef idx="minor">
+            <a:schemeClr val="tx1"/>
+          </a:fontRef>
+        </p:style>
+      </p:cxnSp>
+      <p:cxnSp>
+        <p:nvCxnSpPr>
+          <p:cNvPr id="17" name="직선 화살표 연결선 16">
+            <a:extLst>
+              <a:ext uri="{FF2B5EF4-FFF2-40B4-BE49-F238E27FC236}">
+                <a16:creationId xmlns:a16="http://schemas.microsoft.com/office/drawing/2014/main" id="{ADFA1DC3-1EC1-42F1-A917-3B51CB225CC0}"/>
+              </a:ext>
+            </a:extLst>
+          </p:cNvPr>
+          <p:cNvCxnSpPr>
+            <a:cxnSpLocks/>
+            <a:stCxn id="11" idx="3"/>
+            <a:endCxn id="12" idx="1"/>
+          </p:cNvCxnSpPr>
+          <p:nvPr/>
+        </p:nvCxnSpPr>
+        <p:spPr>
+          <a:xfrm>
+            <a:off x="8192701" y="1650177"/>
+            <a:ext cx="350633" cy="0"/>
+          </a:xfrm>
+          <a:prstGeom prst="straightConnector1">
+            <a:avLst/>
+          </a:prstGeom>
+          <a:ln w="25400">
+            <a:solidFill>
+              <a:schemeClr val="bg2">
+                <a:lumMod val="50000"/>
+              </a:schemeClr>
+            </a:solidFill>
+            <a:tailEnd type="triangle"/>
+          </a:ln>
+        </p:spPr>
+        <p:style>
+          <a:lnRef idx="1">
+            <a:schemeClr val="accent1"/>
+          </a:lnRef>
+          <a:fillRef idx="0">
+            <a:schemeClr val="accent1"/>
+          </a:fillRef>
+          <a:effectRef idx="0">
+            <a:schemeClr val="accent1"/>
+          </a:effectRef>
+          <a:fontRef idx="minor">
+            <a:schemeClr val="tx1"/>
+          </a:fontRef>
+        </p:style>
+      </p:cxnSp>
+      <p:cxnSp>
+        <p:nvCxnSpPr>
+          <p:cNvPr id="18" name="직선 화살표 연결선 17">
+            <a:extLst>
+              <a:ext uri="{FF2B5EF4-FFF2-40B4-BE49-F238E27FC236}">
+                <a16:creationId xmlns:a16="http://schemas.microsoft.com/office/drawing/2014/main" id="{A1266048-12EF-491C-B94C-828E447C3BC3}"/>
+              </a:ext>
+            </a:extLst>
+          </p:cNvPr>
+          <p:cNvCxnSpPr>
+            <a:cxnSpLocks/>
+            <a:stCxn id="12" idx="3"/>
+            <a:endCxn id="13" idx="1"/>
+          </p:cNvCxnSpPr>
+          <p:nvPr/>
+        </p:nvCxnSpPr>
+        <p:spPr>
+          <a:xfrm>
+            <a:off x="9559334" y="1650177"/>
+            <a:ext cx="344059" cy="0"/>
+          </a:xfrm>
+          <a:prstGeom prst="straightConnector1">
+            <a:avLst/>
+          </a:prstGeom>
+          <a:ln w="25400">
+            <a:solidFill>
+              <a:schemeClr val="bg2">
+                <a:lumMod val="50000"/>
+              </a:schemeClr>
+            </a:solidFill>
+            <a:tailEnd type="triangle"/>
+          </a:ln>
+        </p:spPr>
+        <p:style>
+          <a:lnRef idx="1">
+            <a:schemeClr val="accent1"/>
+          </a:lnRef>
+          <a:fillRef idx="0">
+            <a:schemeClr val="accent1"/>
+          </a:fillRef>
+          <a:effectRef idx="0">
+            <a:schemeClr val="accent1"/>
+          </a:effectRef>
+          <a:fontRef idx="minor">
+            <a:schemeClr val="tx1"/>
+          </a:fontRef>
+        </p:style>
+      </p:cxnSp>
+      <p:pic>
+        <p:nvPicPr>
+          <p:cNvPr id="19" name="Picture 2">
+            <a:extLst>
+              <a:ext uri="{FF2B5EF4-FFF2-40B4-BE49-F238E27FC236}">
+                <a16:creationId xmlns:a16="http://schemas.microsoft.com/office/drawing/2014/main" id="{FED4733A-5496-4992-BFE5-06BC475C7536}"/>
+              </a:ext>
+            </a:extLst>
+          </p:cNvPr>
+          <p:cNvPicPr>
+            <a:picLocks noChangeAspect="1" noChangeArrowheads="1"/>
+          </p:cNvPicPr>
+          <p:nvPr/>
+        </p:nvPicPr>
+        <p:blipFill rotWithShape="1">
+          <a:blip r:embed="rId2">
+            <a:extLst>
+              <a:ext uri="{28A0092B-C50C-407E-A947-70E740481C1C}">
+                <a14:useLocalDpi xmlns:a14="http://schemas.microsoft.com/office/drawing/2010/main" val="0"/>
+              </a:ext>
+            </a:extLst>
+          </a:blip>
+          <a:srcRect l="61380" t="24131" r="30286" b="10399"/>
+          <a:stretch/>
+        </p:blipFill>
+        <p:spPr bwMode="auto">
+          <a:xfrm>
+            <a:off x="7337731" y="2066443"/>
+            <a:ext cx="693941" cy="672256"/>
+          </a:xfrm>
+          <a:prstGeom prst="rect">
+            <a:avLst/>
+          </a:prstGeom>
+          <a:noFill/>
+          <a:extLst>
+            <a:ext uri="{909E8E84-426E-40DD-AFC4-6F175D3DCCD1}">
+              <a14:hiddenFill xmlns:a14="http://schemas.microsoft.com/office/drawing/2010/main">
+                <a:solidFill>
+                  <a:srgbClr val="FFFFFF"/>
+                </a:solidFill>
+              </a14:hiddenFill>
+            </a:ext>
+          </a:extLst>
+        </p:spPr>
+      </p:pic>
+      <p:sp>
+        <p:nvSpPr>
+          <p:cNvPr id="20" name="직사각형 19">
+            <a:extLst>
+              <a:ext uri="{FF2B5EF4-FFF2-40B4-BE49-F238E27FC236}">
+                <a16:creationId xmlns:a16="http://schemas.microsoft.com/office/drawing/2014/main" id="{FFD37F20-6EBD-460E-B7DA-AA1155C851E9}"/>
+              </a:ext>
+            </a:extLst>
+          </p:cNvPr>
+          <p:cNvSpPr/>
+          <p:nvPr/>
+        </p:nvSpPr>
+        <p:spPr>
+          <a:xfrm>
+            <a:off x="7337731" y="2066443"/>
+            <a:ext cx="693941" cy="672256"/>
+          </a:xfrm>
+          <a:custGeom>
+            <a:avLst/>
+            <a:gdLst>
+              <a:gd name="connsiteX0" fmla="*/ 0 w 693941"/>
+              <a:gd name="connsiteY0" fmla="*/ 0 h 672256"/>
+              <a:gd name="connsiteX1" fmla="*/ 340031 w 693941"/>
+              <a:gd name="connsiteY1" fmla="*/ 0 h 672256"/>
+              <a:gd name="connsiteX2" fmla="*/ 693941 w 693941"/>
+              <a:gd name="connsiteY2" fmla="*/ 0 h 672256"/>
+              <a:gd name="connsiteX3" fmla="*/ 693941 w 693941"/>
+              <a:gd name="connsiteY3" fmla="*/ 336128 h 672256"/>
+              <a:gd name="connsiteX4" fmla="*/ 693941 w 693941"/>
+              <a:gd name="connsiteY4" fmla="*/ 672256 h 672256"/>
+              <a:gd name="connsiteX5" fmla="*/ 346971 w 693941"/>
+              <a:gd name="connsiteY5" fmla="*/ 672256 h 672256"/>
+              <a:gd name="connsiteX6" fmla="*/ 0 w 693941"/>
+              <a:gd name="connsiteY6" fmla="*/ 672256 h 672256"/>
+              <a:gd name="connsiteX7" fmla="*/ 0 w 693941"/>
+              <a:gd name="connsiteY7" fmla="*/ 336128 h 672256"/>
+              <a:gd name="connsiteX8" fmla="*/ 0 w 693941"/>
+              <a:gd name="connsiteY8" fmla="*/ 0 h 672256"/>
+            </a:gdLst>
+            <a:ahLst/>
+            <a:cxnLst>
+              <a:cxn ang="0">
+                <a:pos x="connsiteX0" y="connsiteY0"/>
+              </a:cxn>
+              <a:cxn ang="0">
+                <a:pos x="connsiteX1" y="connsiteY1"/>
+              </a:cxn>
+              <a:cxn ang="0">
+                <a:pos x="connsiteX2" y="connsiteY2"/>
+              </a:cxn>
+              <a:cxn ang="0">
+                <a:pos x="connsiteX3" y="connsiteY3"/>
+              </a:cxn>
+              <a:cxn ang="0">
+                <a:pos x="connsiteX4" y="connsiteY4"/>
+              </a:cxn>
+              <a:cxn ang="0">
+                <a:pos x="connsiteX5" y="connsiteY5"/>
+              </a:cxn>
+              <a:cxn ang="0">
+                <a:pos x="connsiteX6" y="connsiteY6"/>
+              </a:cxn>
+              <a:cxn ang="0">
+                <a:pos x="connsiteX7" y="connsiteY7"/>
+              </a:cxn>
+              <a:cxn ang="0">
+                <a:pos x="connsiteX8" y="connsiteY8"/>
+              </a:cxn>
+            </a:cxnLst>
+            <a:rect l="l" t="t" r="r" b="b"/>
+            <a:pathLst>
+              <a:path w="693941" h="672256" fill="none" extrusionOk="0">
+                <a:moveTo>
+                  <a:pt x="0" y="0"/>
+                </a:moveTo>
+                <a:cubicBezTo>
+                  <a:pt x="132891" y="-7317"/>
+                  <a:pt x="182294" y="16076"/>
+                  <a:pt x="340031" y="0"/>
+                </a:cubicBezTo>
+                <a:cubicBezTo>
+                  <a:pt x="497768" y="-16076"/>
+                  <a:pt x="579309" y="41763"/>
+                  <a:pt x="693941" y="0"/>
+                </a:cubicBezTo>
+                <a:cubicBezTo>
+                  <a:pt x="698784" y="156928"/>
+                  <a:pt x="692930" y="212354"/>
+                  <a:pt x="693941" y="336128"/>
+                </a:cubicBezTo>
+                <a:cubicBezTo>
+                  <a:pt x="694952" y="459902"/>
+                  <a:pt x="666226" y="509259"/>
+                  <a:pt x="693941" y="672256"/>
+                </a:cubicBezTo>
+                <a:cubicBezTo>
+                  <a:pt x="532885" y="672940"/>
+                  <a:pt x="441917" y="654501"/>
+                  <a:pt x="346971" y="672256"/>
+                </a:cubicBezTo>
+                <a:cubicBezTo>
+                  <a:pt x="252025" y="690011"/>
+                  <a:pt x="103403" y="645274"/>
+                  <a:pt x="0" y="672256"/>
+                </a:cubicBezTo>
+                <a:cubicBezTo>
+                  <a:pt x="-22600" y="603732"/>
+                  <a:pt x="36331" y="449740"/>
+                  <a:pt x="0" y="336128"/>
+                </a:cubicBezTo>
+                <a:cubicBezTo>
+                  <a:pt x="-36331" y="222516"/>
+                  <a:pt x="13053" y="120503"/>
+                  <a:pt x="0" y="0"/>
+                </a:cubicBezTo>
+                <a:close/>
+              </a:path>
+              <a:path w="693941" h="672256" stroke="0" extrusionOk="0">
+                <a:moveTo>
+                  <a:pt x="0" y="0"/>
+                </a:moveTo>
+                <a:cubicBezTo>
+                  <a:pt x="92129" y="-811"/>
+                  <a:pt x="277535" y="14327"/>
+                  <a:pt x="346971" y="0"/>
+                </a:cubicBezTo>
+                <a:cubicBezTo>
+                  <a:pt x="416407" y="-14327"/>
+                  <a:pt x="556226" y="32896"/>
+                  <a:pt x="693941" y="0"/>
+                </a:cubicBezTo>
+                <a:cubicBezTo>
+                  <a:pt x="735311" y="83167"/>
+                  <a:pt x="656431" y="233161"/>
+                  <a:pt x="693941" y="349573"/>
+                </a:cubicBezTo>
+                <a:cubicBezTo>
+                  <a:pt x="731451" y="465985"/>
+                  <a:pt x="689931" y="558399"/>
+                  <a:pt x="693941" y="672256"/>
+                </a:cubicBezTo>
+                <a:cubicBezTo>
+                  <a:pt x="570320" y="705035"/>
+                  <a:pt x="506973" y="666029"/>
+                  <a:pt x="346971" y="672256"/>
+                </a:cubicBezTo>
+                <a:cubicBezTo>
+                  <a:pt x="186969" y="678483"/>
+                  <a:pt x="137073" y="668474"/>
+                  <a:pt x="0" y="672256"/>
+                </a:cubicBezTo>
+                <a:cubicBezTo>
+                  <a:pt x="-4952" y="594164"/>
+                  <a:pt x="24325" y="486034"/>
+                  <a:pt x="0" y="342851"/>
+                </a:cubicBezTo>
+                <a:cubicBezTo>
+                  <a:pt x="-24325" y="199668"/>
+                  <a:pt x="27542" y="99076"/>
+                  <a:pt x="0" y="0"/>
+                </a:cubicBezTo>
+                <a:close/>
+              </a:path>
+            </a:pathLst>
+          </a:custGeom>
+          <a:solidFill>
+            <a:schemeClr val="bg1"/>
+          </a:solidFill>
+          <a:ln>
+            <a:solidFill>
+              <a:schemeClr val="bg2">
+                <a:lumMod val="50000"/>
+              </a:schemeClr>
+            </a:solidFill>
+            <a:prstDash val="lgDashDot"/>
+            <a:extLst>
+              <a:ext uri="{C807C97D-BFC1-408E-A445-0C87EB9F89A2}">
+                <ask:lineSketchStyleProps xmlns:ask="http://schemas.microsoft.com/office/drawing/2018/sketchyshapes" sd="3978248048">
+                  <a:prstGeom prst="rect">
+                    <a:avLst/>
+                  </a:prstGeom>
+                  <ask:type>
+                    <ask:lineSketchScribble/>
+                  </ask:type>
+                </ask:lineSketchStyleProps>
+              </a:ext>
+            </a:extLst>
+          </a:ln>
+        </p:spPr>
+        <p:style>
+          <a:lnRef idx="2">
+            <a:schemeClr val="accent1">
+              <a:shade val="50000"/>
+            </a:schemeClr>
+          </a:lnRef>
+          <a:fillRef idx="1">
+            <a:schemeClr val="accent1"/>
+          </a:fillRef>
+          <a:effectRef idx="0">
+            <a:schemeClr val="accent1"/>
+          </a:effectRef>
+          <a:fontRef idx="minor">
+            <a:schemeClr val="lt1"/>
+          </a:fontRef>
+        </p:style>
+        <p:txBody>
+          <a:bodyPr rtlCol="0" anchor="ctr"/>
+          <a:lstStyle/>
+          <a:p>
+            <a:pPr algn="ctr"/>
+            <a:endParaRPr lang="ko-KR" altLang="en-US"/>
+          </a:p>
+        </p:txBody>
+      </p:sp>
+      <p:cxnSp>
+        <p:nvCxnSpPr>
+          <p:cNvPr id="21" name="직선 화살표 연결선 20">
+            <a:extLst>
+              <a:ext uri="{FF2B5EF4-FFF2-40B4-BE49-F238E27FC236}">
+                <a16:creationId xmlns:a16="http://schemas.microsoft.com/office/drawing/2014/main" id="{FAB11CA0-1271-45FF-A1E6-6FB48441D5FE}"/>
+              </a:ext>
+            </a:extLst>
+          </p:cNvPr>
+          <p:cNvCxnSpPr>
+            <a:cxnSpLocks/>
+            <a:stCxn id="20" idx="0"/>
+            <a:endCxn id="11" idx="2"/>
+          </p:cNvCxnSpPr>
+          <p:nvPr/>
+        </p:nvCxnSpPr>
+        <p:spPr>
+          <a:xfrm flipH="1" flipV="1">
+            <a:off x="7684701" y="1882587"/>
+            <a:ext cx="1" cy="183856"/>
+          </a:xfrm>
+          <a:prstGeom prst="straightConnector1">
+            <a:avLst/>
+          </a:prstGeom>
+          <a:ln w="25400">
+            <a:solidFill>
+              <a:schemeClr val="bg2">
+                <a:lumMod val="50000"/>
+              </a:schemeClr>
+            </a:solidFill>
+            <a:tailEnd type="triangle"/>
+          </a:ln>
+        </p:spPr>
+        <p:style>
+          <a:lnRef idx="1">
+            <a:schemeClr val="accent1"/>
+          </a:lnRef>
+          <a:fillRef idx="0">
+            <a:schemeClr val="accent1"/>
+          </a:fillRef>
+          <a:effectRef idx="0">
+            <a:schemeClr val="accent1"/>
+          </a:effectRef>
+          <a:fontRef idx="minor">
+            <a:schemeClr val="tx1"/>
+          </a:fontRef>
+        </p:style>
+      </p:cxnSp>
+      <p:cxnSp>
+        <p:nvCxnSpPr>
+          <p:cNvPr id="22" name="직선 화살표 연결선 21">
+            <a:extLst>
+              <a:ext uri="{FF2B5EF4-FFF2-40B4-BE49-F238E27FC236}">
+                <a16:creationId xmlns:a16="http://schemas.microsoft.com/office/drawing/2014/main" id="{141382AE-5830-48F9-8C38-A3B219C40E55}"/>
+              </a:ext>
+            </a:extLst>
+          </p:cNvPr>
+          <p:cNvCxnSpPr>
+            <a:cxnSpLocks/>
+            <a:endCxn id="12" idx="2"/>
+          </p:cNvCxnSpPr>
+          <p:nvPr/>
+        </p:nvCxnSpPr>
+        <p:spPr>
+          <a:xfrm flipV="1">
+            <a:off x="9050242" y="1882587"/>
+            <a:ext cx="1092" cy="183856"/>
+          </a:xfrm>
+          <a:prstGeom prst="straightConnector1">
+            <a:avLst/>
+          </a:prstGeom>
+          <a:ln w="25400">
+            <a:solidFill>
+              <a:schemeClr val="bg2">
+                <a:lumMod val="50000"/>
+              </a:schemeClr>
+            </a:solidFill>
+            <a:tailEnd type="triangle"/>
+          </a:ln>
+        </p:spPr>
+        <p:style>
+          <a:lnRef idx="1">
+            <a:schemeClr val="accent1"/>
+          </a:lnRef>
+          <a:fillRef idx="0">
+            <a:schemeClr val="accent1"/>
+          </a:fillRef>
+          <a:effectRef idx="0">
+            <a:schemeClr val="accent1"/>
+          </a:effectRef>
+          <a:fontRef idx="minor">
+            <a:schemeClr val="tx1"/>
+          </a:fontRef>
+        </p:style>
+      </p:cxnSp>
+      <p:cxnSp>
+        <p:nvCxnSpPr>
+          <p:cNvPr id="23" name="직선 화살표 연결선 22">
+            <a:extLst>
+              <a:ext uri="{FF2B5EF4-FFF2-40B4-BE49-F238E27FC236}">
+                <a16:creationId xmlns:a16="http://schemas.microsoft.com/office/drawing/2014/main" id="{4C35DBC7-FDDE-4C8E-9A21-268ECBBAC21A}"/>
+              </a:ext>
+            </a:extLst>
+          </p:cNvPr>
+          <p:cNvCxnSpPr>
+            <a:cxnSpLocks/>
+            <a:endCxn id="13" idx="2"/>
+          </p:cNvCxnSpPr>
+          <p:nvPr/>
+        </p:nvCxnSpPr>
+        <p:spPr>
+          <a:xfrm flipH="1" flipV="1">
+            <a:off x="10411393" y="1882587"/>
+            <a:ext cx="1038" cy="183856"/>
+          </a:xfrm>
+          <a:prstGeom prst="straightConnector1">
+            <a:avLst/>
+          </a:prstGeom>
+          <a:ln w="25400">
+            <a:solidFill>
+              <a:schemeClr val="bg2">
+                <a:lumMod val="50000"/>
+              </a:schemeClr>
+            </a:solidFill>
+            <a:tailEnd type="triangle"/>
+          </a:ln>
+        </p:spPr>
+        <p:style>
+          <a:lnRef idx="1">
+            <a:schemeClr val="accent1"/>
+          </a:lnRef>
+          <a:fillRef idx="0">
+            <a:schemeClr val="accent1"/>
+          </a:fillRef>
+          <a:effectRef idx="0">
+            <a:schemeClr val="accent1"/>
+          </a:effectRef>
+          <a:fontRef idx="minor">
+            <a:schemeClr val="tx1"/>
+          </a:fontRef>
+        </p:style>
+      </p:cxnSp>
+      <p:cxnSp>
+        <p:nvCxnSpPr>
+          <p:cNvPr id="24" name="직선 화살표 연결선 23">
+            <a:extLst>
+              <a:ext uri="{FF2B5EF4-FFF2-40B4-BE49-F238E27FC236}">
+                <a16:creationId xmlns:a16="http://schemas.microsoft.com/office/drawing/2014/main" id="{83455722-A948-4CF0-8C02-43993EB2223B}"/>
+              </a:ext>
+            </a:extLst>
+          </p:cNvPr>
+          <p:cNvCxnSpPr>
+            <a:cxnSpLocks/>
+            <a:stCxn id="5" idx="3"/>
+            <a:endCxn id="11" idx="1"/>
+          </p:cNvCxnSpPr>
+          <p:nvPr/>
+        </p:nvCxnSpPr>
+        <p:spPr>
+          <a:xfrm>
+            <a:off x="5661880" y="1650177"/>
+            <a:ext cx="1514821" cy="0"/>
+          </a:xfrm>
+          <a:prstGeom prst="straightConnector1">
+            <a:avLst/>
+          </a:prstGeom>
+          <a:ln w="25400">
+            <a:solidFill>
+              <a:schemeClr val="bg2">
+                <a:lumMod val="50000"/>
+              </a:schemeClr>
+            </a:solidFill>
+            <a:tailEnd type="triangle"/>
+          </a:ln>
+        </p:spPr>
+        <p:style>
+          <a:lnRef idx="1">
+            <a:schemeClr val="accent1"/>
+          </a:lnRef>
+          <a:fillRef idx="0">
+            <a:schemeClr val="accent1"/>
+          </a:fillRef>
+          <a:effectRef idx="0">
+            <a:schemeClr val="accent1"/>
+          </a:effectRef>
+          <a:fontRef idx="minor">
+            <a:schemeClr val="tx1"/>
+          </a:fontRef>
+        </p:style>
+      </p:cxnSp>
+      <p:pic>
+        <p:nvPicPr>
+          <p:cNvPr id="25" name="Picture 2">
+            <a:extLst>
+              <a:ext uri="{FF2B5EF4-FFF2-40B4-BE49-F238E27FC236}">
+                <a16:creationId xmlns:a16="http://schemas.microsoft.com/office/drawing/2014/main" id="{A2FFCAEC-19A0-4798-8357-120AF1500C8E}"/>
+              </a:ext>
+            </a:extLst>
+          </p:cNvPr>
+          <p:cNvPicPr>
+            <a:picLocks noChangeAspect="1" noChangeArrowheads="1"/>
+          </p:cNvPicPr>
+          <p:nvPr/>
+        </p:nvPicPr>
+        <p:blipFill rotWithShape="1">
+          <a:blip r:embed="rId2">
+            <a:extLst>
+              <a:ext uri="{28A0092B-C50C-407E-A947-70E740481C1C}">
+                <a14:useLocalDpi xmlns:a14="http://schemas.microsoft.com/office/drawing/2010/main" val="0"/>
+              </a:ext>
+            </a:extLst>
+          </a:blip>
+          <a:srcRect l="51464" t="24131" r="40202" b="10399"/>
+          <a:stretch/>
+        </p:blipFill>
+        <p:spPr bwMode="auto">
+          <a:xfrm>
+            <a:off x="7335687" y="550391"/>
+            <a:ext cx="693941" cy="672256"/>
+          </a:xfrm>
+          <a:custGeom>
+            <a:avLst/>
+            <a:gdLst>
+              <a:gd name="connsiteX0" fmla="*/ 0 w 693941"/>
+              <a:gd name="connsiteY0" fmla="*/ 0 h 672256"/>
+              <a:gd name="connsiteX1" fmla="*/ 340031 w 693941"/>
+              <a:gd name="connsiteY1" fmla="*/ 0 h 672256"/>
+              <a:gd name="connsiteX2" fmla="*/ 693941 w 693941"/>
+              <a:gd name="connsiteY2" fmla="*/ 0 h 672256"/>
+              <a:gd name="connsiteX3" fmla="*/ 693941 w 693941"/>
+              <a:gd name="connsiteY3" fmla="*/ 349573 h 672256"/>
+              <a:gd name="connsiteX4" fmla="*/ 693941 w 693941"/>
+              <a:gd name="connsiteY4" fmla="*/ 672256 h 672256"/>
+              <a:gd name="connsiteX5" fmla="*/ 360849 w 693941"/>
+              <a:gd name="connsiteY5" fmla="*/ 672256 h 672256"/>
+              <a:gd name="connsiteX6" fmla="*/ 0 w 693941"/>
+              <a:gd name="connsiteY6" fmla="*/ 672256 h 672256"/>
+              <a:gd name="connsiteX7" fmla="*/ 0 w 693941"/>
+              <a:gd name="connsiteY7" fmla="*/ 349573 h 672256"/>
+              <a:gd name="connsiteX8" fmla="*/ 0 w 693941"/>
+              <a:gd name="connsiteY8" fmla="*/ 0 h 672256"/>
+            </a:gdLst>
+            <a:ahLst/>
+            <a:cxnLst>
+              <a:cxn ang="0">
+                <a:pos x="connsiteX0" y="connsiteY0"/>
+              </a:cxn>
+              <a:cxn ang="0">
+                <a:pos x="connsiteX1" y="connsiteY1"/>
+              </a:cxn>
+              <a:cxn ang="0">
+                <a:pos x="connsiteX2" y="connsiteY2"/>
+              </a:cxn>
+              <a:cxn ang="0">
+                <a:pos x="connsiteX3" y="connsiteY3"/>
+              </a:cxn>
+              <a:cxn ang="0">
+                <a:pos x="connsiteX4" y="connsiteY4"/>
+              </a:cxn>
+              <a:cxn ang="0">
+                <a:pos x="connsiteX5" y="connsiteY5"/>
+              </a:cxn>
+              <a:cxn ang="0">
+                <a:pos x="connsiteX6" y="connsiteY6"/>
+              </a:cxn>
+              <a:cxn ang="0">
+                <a:pos x="connsiteX7" y="connsiteY7"/>
+              </a:cxn>
+              <a:cxn ang="0">
+                <a:pos x="connsiteX8" y="connsiteY8"/>
+              </a:cxn>
+            </a:cxnLst>
+            <a:rect l="l" t="t" r="r" b="b"/>
+            <a:pathLst>
+              <a:path w="693941" h="672256" extrusionOk="0">
+                <a:moveTo>
+                  <a:pt x="0" y="0"/>
+                </a:moveTo>
+                <a:cubicBezTo>
+                  <a:pt x="128672" y="-20841"/>
+                  <a:pt x="224628" y="23975"/>
+                  <a:pt x="340031" y="0"/>
+                </a:cubicBezTo>
+                <a:cubicBezTo>
+                  <a:pt x="455434" y="-23975"/>
+                  <a:pt x="552951" y="25101"/>
+                  <a:pt x="693941" y="0"/>
+                </a:cubicBezTo>
+                <a:cubicBezTo>
+                  <a:pt x="730564" y="165339"/>
+                  <a:pt x="665302" y="213078"/>
+                  <a:pt x="693941" y="349573"/>
+                </a:cubicBezTo>
+                <a:cubicBezTo>
+                  <a:pt x="722580" y="486068"/>
+                  <a:pt x="685560" y="590034"/>
+                  <a:pt x="693941" y="672256"/>
+                </a:cubicBezTo>
+                <a:cubicBezTo>
+                  <a:pt x="623312" y="673382"/>
+                  <a:pt x="480470" y="635049"/>
+                  <a:pt x="360849" y="672256"/>
+                </a:cubicBezTo>
+                <a:cubicBezTo>
+                  <a:pt x="241228" y="709463"/>
+                  <a:pt x="171229" y="644019"/>
+                  <a:pt x="0" y="672256"/>
+                </a:cubicBezTo>
+                <a:cubicBezTo>
+                  <a:pt x="-24822" y="599760"/>
+                  <a:pt x="11899" y="460745"/>
+                  <a:pt x="0" y="349573"/>
+                </a:cubicBezTo>
+                <a:cubicBezTo>
+                  <a:pt x="-11899" y="238401"/>
+                  <a:pt x="19270" y="73669"/>
+                  <a:pt x="0" y="0"/>
+                </a:cubicBezTo>
+                <a:close/>
+              </a:path>
+            </a:pathLst>
+          </a:custGeom>
+          <a:noFill/>
+          <a:ln>
+            <a:solidFill>
+              <a:schemeClr val="bg2">
+                <a:lumMod val="50000"/>
+              </a:schemeClr>
+            </a:solidFill>
+            <a:extLst>
+              <a:ext uri="{C807C97D-BFC1-408E-A445-0C87EB9F89A2}">
+                <ask:lineSketchStyleProps xmlns:ask="http://schemas.microsoft.com/office/drawing/2018/sketchyshapes" sd="1219033472">
+                  <a:prstGeom prst="rect">
+                    <a:avLst/>
+                  </a:prstGeom>
+                  <ask:type>
+                    <ask:lineSketchScribble/>
+                  </ask:type>
+                </ask:lineSketchStyleProps>
+              </a:ext>
+            </a:extLst>
+          </a:ln>
+          <a:extLst>
+            <a:ext uri="{909E8E84-426E-40DD-AFC4-6F175D3DCCD1}">
+              <a14:hiddenFill xmlns:a14="http://schemas.microsoft.com/office/drawing/2010/main">
+                <a:solidFill>
+                  <a:srgbClr val="FFFFFF"/>
+                </a:solidFill>
+              </a14:hiddenFill>
+            </a:ext>
+          </a:extLst>
+        </p:spPr>
+      </p:pic>
+      <p:pic>
+        <p:nvPicPr>
+          <p:cNvPr id="26" name="Picture 2">
+            <a:extLst>
+              <a:ext uri="{FF2B5EF4-FFF2-40B4-BE49-F238E27FC236}">
+                <a16:creationId xmlns:a16="http://schemas.microsoft.com/office/drawing/2014/main" id="{1BDEE1FD-7CEF-44C8-A726-93E3EA63DF3B}"/>
+              </a:ext>
+            </a:extLst>
+          </p:cNvPr>
+          <p:cNvPicPr>
+            <a:picLocks noChangeAspect="1" noChangeArrowheads="1"/>
+          </p:cNvPicPr>
+          <p:nvPr/>
+        </p:nvPicPr>
+        <p:blipFill rotWithShape="1">
+          <a:blip r:embed="rId2">
+            <a:extLst>
+              <a:ext uri="{28A0092B-C50C-407E-A947-70E740481C1C}">
+                <a14:useLocalDpi xmlns:a14="http://schemas.microsoft.com/office/drawing/2010/main" val="0"/>
+              </a:ext>
+            </a:extLst>
+          </a:blip>
+          <a:srcRect l="41359" t="24131" r="50307" b="10399"/>
+          <a:stretch/>
+        </p:blipFill>
+        <p:spPr bwMode="auto">
+          <a:xfrm>
+            <a:off x="8706628" y="550391"/>
+            <a:ext cx="693941" cy="672256"/>
+          </a:xfrm>
+          <a:custGeom>
+            <a:avLst/>
+            <a:gdLst>
+              <a:gd name="connsiteX0" fmla="*/ 0 w 693941"/>
+              <a:gd name="connsiteY0" fmla="*/ 0 h 672256"/>
+              <a:gd name="connsiteX1" fmla="*/ 360849 w 693941"/>
+              <a:gd name="connsiteY1" fmla="*/ 0 h 672256"/>
+              <a:gd name="connsiteX2" fmla="*/ 693941 w 693941"/>
+              <a:gd name="connsiteY2" fmla="*/ 0 h 672256"/>
+              <a:gd name="connsiteX3" fmla="*/ 693941 w 693941"/>
+              <a:gd name="connsiteY3" fmla="*/ 322683 h 672256"/>
+              <a:gd name="connsiteX4" fmla="*/ 693941 w 693941"/>
+              <a:gd name="connsiteY4" fmla="*/ 672256 h 672256"/>
+              <a:gd name="connsiteX5" fmla="*/ 346971 w 693941"/>
+              <a:gd name="connsiteY5" fmla="*/ 672256 h 672256"/>
+              <a:gd name="connsiteX6" fmla="*/ 0 w 693941"/>
+              <a:gd name="connsiteY6" fmla="*/ 672256 h 672256"/>
+              <a:gd name="connsiteX7" fmla="*/ 0 w 693941"/>
+              <a:gd name="connsiteY7" fmla="*/ 329405 h 672256"/>
+              <a:gd name="connsiteX8" fmla="*/ 0 w 693941"/>
+              <a:gd name="connsiteY8" fmla="*/ 0 h 672256"/>
+            </a:gdLst>
+            <a:ahLst/>
+            <a:cxnLst>
+              <a:cxn ang="0">
+                <a:pos x="connsiteX0" y="connsiteY0"/>
+              </a:cxn>
+              <a:cxn ang="0">
+                <a:pos x="connsiteX1" y="connsiteY1"/>
+              </a:cxn>
+              <a:cxn ang="0">
+                <a:pos x="connsiteX2" y="connsiteY2"/>
+              </a:cxn>
+              <a:cxn ang="0">
+                <a:pos x="connsiteX3" y="connsiteY3"/>
+              </a:cxn>
+              <a:cxn ang="0">
+                <a:pos x="connsiteX4" y="connsiteY4"/>
+              </a:cxn>
+              <a:cxn ang="0">
+                <a:pos x="connsiteX5" y="connsiteY5"/>
+              </a:cxn>
+              <a:cxn ang="0">
+                <a:pos x="connsiteX6" y="connsiteY6"/>
+              </a:cxn>
+              <a:cxn ang="0">
+                <a:pos x="connsiteX7" y="connsiteY7"/>
+              </a:cxn>
+              <a:cxn ang="0">
+                <a:pos x="connsiteX8" y="connsiteY8"/>
+              </a:cxn>
+            </a:cxnLst>
+            <a:rect l="l" t="t" r="r" b="b"/>
+            <a:pathLst>
+              <a:path w="693941" h="672256" extrusionOk="0">
+                <a:moveTo>
+                  <a:pt x="0" y="0"/>
+                </a:moveTo>
+                <a:cubicBezTo>
+                  <a:pt x="155518" y="-22844"/>
+                  <a:pt x="181969" y="43160"/>
+                  <a:pt x="360849" y="0"/>
+                </a:cubicBezTo>
+                <a:cubicBezTo>
+                  <a:pt x="539729" y="-43160"/>
+                  <a:pt x="529972" y="11338"/>
+                  <a:pt x="693941" y="0"/>
+                </a:cubicBezTo>
+                <a:cubicBezTo>
+                  <a:pt x="718497" y="139320"/>
+                  <a:pt x="688864" y="188863"/>
+                  <a:pt x="693941" y="322683"/>
+                </a:cubicBezTo>
+                <a:cubicBezTo>
+                  <a:pt x="699018" y="456503"/>
+                  <a:pt x="671597" y="500189"/>
+                  <a:pt x="693941" y="672256"/>
+                </a:cubicBezTo>
+                <a:cubicBezTo>
+                  <a:pt x="560966" y="694967"/>
+                  <a:pt x="455683" y="645280"/>
+                  <a:pt x="346971" y="672256"/>
+                </a:cubicBezTo>
+                <a:cubicBezTo>
+                  <a:pt x="238259" y="699232"/>
+                  <a:pt x="81707" y="669933"/>
+                  <a:pt x="0" y="672256"/>
+                </a:cubicBezTo>
+                <a:cubicBezTo>
+                  <a:pt x="-35072" y="549723"/>
+                  <a:pt x="16951" y="475879"/>
+                  <a:pt x="0" y="329405"/>
+                </a:cubicBezTo>
+                <a:cubicBezTo>
+                  <a:pt x="-16951" y="182931"/>
+                  <a:pt x="32255" y="132019"/>
+                  <a:pt x="0" y="0"/>
+                </a:cubicBezTo>
+                <a:close/>
+              </a:path>
+            </a:pathLst>
+          </a:custGeom>
+          <a:noFill/>
+          <a:ln>
+            <a:solidFill>
+              <a:schemeClr val="bg2">
+                <a:lumMod val="50000"/>
+              </a:schemeClr>
+            </a:solidFill>
+            <a:extLst>
+              <a:ext uri="{C807C97D-BFC1-408E-A445-0C87EB9F89A2}">
+                <ask:lineSketchStyleProps xmlns:ask="http://schemas.microsoft.com/office/drawing/2018/sketchyshapes" sd="981765707">
+                  <a:prstGeom prst="rect">
+                    <a:avLst/>
+                  </a:prstGeom>
+                  <ask:type>
+                    <ask:lineSketchScribble/>
+                  </ask:type>
+                </ask:lineSketchStyleProps>
+              </a:ext>
+            </a:extLst>
+          </a:ln>
+          <a:extLst>
+            <a:ext uri="{909E8E84-426E-40DD-AFC4-6F175D3DCCD1}">
+              <a14:hiddenFill xmlns:a14="http://schemas.microsoft.com/office/drawing/2010/main">
+                <a:solidFill>
+                  <a:srgbClr val="FFFFFF"/>
+                </a:solidFill>
+              </a14:hiddenFill>
+            </a:ext>
+          </a:extLst>
+        </p:spPr>
+      </p:pic>
+      <p:pic>
+        <p:nvPicPr>
+          <p:cNvPr id="27" name="Picture 2">
+            <a:extLst>
+              <a:ext uri="{FF2B5EF4-FFF2-40B4-BE49-F238E27FC236}">
+                <a16:creationId xmlns:a16="http://schemas.microsoft.com/office/drawing/2014/main" id="{5535F99E-0EBF-45B1-A708-F44AD3EA5826}"/>
+              </a:ext>
+            </a:extLst>
+          </p:cNvPr>
+          <p:cNvPicPr>
+            <a:picLocks noChangeAspect="1" noChangeArrowheads="1"/>
+          </p:cNvPicPr>
+          <p:nvPr/>
+        </p:nvPicPr>
+        <p:blipFill rotWithShape="1">
+          <a:blip r:embed="rId2">
+            <a:extLst>
+              <a:ext uri="{28A0092B-C50C-407E-A947-70E740481C1C}">
+                <a14:useLocalDpi xmlns:a14="http://schemas.microsoft.com/office/drawing/2010/main" val="0"/>
+              </a:ext>
+            </a:extLst>
+          </a:blip>
+          <a:srcRect l="31358" t="24131" r="60308" b="10399"/>
+          <a:stretch/>
+        </p:blipFill>
+        <p:spPr bwMode="auto">
+          <a:xfrm>
+            <a:off x="10066891" y="550391"/>
+            <a:ext cx="693941" cy="672256"/>
+          </a:xfrm>
+          <a:custGeom>
+            <a:avLst/>
+            <a:gdLst>
+              <a:gd name="connsiteX0" fmla="*/ 0 w 693941"/>
+              <a:gd name="connsiteY0" fmla="*/ 0 h 672256"/>
+              <a:gd name="connsiteX1" fmla="*/ 346971 w 693941"/>
+              <a:gd name="connsiteY1" fmla="*/ 0 h 672256"/>
+              <a:gd name="connsiteX2" fmla="*/ 693941 w 693941"/>
+              <a:gd name="connsiteY2" fmla="*/ 0 h 672256"/>
+              <a:gd name="connsiteX3" fmla="*/ 693941 w 693941"/>
+              <a:gd name="connsiteY3" fmla="*/ 349573 h 672256"/>
+              <a:gd name="connsiteX4" fmla="*/ 693941 w 693941"/>
+              <a:gd name="connsiteY4" fmla="*/ 672256 h 672256"/>
+              <a:gd name="connsiteX5" fmla="*/ 346971 w 693941"/>
+              <a:gd name="connsiteY5" fmla="*/ 672256 h 672256"/>
+              <a:gd name="connsiteX6" fmla="*/ 0 w 693941"/>
+              <a:gd name="connsiteY6" fmla="*/ 672256 h 672256"/>
+              <a:gd name="connsiteX7" fmla="*/ 0 w 693941"/>
+              <a:gd name="connsiteY7" fmla="*/ 342851 h 672256"/>
+              <a:gd name="connsiteX8" fmla="*/ 0 w 693941"/>
+              <a:gd name="connsiteY8" fmla="*/ 0 h 672256"/>
+            </a:gdLst>
+            <a:ahLst/>
+            <a:cxnLst>
+              <a:cxn ang="0">
+                <a:pos x="connsiteX0" y="connsiteY0"/>
+              </a:cxn>
+              <a:cxn ang="0">
+                <a:pos x="connsiteX1" y="connsiteY1"/>
+              </a:cxn>
+              <a:cxn ang="0">
+                <a:pos x="connsiteX2" y="connsiteY2"/>
+              </a:cxn>
+              <a:cxn ang="0">
+                <a:pos x="connsiteX3" y="connsiteY3"/>
+              </a:cxn>
+              <a:cxn ang="0">
+                <a:pos x="connsiteX4" y="connsiteY4"/>
+              </a:cxn>
+              <a:cxn ang="0">
+                <a:pos x="connsiteX5" y="connsiteY5"/>
+              </a:cxn>
+              <a:cxn ang="0">
+                <a:pos x="connsiteX6" y="connsiteY6"/>
+              </a:cxn>
+              <a:cxn ang="0">
+                <a:pos x="connsiteX7" y="connsiteY7"/>
+              </a:cxn>
+              <a:cxn ang="0">
+                <a:pos x="connsiteX8" y="connsiteY8"/>
+              </a:cxn>
+            </a:cxnLst>
+            <a:rect l="l" t="t" r="r" b="b"/>
+            <a:pathLst>
+              <a:path w="693941" h="672256" extrusionOk="0">
+                <a:moveTo>
+                  <a:pt x="0" y="0"/>
+                </a:moveTo>
+                <a:cubicBezTo>
+                  <a:pt x="92129" y="-811"/>
+                  <a:pt x="277535" y="14327"/>
+                  <a:pt x="346971" y="0"/>
+                </a:cubicBezTo>
+                <a:cubicBezTo>
+                  <a:pt x="416407" y="-14327"/>
+                  <a:pt x="556226" y="32896"/>
+                  <a:pt x="693941" y="0"/>
+                </a:cubicBezTo>
+                <a:cubicBezTo>
+                  <a:pt x="735311" y="83167"/>
+                  <a:pt x="656431" y="233161"/>
+                  <a:pt x="693941" y="349573"/>
+                </a:cubicBezTo>
+                <a:cubicBezTo>
+                  <a:pt x="731451" y="465985"/>
+                  <a:pt x="689931" y="558399"/>
+                  <a:pt x="693941" y="672256"/>
+                </a:cubicBezTo>
+                <a:cubicBezTo>
+                  <a:pt x="570320" y="705035"/>
+                  <a:pt x="506973" y="666029"/>
+                  <a:pt x="346971" y="672256"/>
+                </a:cubicBezTo>
+                <a:cubicBezTo>
+                  <a:pt x="186969" y="678483"/>
+                  <a:pt x="137073" y="668474"/>
+                  <a:pt x="0" y="672256"/>
+                </a:cubicBezTo>
+                <a:cubicBezTo>
+                  <a:pt x="-4952" y="594164"/>
+                  <a:pt x="24325" y="486034"/>
+                  <a:pt x="0" y="342851"/>
+                </a:cubicBezTo>
+                <a:cubicBezTo>
+                  <a:pt x="-24325" y="199668"/>
+                  <a:pt x="27542" y="99076"/>
+                  <a:pt x="0" y="0"/>
+                </a:cubicBezTo>
+                <a:close/>
+              </a:path>
+            </a:pathLst>
+          </a:custGeom>
+          <a:noFill/>
+          <a:ln>
+            <a:solidFill>
+              <a:schemeClr val="bg2">
+                <a:lumMod val="50000"/>
+              </a:schemeClr>
+            </a:solidFill>
+            <a:extLst>
+              <a:ext uri="{C807C97D-BFC1-408E-A445-0C87EB9F89A2}">
+                <ask:lineSketchStyleProps xmlns:ask="http://schemas.microsoft.com/office/drawing/2018/sketchyshapes" sd="3978248048">
+                  <a:prstGeom prst="rect">
+                    <a:avLst/>
+                  </a:prstGeom>
+                  <ask:type>
+                    <ask:lineSketchScribble/>
+                  </ask:type>
+                </ask:lineSketchStyleProps>
+              </a:ext>
+            </a:extLst>
+          </a:ln>
+          <a:extLst>
+            <a:ext uri="{909E8E84-426E-40DD-AFC4-6F175D3DCCD1}">
+              <a14:hiddenFill xmlns:a14="http://schemas.microsoft.com/office/drawing/2010/main">
+                <a:solidFill>
+                  <a:srgbClr val="FFFFFF"/>
+                </a:solidFill>
+              </a14:hiddenFill>
+            </a:ext>
+          </a:extLst>
+        </p:spPr>
+      </p:pic>
+      <p:pic>
+        <p:nvPicPr>
+          <p:cNvPr id="28" name="Picture 2">
+            <a:extLst>
+              <a:ext uri="{FF2B5EF4-FFF2-40B4-BE49-F238E27FC236}">
+                <a16:creationId xmlns:a16="http://schemas.microsoft.com/office/drawing/2014/main" id="{53B56746-5739-455C-A312-735A38497D4B}"/>
+              </a:ext>
+            </a:extLst>
+          </p:cNvPr>
+          <p:cNvPicPr>
+            <a:picLocks noChangeAspect="1" noChangeArrowheads="1"/>
+          </p:cNvPicPr>
+          <p:nvPr/>
+        </p:nvPicPr>
+        <p:blipFill rotWithShape="1">
+          <a:blip r:embed="rId2">
+            <a:alphaModFix amt="50000"/>
+            <a:extLst>
+              <a:ext uri="{28A0092B-C50C-407E-A947-70E740481C1C}">
+                <a14:useLocalDpi xmlns:a14="http://schemas.microsoft.com/office/drawing/2010/main" val="0"/>
+              </a:ext>
+            </a:extLst>
+          </a:blip>
+          <a:srcRect l="51464" t="24131" r="40202" b="10399"/>
+          <a:stretch/>
+        </p:blipFill>
+        <p:spPr bwMode="auto">
+          <a:xfrm>
+            <a:off x="8693480" y="2057575"/>
+            <a:ext cx="693941" cy="672256"/>
+          </a:xfrm>
+          <a:custGeom>
+            <a:avLst/>
+            <a:gdLst>
+              <a:gd name="connsiteX0" fmla="*/ 0 w 693941"/>
+              <a:gd name="connsiteY0" fmla="*/ 0 h 672256"/>
+              <a:gd name="connsiteX1" fmla="*/ 340031 w 693941"/>
+              <a:gd name="connsiteY1" fmla="*/ 0 h 672256"/>
+              <a:gd name="connsiteX2" fmla="*/ 693941 w 693941"/>
+              <a:gd name="connsiteY2" fmla="*/ 0 h 672256"/>
+              <a:gd name="connsiteX3" fmla="*/ 693941 w 693941"/>
+              <a:gd name="connsiteY3" fmla="*/ 349573 h 672256"/>
+              <a:gd name="connsiteX4" fmla="*/ 693941 w 693941"/>
+              <a:gd name="connsiteY4" fmla="*/ 672256 h 672256"/>
+              <a:gd name="connsiteX5" fmla="*/ 360849 w 693941"/>
+              <a:gd name="connsiteY5" fmla="*/ 672256 h 672256"/>
+              <a:gd name="connsiteX6" fmla="*/ 0 w 693941"/>
+              <a:gd name="connsiteY6" fmla="*/ 672256 h 672256"/>
+              <a:gd name="connsiteX7" fmla="*/ 0 w 693941"/>
+              <a:gd name="connsiteY7" fmla="*/ 349573 h 672256"/>
+              <a:gd name="connsiteX8" fmla="*/ 0 w 693941"/>
+              <a:gd name="connsiteY8" fmla="*/ 0 h 672256"/>
+            </a:gdLst>
+            <a:ahLst/>
+            <a:cxnLst>
+              <a:cxn ang="0">
+                <a:pos x="connsiteX0" y="connsiteY0"/>
+              </a:cxn>
+              <a:cxn ang="0">
+                <a:pos x="connsiteX1" y="connsiteY1"/>
+              </a:cxn>
+              <a:cxn ang="0">
+                <a:pos x="connsiteX2" y="connsiteY2"/>
+              </a:cxn>
+              <a:cxn ang="0">
+                <a:pos x="connsiteX3" y="connsiteY3"/>
+              </a:cxn>
+              <a:cxn ang="0">
+                <a:pos x="connsiteX4" y="connsiteY4"/>
+              </a:cxn>
+              <a:cxn ang="0">
+                <a:pos x="connsiteX5" y="connsiteY5"/>
+              </a:cxn>
+              <a:cxn ang="0">
+                <a:pos x="connsiteX6" y="connsiteY6"/>
+              </a:cxn>
+              <a:cxn ang="0">
+                <a:pos x="connsiteX7" y="connsiteY7"/>
+              </a:cxn>
+              <a:cxn ang="0">
+                <a:pos x="connsiteX8" y="connsiteY8"/>
+              </a:cxn>
+            </a:cxnLst>
+            <a:rect l="l" t="t" r="r" b="b"/>
+            <a:pathLst>
+              <a:path w="693941" h="672256" extrusionOk="0">
+                <a:moveTo>
+                  <a:pt x="0" y="0"/>
+                </a:moveTo>
+                <a:cubicBezTo>
+                  <a:pt x="128672" y="-20841"/>
+                  <a:pt x="224628" y="23975"/>
+                  <a:pt x="340031" y="0"/>
+                </a:cubicBezTo>
+                <a:cubicBezTo>
+                  <a:pt x="455434" y="-23975"/>
+                  <a:pt x="552951" y="25101"/>
+                  <a:pt x="693941" y="0"/>
+                </a:cubicBezTo>
+                <a:cubicBezTo>
+                  <a:pt x="730564" y="165339"/>
+                  <a:pt x="665302" y="213078"/>
+                  <a:pt x="693941" y="349573"/>
+                </a:cubicBezTo>
+                <a:cubicBezTo>
+                  <a:pt x="722580" y="486068"/>
+                  <a:pt x="685560" y="590034"/>
+                  <a:pt x="693941" y="672256"/>
+                </a:cubicBezTo>
+                <a:cubicBezTo>
+                  <a:pt x="623312" y="673382"/>
+                  <a:pt x="480470" y="635049"/>
+                  <a:pt x="360849" y="672256"/>
+                </a:cubicBezTo>
+                <a:cubicBezTo>
+                  <a:pt x="241228" y="709463"/>
+                  <a:pt x="171229" y="644019"/>
+                  <a:pt x="0" y="672256"/>
+                </a:cubicBezTo>
+                <a:cubicBezTo>
+                  <a:pt x="-24822" y="599760"/>
+                  <a:pt x="11899" y="460745"/>
+                  <a:pt x="0" y="349573"/>
+                </a:cubicBezTo>
+                <a:cubicBezTo>
+                  <a:pt x="-11899" y="238401"/>
+                  <a:pt x="19270" y="73669"/>
+                  <a:pt x="0" y="0"/>
+                </a:cubicBezTo>
+                <a:close/>
+              </a:path>
+            </a:pathLst>
+          </a:custGeom>
+          <a:noFill/>
+          <a:ln>
+            <a:solidFill>
+              <a:schemeClr val="bg2">
+                <a:lumMod val="50000"/>
+              </a:schemeClr>
+            </a:solidFill>
+            <a:prstDash val="lgDashDot"/>
+            <a:extLst>
+              <a:ext uri="{C807C97D-BFC1-408E-A445-0C87EB9F89A2}">
+                <ask:lineSketchStyleProps xmlns:ask="http://schemas.microsoft.com/office/drawing/2018/sketchyshapes" sd="1219033472">
+                  <a:prstGeom prst="rect">
+                    <a:avLst/>
+                  </a:prstGeom>
+                  <ask:type>
+                    <ask:lineSketchScribble/>
+                  </ask:type>
+                </ask:lineSketchStyleProps>
+              </a:ext>
+            </a:extLst>
+          </a:ln>
+          <a:extLst>
+            <a:ext uri="{909E8E84-426E-40DD-AFC4-6F175D3DCCD1}">
+              <a14:hiddenFill xmlns:a14="http://schemas.microsoft.com/office/drawing/2010/main">
+                <a:solidFill>
+                  <a:srgbClr val="FFFFFF"/>
+                </a:solidFill>
+              </a14:hiddenFill>
+            </a:ext>
+          </a:extLst>
+        </p:spPr>
+      </p:pic>
+      <p:pic>
+        <p:nvPicPr>
+          <p:cNvPr id="29" name="Picture 2">
+            <a:extLst>
+              <a:ext uri="{FF2B5EF4-FFF2-40B4-BE49-F238E27FC236}">
+                <a16:creationId xmlns:a16="http://schemas.microsoft.com/office/drawing/2014/main" id="{F96490B4-5C59-42E2-9E89-997CC4815C5C}"/>
+              </a:ext>
+            </a:extLst>
+          </p:cNvPr>
+          <p:cNvPicPr>
+            <a:picLocks noChangeAspect="1" noChangeArrowheads="1"/>
+          </p:cNvPicPr>
+          <p:nvPr/>
+        </p:nvPicPr>
+        <p:blipFill rotWithShape="1">
+          <a:blip r:embed="rId2">
+            <a:alphaModFix amt="50000"/>
+            <a:extLst>
+              <a:ext uri="{28A0092B-C50C-407E-A947-70E740481C1C}">
+                <a14:useLocalDpi xmlns:a14="http://schemas.microsoft.com/office/drawing/2010/main" val="0"/>
+              </a:ext>
+            </a:extLst>
+          </a:blip>
+          <a:srcRect l="41359" t="24131" r="50307" b="10399"/>
+          <a:stretch/>
+        </p:blipFill>
+        <p:spPr bwMode="auto">
+          <a:xfrm>
+            <a:off x="10064421" y="2057575"/>
+            <a:ext cx="693941" cy="672256"/>
+          </a:xfrm>
+          <a:custGeom>
+            <a:avLst/>
+            <a:gdLst>
+              <a:gd name="connsiteX0" fmla="*/ 0 w 693941"/>
+              <a:gd name="connsiteY0" fmla="*/ 0 h 672256"/>
+              <a:gd name="connsiteX1" fmla="*/ 360849 w 693941"/>
+              <a:gd name="connsiteY1" fmla="*/ 0 h 672256"/>
+              <a:gd name="connsiteX2" fmla="*/ 693941 w 693941"/>
+              <a:gd name="connsiteY2" fmla="*/ 0 h 672256"/>
+              <a:gd name="connsiteX3" fmla="*/ 693941 w 693941"/>
+              <a:gd name="connsiteY3" fmla="*/ 322683 h 672256"/>
+              <a:gd name="connsiteX4" fmla="*/ 693941 w 693941"/>
+              <a:gd name="connsiteY4" fmla="*/ 672256 h 672256"/>
+              <a:gd name="connsiteX5" fmla="*/ 346971 w 693941"/>
+              <a:gd name="connsiteY5" fmla="*/ 672256 h 672256"/>
+              <a:gd name="connsiteX6" fmla="*/ 0 w 693941"/>
+              <a:gd name="connsiteY6" fmla="*/ 672256 h 672256"/>
+              <a:gd name="connsiteX7" fmla="*/ 0 w 693941"/>
+              <a:gd name="connsiteY7" fmla="*/ 329405 h 672256"/>
+              <a:gd name="connsiteX8" fmla="*/ 0 w 693941"/>
+              <a:gd name="connsiteY8" fmla="*/ 0 h 672256"/>
+            </a:gdLst>
+            <a:ahLst/>
+            <a:cxnLst>
+              <a:cxn ang="0">
+                <a:pos x="connsiteX0" y="connsiteY0"/>
+              </a:cxn>
+              <a:cxn ang="0">
+                <a:pos x="connsiteX1" y="connsiteY1"/>
+              </a:cxn>
+              <a:cxn ang="0">
+                <a:pos x="connsiteX2" y="connsiteY2"/>
+              </a:cxn>
+              <a:cxn ang="0">
+                <a:pos x="connsiteX3" y="connsiteY3"/>
+              </a:cxn>
+              <a:cxn ang="0">
+                <a:pos x="connsiteX4" y="connsiteY4"/>
+              </a:cxn>
+              <a:cxn ang="0">
+                <a:pos x="connsiteX5" y="connsiteY5"/>
+              </a:cxn>
+              <a:cxn ang="0">
+                <a:pos x="connsiteX6" y="connsiteY6"/>
+              </a:cxn>
+              <a:cxn ang="0">
+                <a:pos x="connsiteX7" y="connsiteY7"/>
+              </a:cxn>
+              <a:cxn ang="0">
+                <a:pos x="connsiteX8" y="connsiteY8"/>
+              </a:cxn>
+            </a:cxnLst>
+            <a:rect l="l" t="t" r="r" b="b"/>
+            <a:pathLst>
+              <a:path w="693941" h="672256" extrusionOk="0">
+                <a:moveTo>
+                  <a:pt x="0" y="0"/>
+                </a:moveTo>
+                <a:cubicBezTo>
+                  <a:pt x="155518" y="-22844"/>
+                  <a:pt x="181969" y="43160"/>
+                  <a:pt x="360849" y="0"/>
+                </a:cubicBezTo>
+                <a:cubicBezTo>
+                  <a:pt x="539729" y="-43160"/>
+                  <a:pt x="529972" y="11338"/>
+                  <a:pt x="693941" y="0"/>
+                </a:cubicBezTo>
+                <a:cubicBezTo>
+                  <a:pt x="718497" y="139320"/>
+                  <a:pt x="688864" y="188863"/>
+                  <a:pt x="693941" y="322683"/>
+                </a:cubicBezTo>
+                <a:cubicBezTo>
+                  <a:pt x="699018" y="456503"/>
+                  <a:pt x="671597" y="500189"/>
+                  <a:pt x="693941" y="672256"/>
+                </a:cubicBezTo>
+                <a:cubicBezTo>
+                  <a:pt x="560966" y="694967"/>
+                  <a:pt x="455683" y="645280"/>
+                  <a:pt x="346971" y="672256"/>
+                </a:cubicBezTo>
+                <a:cubicBezTo>
+                  <a:pt x="238259" y="699232"/>
+                  <a:pt x="81707" y="669933"/>
+                  <a:pt x="0" y="672256"/>
+                </a:cubicBezTo>
+                <a:cubicBezTo>
+                  <a:pt x="-35072" y="549723"/>
+                  <a:pt x="16951" y="475879"/>
+                  <a:pt x="0" y="329405"/>
+                </a:cubicBezTo>
+                <a:cubicBezTo>
+                  <a:pt x="-16951" y="182931"/>
+                  <a:pt x="32255" y="132019"/>
+                  <a:pt x="0" y="0"/>
+                </a:cubicBezTo>
+                <a:close/>
+              </a:path>
+            </a:pathLst>
+          </a:custGeom>
+          <a:noFill/>
+          <a:ln>
+            <a:solidFill>
+              <a:schemeClr val="bg2">
+                <a:lumMod val="50000"/>
+              </a:schemeClr>
+            </a:solidFill>
+            <a:prstDash val="lgDashDot"/>
+            <a:extLst>
+              <a:ext uri="{C807C97D-BFC1-408E-A445-0C87EB9F89A2}">
+                <ask:lineSketchStyleProps xmlns:ask="http://schemas.microsoft.com/office/drawing/2018/sketchyshapes" sd="981765707">
+                  <a:prstGeom prst="rect">
+                    <a:avLst/>
+                  </a:prstGeom>
+                  <ask:type>
+                    <ask:lineSketchScribble/>
+                  </ask:type>
+                </ask:lineSketchStyleProps>
+              </a:ext>
+            </a:extLst>
+          </a:ln>
+          <a:extLst>
+            <a:ext uri="{909E8E84-426E-40DD-AFC4-6F175D3DCCD1}">
+              <a14:hiddenFill xmlns:a14="http://schemas.microsoft.com/office/drawing/2010/main">
+                <a:solidFill>
+                  <a:srgbClr val="FFFFFF"/>
+                </a:solidFill>
+              </a14:hiddenFill>
+            </a:ext>
+          </a:extLst>
+        </p:spPr>
+      </p:pic>
+      <p:sp>
+        <p:nvSpPr>
+          <p:cNvPr id="30" name="TextBox 29">
+            <a:extLst>
+              <a:ext uri="{FF2B5EF4-FFF2-40B4-BE49-F238E27FC236}">
+                <a16:creationId xmlns:a16="http://schemas.microsoft.com/office/drawing/2014/main" id="{11328F66-DFA3-4400-803C-FF94E6DCC775}"/>
+              </a:ext>
+            </a:extLst>
+          </p:cNvPr>
+          <p:cNvSpPr txBox="1"/>
+          <p:nvPr/>
+        </p:nvSpPr>
+        <p:spPr>
+          <a:xfrm>
+            <a:off x="5655409" y="1315232"/>
+            <a:ext cx="1499059" cy="324879"/>
+          </a:xfrm>
+          <a:prstGeom prst="rect">
+            <a:avLst/>
+          </a:prstGeom>
+          <a:noFill/>
+        </p:spPr>
+        <p:txBody>
+          <a:bodyPr wrap="square" rtlCol="0">
+            <a:spAutoFit/>
+          </a:bodyPr>
+          <a:lstStyle/>
+          <a:p>
+            <a:pPr algn="ctr"/>
+            <a:r>
+              <a:rPr lang="en-US" altLang="ko-KR" sz="1400" b="1" dirty="0">
+                <a:solidFill>
+                  <a:schemeClr val="bg2">
+                    <a:lumMod val="50000"/>
+                  </a:schemeClr>
+                </a:solidFill>
+                <a:latin typeface="나눔스퀘어" panose="020B0600000101010101" pitchFamily="50" charset="-127"/>
+                <a:ea typeface="나눔스퀘어" panose="020B0600000101010101" pitchFamily="50" charset="-127"/>
+              </a:rPr>
+              <a:t>Reconstruction</a:t>
+            </a:r>
+            <a:endParaRPr lang="ko-KR" altLang="en-US" sz="1400" b="1" dirty="0">
+              <a:solidFill>
+                <a:schemeClr val="bg2">
+                  <a:lumMod val="50000"/>
+                </a:schemeClr>
+              </a:solidFill>
+              <a:latin typeface="나눔스퀘어" panose="020B0600000101010101" pitchFamily="50" charset="-127"/>
+              <a:ea typeface="나눔스퀘어" panose="020B0600000101010101" pitchFamily="50" charset="-127"/>
+            </a:endParaRPr>
+          </a:p>
+        </p:txBody>
+      </p:sp>
+      <p:cxnSp>
+        <p:nvCxnSpPr>
+          <p:cNvPr id="31" name="연결선: 구부러짐 30">
+            <a:extLst>
+              <a:ext uri="{FF2B5EF4-FFF2-40B4-BE49-F238E27FC236}">
+                <a16:creationId xmlns:a16="http://schemas.microsoft.com/office/drawing/2014/main" id="{AF445C72-D617-484B-834C-D04FA81D2CDA}"/>
+              </a:ext>
+            </a:extLst>
+          </p:cNvPr>
+          <p:cNvCxnSpPr>
+            <a:stCxn id="25" idx="3"/>
+            <a:endCxn id="28" idx="1"/>
+          </p:cNvCxnSpPr>
+          <p:nvPr/>
+        </p:nvCxnSpPr>
+        <p:spPr>
+          <a:xfrm>
+            <a:off x="8029628" y="886519"/>
+            <a:ext cx="663852" cy="1507184"/>
+          </a:xfrm>
+          <a:prstGeom prst="curvedConnector3">
+            <a:avLst/>
+          </a:prstGeom>
+          <a:ln w="19050">
+            <a:solidFill>
+              <a:schemeClr val="bg2">
+                <a:lumMod val="50000"/>
+              </a:schemeClr>
+            </a:solidFill>
+            <a:prstDash val="lgDash"/>
+            <a:tailEnd type="triangle"/>
+          </a:ln>
+        </p:spPr>
+        <p:style>
+          <a:lnRef idx="1">
+            <a:schemeClr val="accent1"/>
+          </a:lnRef>
+          <a:fillRef idx="0">
+            <a:schemeClr val="accent1"/>
+          </a:fillRef>
+          <a:effectRef idx="0">
+            <a:schemeClr val="accent1"/>
+          </a:effectRef>
+          <a:fontRef idx="minor">
+            <a:schemeClr val="tx1"/>
+          </a:fontRef>
+        </p:style>
+      </p:cxnSp>
+      <p:cxnSp>
+        <p:nvCxnSpPr>
+          <p:cNvPr id="32" name="연결선: 구부러짐 31">
+            <a:extLst>
+              <a:ext uri="{FF2B5EF4-FFF2-40B4-BE49-F238E27FC236}">
+                <a16:creationId xmlns:a16="http://schemas.microsoft.com/office/drawing/2014/main" id="{8FE59DBC-EE01-482A-BDAD-04B275518006}"/>
+              </a:ext>
+            </a:extLst>
+          </p:cNvPr>
+          <p:cNvCxnSpPr>
+            <a:cxnSpLocks/>
+            <a:stCxn id="26" idx="3"/>
+            <a:endCxn id="29" idx="1"/>
+          </p:cNvCxnSpPr>
+          <p:nvPr/>
+        </p:nvCxnSpPr>
+        <p:spPr>
+          <a:xfrm>
+            <a:off x="9400569" y="886519"/>
+            <a:ext cx="663852" cy="1507184"/>
+          </a:xfrm>
+          <a:prstGeom prst="curvedConnector3">
+            <a:avLst>
+              <a:gd name="adj1" fmla="val 50000"/>
+            </a:avLst>
+          </a:prstGeom>
+          <a:ln w="19050">
+            <a:solidFill>
+              <a:schemeClr val="bg2">
+                <a:lumMod val="50000"/>
+              </a:schemeClr>
+            </a:solidFill>
+            <a:prstDash val="lgDash"/>
+            <a:tailEnd type="triangle"/>
+          </a:ln>
+        </p:spPr>
+        <p:style>
+          <a:lnRef idx="1">
+            <a:schemeClr val="accent1"/>
+          </a:lnRef>
+          <a:fillRef idx="0">
+            <a:schemeClr val="accent1"/>
+          </a:fillRef>
+          <a:effectRef idx="0">
+            <a:schemeClr val="accent1"/>
+          </a:effectRef>
+          <a:fontRef idx="minor">
+            <a:schemeClr val="tx1"/>
+          </a:fontRef>
+        </p:style>
+      </p:cxnSp>
+      <mc:AlternateContent xmlns:mc="http://schemas.openxmlformats.org/markup-compatibility/2006">
+        <mc:Choice xmlns:a14="http://schemas.microsoft.com/office/drawing/2010/main" Requires="a14">
+          <p:sp>
+            <p:nvSpPr>
+              <p:cNvPr id="33" name="TextBox 32">
+                <a:extLst>
+                  <a:ext uri="{FF2B5EF4-FFF2-40B4-BE49-F238E27FC236}">
+                    <a16:creationId xmlns:a16="http://schemas.microsoft.com/office/drawing/2014/main" id="{7046B589-63A1-4E1E-9B1B-EEB451247055}"/>
+                  </a:ext>
+                </a:extLst>
+              </p:cNvPr>
+              <p:cNvSpPr txBox="1"/>
+              <p:nvPr/>
+            </p:nvSpPr>
+            <p:spPr>
+              <a:xfrm>
+                <a:off x="7176701" y="180644"/>
+                <a:ext cx="993967" cy="338554"/>
+              </a:xfrm>
+              <a:prstGeom prst="rect">
+                <a:avLst/>
+              </a:prstGeom>
+              <a:noFill/>
+            </p:spPr>
+            <p:txBody>
+              <a:bodyPr wrap="square" rtlCol="0">
+                <a:spAutoFit/>
+              </a:bodyPr>
+              <a:lstStyle/>
+              <a:p>
+                <a:pPr algn="ctr"/>
+                <a14:m>
+                  <m:oMathPara xmlns:m="http://schemas.openxmlformats.org/officeDocument/2006/math">
+                    <m:oMathParaPr>
+                      <m:jc m:val="centerGroup"/>
+                    </m:oMathParaPr>
+                    <m:oMath xmlns:m="http://schemas.openxmlformats.org/officeDocument/2006/math">
+                      <m:acc>
+                        <m:accPr>
+                          <m:chr m:val="̂"/>
+                          <m:ctrlPr>
+                            <a:rPr lang="en-US" altLang="ko-KR" sz="1600" b="1" i="1" dirty="0" smtClean="0">
+                              <a:latin typeface="Cambria Math" panose="02040503050406030204" pitchFamily="18" charset="0"/>
+                              <a:ea typeface="나눔스퀘어" panose="020B0600000101010101" pitchFamily="50" charset="-127"/>
+                            </a:rPr>
+                          </m:ctrlPr>
+                        </m:accPr>
+                        <m:e>
+                          <m:sSub>
+                            <m:sSubPr>
+                              <m:ctrlPr>
+                                <a:rPr lang="en-US" altLang="ko-KR" sz="1600" b="1" i="1" dirty="0" smtClean="0">
+                                  <a:latin typeface="Cambria Math" panose="02040503050406030204" pitchFamily="18" charset="0"/>
+                                  <a:ea typeface="나눔스퀘어" panose="020B0600000101010101" pitchFamily="50" charset="-127"/>
+                                </a:rPr>
+                              </m:ctrlPr>
+                            </m:sSubPr>
+                            <m:e>
+                              <m:r>
+                                <a:rPr lang="en-US" altLang="ko-KR" sz="1600" b="1" i="1" dirty="0" smtClean="0">
+                                  <a:latin typeface="Cambria Math" panose="02040503050406030204" pitchFamily="18" charset="0"/>
+                                  <a:ea typeface="나눔스퀘어" panose="020B0600000101010101" pitchFamily="50" charset="-127"/>
+                                </a:rPr>
+                                <m:t>𝒗</m:t>
+                              </m:r>
+                            </m:e>
+                            <m:sub>
+                              <m:r>
+                                <a:rPr lang="en-US" altLang="ko-KR" sz="1600" b="1" i="1" dirty="0" smtClean="0">
+                                  <a:latin typeface="Cambria Math" panose="02040503050406030204" pitchFamily="18" charset="0"/>
+                                  <a:ea typeface="나눔스퀘어" panose="020B0600000101010101" pitchFamily="50" charset="-127"/>
+                                </a:rPr>
+                                <m:t>𝟑</m:t>
+                              </m:r>
+                            </m:sub>
+                          </m:sSub>
+                        </m:e>
+                      </m:acc>
+                    </m:oMath>
+                  </m:oMathPara>
+                </a14:m>
+                <a:endParaRPr lang="ko-KR" altLang="en-US" sz="1600" b="1" dirty="0">
+                  <a:latin typeface="나눔스퀘어" panose="020B0600000101010101" pitchFamily="50" charset="-127"/>
+                  <a:ea typeface="나눔스퀘어" panose="020B0600000101010101" pitchFamily="50" charset="-127"/>
+                </a:endParaRPr>
+              </a:p>
+            </p:txBody>
+          </p:sp>
+        </mc:Choice>
+        <mc:Fallback>
+          <p:sp>
+            <p:nvSpPr>
+              <p:cNvPr id="33" name="TextBox 32">
+                <a:extLst>
+                  <a:ext uri="{FF2B5EF4-FFF2-40B4-BE49-F238E27FC236}">
+                    <a16:creationId xmlns:a16="http://schemas.microsoft.com/office/drawing/2014/main" id="{7046B589-63A1-4E1E-9B1B-EEB451247055}"/>
+                  </a:ext>
+                </a:extLst>
+              </p:cNvPr>
+              <p:cNvSpPr txBox="1">
+                <a:spLocks noRot="1" noChangeAspect="1" noMove="1" noResize="1" noEditPoints="1" noAdjustHandles="1" noChangeArrowheads="1" noChangeShapeType="1" noTextEdit="1"/>
+              </p:cNvSpPr>
+              <p:nvPr/>
+            </p:nvSpPr>
+            <p:spPr>
+              <a:xfrm>
+                <a:off x="7176701" y="180644"/>
+                <a:ext cx="993967" cy="338554"/>
+              </a:xfrm>
+              <a:prstGeom prst="rect">
+                <a:avLst/>
+              </a:prstGeom>
+              <a:blipFill>
+                <a:blip r:embed="rId3"/>
+                <a:stretch>
+                  <a:fillRect r="-24540"/>
+                </a:stretch>
+              </a:blipFill>
+            </p:spPr>
+            <p:txBody>
+              <a:bodyPr/>
+              <a:lstStyle/>
+              <a:p>
+                <a:r>
+                  <a:rPr lang="ko-KR" altLang="en-US">
+                    <a:noFill/>
+                  </a:rPr>
+                  <a:t> </a:t>
+                </a:r>
+              </a:p>
+            </p:txBody>
+          </p:sp>
+        </mc:Fallback>
+      </mc:AlternateContent>
+      <mc:AlternateContent xmlns:mc="http://schemas.openxmlformats.org/markup-compatibility/2006">
+        <mc:Choice xmlns:a14="http://schemas.microsoft.com/office/drawing/2010/main" Requires="a14">
+          <p:sp>
+            <p:nvSpPr>
+              <p:cNvPr id="34" name="TextBox 33">
+                <a:extLst>
+                  <a:ext uri="{FF2B5EF4-FFF2-40B4-BE49-F238E27FC236}">
+                    <a16:creationId xmlns:a16="http://schemas.microsoft.com/office/drawing/2014/main" id="{A0BE764D-ED10-4C11-B1CC-AB2F690B2B6F}"/>
+                  </a:ext>
+                </a:extLst>
+              </p:cNvPr>
+              <p:cNvSpPr txBox="1"/>
+              <p:nvPr/>
+            </p:nvSpPr>
+            <p:spPr>
+              <a:xfrm>
+                <a:off x="8552346" y="180644"/>
+                <a:ext cx="1016000" cy="338554"/>
+              </a:xfrm>
+              <a:prstGeom prst="rect">
+                <a:avLst/>
+              </a:prstGeom>
+              <a:noFill/>
+            </p:spPr>
+            <p:txBody>
+              <a:bodyPr wrap="square" rtlCol="0">
+                <a:spAutoFit/>
+              </a:bodyPr>
+              <a:lstStyle/>
+              <a:p>
+                <a:pPr algn="ctr"/>
+                <a14:m>
+                  <m:oMathPara xmlns:m="http://schemas.openxmlformats.org/officeDocument/2006/math">
+                    <m:oMathParaPr>
+                      <m:jc m:val="centerGroup"/>
+                    </m:oMathParaPr>
+                    <m:oMath xmlns:m="http://schemas.openxmlformats.org/officeDocument/2006/math">
+                      <m:acc>
+                        <m:accPr>
+                          <m:chr m:val="̂"/>
+                          <m:ctrlPr>
+                            <a:rPr lang="en-US" altLang="ko-KR" sz="1600" b="1" i="1" dirty="0" smtClean="0">
+                              <a:latin typeface="Cambria Math" panose="02040503050406030204" pitchFamily="18" charset="0"/>
+                              <a:ea typeface="나눔스퀘어" panose="020B0600000101010101" pitchFamily="50" charset="-127"/>
+                            </a:rPr>
+                          </m:ctrlPr>
+                        </m:accPr>
+                        <m:e>
+                          <m:sSub>
+                            <m:sSubPr>
+                              <m:ctrlPr>
+                                <a:rPr lang="en-US" altLang="ko-KR" sz="1600" b="1" i="1" dirty="0" smtClean="0">
+                                  <a:latin typeface="Cambria Math" panose="02040503050406030204" pitchFamily="18" charset="0"/>
+                                  <a:ea typeface="나눔스퀘어" panose="020B0600000101010101" pitchFamily="50" charset="-127"/>
+                                </a:rPr>
+                              </m:ctrlPr>
+                            </m:sSubPr>
+                            <m:e>
+                              <m:r>
+                                <a:rPr lang="en-US" altLang="ko-KR" sz="1600" b="1" i="1" dirty="0" smtClean="0">
+                                  <a:latin typeface="Cambria Math" panose="02040503050406030204" pitchFamily="18" charset="0"/>
+                                  <a:ea typeface="나눔스퀘어" panose="020B0600000101010101" pitchFamily="50" charset="-127"/>
+                                </a:rPr>
+                                <m:t>𝒗</m:t>
+                              </m:r>
+                            </m:e>
+                            <m:sub>
+                              <m:r>
+                                <a:rPr lang="en-US" altLang="ko-KR" sz="1600" b="1" i="1" dirty="0" smtClean="0">
+                                  <a:latin typeface="Cambria Math" panose="02040503050406030204" pitchFamily="18" charset="0"/>
+                                  <a:ea typeface="나눔스퀘어" panose="020B0600000101010101" pitchFamily="50" charset="-127"/>
+                                </a:rPr>
+                                <m:t>𝟐</m:t>
+                              </m:r>
+                            </m:sub>
+                          </m:sSub>
+                        </m:e>
+                      </m:acc>
+                    </m:oMath>
+                  </m:oMathPara>
+                </a14:m>
+                <a:endParaRPr lang="ko-KR" altLang="en-US" sz="1600" b="1" dirty="0">
+                  <a:latin typeface="나눔스퀘어" panose="020B0600000101010101" pitchFamily="50" charset="-127"/>
+                  <a:ea typeface="나눔스퀘어" panose="020B0600000101010101" pitchFamily="50" charset="-127"/>
+                </a:endParaRPr>
+              </a:p>
+            </p:txBody>
+          </p:sp>
+        </mc:Choice>
+        <mc:Fallback>
+          <p:sp>
+            <p:nvSpPr>
+              <p:cNvPr id="34" name="TextBox 33">
+                <a:extLst>
+                  <a:ext uri="{FF2B5EF4-FFF2-40B4-BE49-F238E27FC236}">
+                    <a16:creationId xmlns:a16="http://schemas.microsoft.com/office/drawing/2014/main" id="{A0BE764D-ED10-4C11-B1CC-AB2F690B2B6F}"/>
+                  </a:ext>
+                </a:extLst>
+              </p:cNvPr>
+              <p:cNvSpPr txBox="1">
+                <a:spLocks noRot="1" noChangeAspect="1" noMove="1" noResize="1" noEditPoints="1" noAdjustHandles="1" noChangeArrowheads="1" noChangeShapeType="1" noTextEdit="1"/>
+              </p:cNvSpPr>
+              <p:nvPr/>
+            </p:nvSpPr>
+            <p:spPr>
+              <a:xfrm>
+                <a:off x="8552346" y="180644"/>
+                <a:ext cx="1016000" cy="338554"/>
+              </a:xfrm>
+              <a:prstGeom prst="rect">
+                <a:avLst/>
+              </a:prstGeom>
+              <a:blipFill>
+                <a:blip r:embed="rId4"/>
+                <a:stretch>
+                  <a:fillRect r="-22156"/>
+                </a:stretch>
+              </a:blipFill>
+            </p:spPr>
+            <p:txBody>
+              <a:bodyPr/>
+              <a:lstStyle/>
+              <a:p>
+                <a:r>
+                  <a:rPr lang="ko-KR" altLang="en-US">
+                    <a:noFill/>
+                  </a:rPr>
+                  <a:t> </a:t>
+                </a:r>
+              </a:p>
+            </p:txBody>
+          </p:sp>
+        </mc:Fallback>
+      </mc:AlternateContent>
+      <mc:AlternateContent xmlns:mc="http://schemas.openxmlformats.org/markup-compatibility/2006">
+        <mc:Choice xmlns:a14="http://schemas.microsoft.com/office/drawing/2010/main" Requires="a14">
+          <p:sp>
+            <p:nvSpPr>
+              <p:cNvPr id="35" name="TextBox 34">
+                <a:extLst>
+                  <a:ext uri="{FF2B5EF4-FFF2-40B4-BE49-F238E27FC236}">
+                    <a16:creationId xmlns:a16="http://schemas.microsoft.com/office/drawing/2014/main" id="{77E74F68-9BFC-44AB-9041-8DA97F716A2F}"/>
+                  </a:ext>
+                </a:extLst>
+              </p:cNvPr>
+              <p:cNvSpPr txBox="1"/>
+              <p:nvPr/>
+            </p:nvSpPr>
+            <p:spPr>
+              <a:xfrm>
+                <a:off x="9916093" y="180644"/>
+                <a:ext cx="1016000" cy="338554"/>
+              </a:xfrm>
+              <a:prstGeom prst="rect">
+                <a:avLst/>
+              </a:prstGeom>
+              <a:noFill/>
+            </p:spPr>
+            <p:txBody>
+              <a:bodyPr wrap="square" rtlCol="0">
+                <a:spAutoFit/>
+              </a:bodyPr>
+              <a:lstStyle/>
+              <a:p>
+                <a:pPr algn="ctr"/>
+                <a14:m>
+                  <m:oMathPara xmlns:m="http://schemas.openxmlformats.org/officeDocument/2006/math">
+                    <m:oMathParaPr>
+                      <m:jc m:val="centerGroup"/>
+                    </m:oMathParaPr>
+                    <m:oMath xmlns:m="http://schemas.openxmlformats.org/officeDocument/2006/math">
+                      <m:acc>
+                        <m:accPr>
+                          <m:chr m:val="̂"/>
+                          <m:ctrlPr>
+                            <a:rPr lang="en-US" altLang="ko-KR" sz="1600" b="1" i="1" dirty="0" smtClean="0">
+                              <a:latin typeface="Cambria Math" panose="02040503050406030204" pitchFamily="18" charset="0"/>
+                              <a:ea typeface="나눔스퀘어" panose="020B0600000101010101" pitchFamily="50" charset="-127"/>
+                            </a:rPr>
+                          </m:ctrlPr>
+                        </m:accPr>
+                        <m:e>
+                          <m:sSub>
+                            <m:sSubPr>
+                              <m:ctrlPr>
+                                <a:rPr lang="en-US" altLang="ko-KR" sz="1600" b="1" i="1" dirty="0" smtClean="0">
+                                  <a:latin typeface="Cambria Math" panose="02040503050406030204" pitchFamily="18" charset="0"/>
+                                  <a:ea typeface="나눔스퀘어" panose="020B0600000101010101" pitchFamily="50" charset="-127"/>
+                                </a:rPr>
+                              </m:ctrlPr>
+                            </m:sSubPr>
+                            <m:e>
+                              <m:r>
+                                <a:rPr lang="en-US" altLang="ko-KR" sz="1600" b="1" i="1" dirty="0" smtClean="0">
+                                  <a:latin typeface="Cambria Math" panose="02040503050406030204" pitchFamily="18" charset="0"/>
+                                  <a:ea typeface="나눔스퀘어" panose="020B0600000101010101" pitchFamily="50" charset="-127"/>
+                                </a:rPr>
+                                <m:t>𝒗</m:t>
+                              </m:r>
+                            </m:e>
+                            <m:sub>
+                              <m:r>
+                                <a:rPr lang="en-US" altLang="ko-KR" sz="1600" b="1" i="1" dirty="0" smtClean="0">
+                                  <a:latin typeface="Cambria Math" panose="02040503050406030204" pitchFamily="18" charset="0"/>
+                                  <a:ea typeface="나눔스퀘어" panose="020B0600000101010101" pitchFamily="50" charset="-127"/>
+                                </a:rPr>
+                                <m:t>𝟏</m:t>
+                              </m:r>
+                            </m:sub>
+                          </m:sSub>
+                        </m:e>
+                      </m:acc>
+                    </m:oMath>
+                  </m:oMathPara>
+                </a14:m>
+                <a:endParaRPr lang="ko-KR" altLang="en-US" sz="1600" b="1" dirty="0">
+                  <a:latin typeface="나눔스퀘어" panose="020B0600000101010101" pitchFamily="50" charset="-127"/>
+                  <a:ea typeface="나눔스퀘어" panose="020B0600000101010101" pitchFamily="50" charset="-127"/>
+                </a:endParaRPr>
+              </a:p>
+            </p:txBody>
+          </p:sp>
+        </mc:Choice>
+        <mc:Fallback>
+          <p:sp>
+            <p:nvSpPr>
+              <p:cNvPr id="35" name="TextBox 34">
+                <a:extLst>
+                  <a:ext uri="{FF2B5EF4-FFF2-40B4-BE49-F238E27FC236}">
+                    <a16:creationId xmlns:a16="http://schemas.microsoft.com/office/drawing/2014/main" id="{77E74F68-9BFC-44AB-9041-8DA97F716A2F}"/>
+                  </a:ext>
+                </a:extLst>
+              </p:cNvPr>
+              <p:cNvSpPr txBox="1">
+                <a:spLocks noRot="1" noChangeAspect="1" noMove="1" noResize="1" noEditPoints="1" noAdjustHandles="1" noChangeArrowheads="1" noChangeShapeType="1" noTextEdit="1"/>
+              </p:cNvSpPr>
+              <p:nvPr/>
+            </p:nvSpPr>
+            <p:spPr>
+              <a:xfrm>
+                <a:off x="9916093" y="180644"/>
+                <a:ext cx="1016000" cy="338554"/>
+              </a:xfrm>
+              <a:prstGeom prst="rect">
+                <a:avLst/>
+              </a:prstGeom>
+              <a:blipFill>
+                <a:blip r:embed="rId5"/>
+                <a:stretch>
+                  <a:fillRect r="-22892"/>
+                </a:stretch>
+              </a:blipFill>
+            </p:spPr>
+            <p:txBody>
+              <a:bodyPr/>
+              <a:lstStyle/>
+              <a:p>
+                <a:r>
+                  <a:rPr lang="ko-KR" altLang="en-US">
+                    <a:noFill/>
+                  </a:rPr>
+                  <a:t> </a:t>
+                </a:r>
+              </a:p>
+            </p:txBody>
+          </p:sp>
+        </mc:Fallback>
+      </mc:AlternateContent>
+      <mc:AlternateContent xmlns:mc="http://schemas.openxmlformats.org/markup-compatibility/2006">
+        <mc:Choice xmlns:a14="http://schemas.microsoft.com/office/drawing/2010/main" Requires="a14">
+          <p:sp>
+            <p:nvSpPr>
+              <p:cNvPr id="36" name="TextBox 35">
+                <a:extLst>
+                  <a:ext uri="{FF2B5EF4-FFF2-40B4-BE49-F238E27FC236}">
+                    <a16:creationId xmlns:a16="http://schemas.microsoft.com/office/drawing/2014/main" id="{332CE65D-0040-4B9A-B503-6B62BB56F397}"/>
+                  </a:ext>
+                </a:extLst>
+              </p:cNvPr>
+              <p:cNvSpPr txBox="1"/>
+              <p:nvPr/>
+            </p:nvSpPr>
+            <p:spPr>
+              <a:xfrm>
+                <a:off x="8560622" y="2762968"/>
+                <a:ext cx="993967" cy="338554"/>
+              </a:xfrm>
+              <a:prstGeom prst="rect">
+                <a:avLst/>
+              </a:prstGeom>
+              <a:noFill/>
+            </p:spPr>
+            <p:txBody>
+              <a:bodyPr wrap="square" rtlCol="0">
+                <a:spAutoFit/>
+              </a:bodyPr>
+              <a:lstStyle/>
+              <a:p>
+                <a:pPr algn="ctr"/>
+                <a14:m>
+                  <m:oMathPara xmlns:m="http://schemas.openxmlformats.org/officeDocument/2006/math">
+                    <m:oMathParaPr>
+                      <m:jc m:val="centerGroup"/>
+                    </m:oMathParaPr>
+                    <m:oMath xmlns:m="http://schemas.openxmlformats.org/officeDocument/2006/math">
+                      <m:acc>
+                        <m:accPr>
+                          <m:chr m:val="̂"/>
+                          <m:ctrlPr>
+                            <a:rPr lang="en-US" altLang="ko-KR" sz="1600" b="1" i="1" dirty="0" smtClean="0">
+                              <a:latin typeface="Cambria Math" panose="02040503050406030204" pitchFamily="18" charset="0"/>
+                              <a:ea typeface="나눔스퀘어" panose="020B0600000101010101" pitchFamily="50" charset="-127"/>
+                            </a:rPr>
+                          </m:ctrlPr>
+                        </m:accPr>
+                        <m:e>
+                          <m:sSub>
+                            <m:sSubPr>
+                              <m:ctrlPr>
+                                <a:rPr lang="en-US" altLang="ko-KR" sz="1600" b="1" i="1" dirty="0" smtClean="0">
+                                  <a:latin typeface="Cambria Math" panose="02040503050406030204" pitchFamily="18" charset="0"/>
+                                  <a:ea typeface="나눔스퀘어" panose="020B0600000101010101" pitchFamily="50" charset="-127"/>
+                                </a:rPr>
+                              </m:ctrlPr>
+                            </m:sSubPr>
+                            <m:e>
+                              <m:r>
+                                <a:rPr lang="en-US" altLang="ko-KR" sz="1600" b="1" i="1" dirty="0" smtClean="0">
+                                  <a:latin typeface="Cambria Math" panose="02040503050406030204" pitchFamily="18" charset="0"/>
+                                  <a:ea typeface="나눔스퀘어" panose="020B0600000101010101" pitchFamily="50" charset="-127"/>
+                                </a:rPr>
+                                <m:t>𝒗</m:t>
+                              </m:r>
+                            </m:e>
+                            <m:sub>
+                              <m:r>
+                                <a:rPr lang="en-US" altLang="ko-KR" sz="1600" b="1" i="1" dirty="0" smtClean="0">
+                                  <a:latin typeface="Cambria Math" panose="02040503050406030204" pitchFamily="18" charset="0"/>
+                                  <a:ea typeface="나눔스퀘어" panose="020B0600000101010101" pitchFamily="50" charset="-127"/>
+                                </a:rPr>
+                                <m:t>𝟑</m:t>
+                              </m:r>
+                            </m:sub>
+                          </m:sSub>
+                        </m:e>
+                      </m:acc>
+                    </m:oMath>
+                  </m:oMathPara>
+                </a14:m>
+                <a:endParaRPr lang="ko-KR" altLang="en-US" sz="1600" b="1" dirty="0">
+                  <a:latin typeface="나눔스퀘어" panose="020B0600000101010101" pitchFamily="50" charset="-127"/>
+                  <a:ea typeface="나눔스퀘어" panose="020B0600000101010101" pitchFamily="50" charset="-127"/>
+                </a:endParaRPr>
+              </a:p>
+            </p:txBody>
+          </p:sp>
+        </mc:Choice>
+        <mc:Fallback>
+          <p:sp>
+            <p:nvSpPr>
+              <p:cNvPr id="36" name="TextBox 35">
+                <a:extLst>
+                  <a:ext uri="{FF2B5EF4-FFF2-40B4-BE49-F238E27FC236}">
+                    <a16:creationId xmlns:a16="http://schemas.microsoft.com/office/drawing/2014/main" id="{332CE65D-0040-4B9A-B503-6B62BB56F397}"/>
+                  </a:ext>
+                </a:extLst>
+              </p:cNvPr>
+              <p:cNvSpPr txBox="1">
+                <a:spLocks noRot="1" noChangeAspect="1" noMove="1" noResize="1" noEditPoints="1" noAdjustHandles="1" noChangeArrowheads="1" noChangeShapeType="1" noTextEdit="1"/>
+              </p:cNvSpPr>
+              <p:nvPr/>
+            </p:nvSpPr>
+            <p:spPr>
+              <a:xfrm>
+                <a:off x="8560622" y="2762968"/>
+                <a:ext cx="993967" cy="338554"/>
+              </a:xfrm>
+              <a:prstGeom prst="rect">
+                <a:avLst/>
+              </a:prstGeom>
+              <a:blipFill>
+                <a:blip r:embed="rId6"/>
+                <a:stretch>
+                  <a:fillRect r="-24540"/>
+                </a:stretch>
+              </a:blipFill>
+            </p:spPr>
+            <p:txBody>
+              <a:bodyPr/>
+              <a:lstStyle/>
+              <a:p>
+                <a:r>
+                  <a:rPr lang="ko-KR" altLang="en-US">
+                    <a:noFill/>
+                  </a:rPr>
+                  <a:t> </a:t>
+                </a:r>
+              </a:p>
+            </p:txBody>
+          </p:sp>
+        </mc:Fallback>
+      </mc:AlternateContent>
+      <mc:AlternateContent xmlns:mc="http://schemas.openxmlformats.org/markup-compatibility/2006">
+        <mc:Choice xmlns:a14="http://schemas.microsoft.com/office/drawing/2010/main" Requires="a14">
+          <p:sp>
+            <p:nvSpPr>
+              <p:cNvPr id="37" name="TextBox 36">
+                <a:extLst>
+                  <a:ext uri="{FF2B5EF4-FFF2-40B4-BE49-F238E27FC236}">
+                    <a16:creationId xmlns:a16="http://schemas.microsoft.com/office/drawing/2014/main" id="{CA462A50-0A3C-4AAB-AFEF-912D04BE26F1}"/>
+                  </a:ext>
+                </a:extLst>
+              </p:cNvPr>
+              <p:cNvSpPr txBox="1"/>
+              <p:nvPr/>
+            </p:nvSpPr>
+            <p:spPr>
+              <a:xfrm>
+                <a:off x="9903393" y="2762968"/>
+                <a:ext cx="993967" cy="338554"/>
+              </a:xfrm>
+              <a:prstGeom prst="rect">
+                <a:avLst/>
+              </a:prstGeom>
+              <a:noFill/>
+            </p:spPr>
+            <p:txBody>
+              <a:bodyPr wrap="square" rtlCol="0">
+                <a:spAutoFit/>
+              </a:bodyPr>
+              <a:lstStyle/>
+              <a:p>
+                <a:pPr algn="ctr"/>
+                <a14:m>
+                  <m:oMathPara xmlns:m="http://schemas.openxmlformats.org/officeDocument/2006/math">
+                    <m:oMathParaPr>
+                      <m:jc m:val="centerGroup"/>
+                    </m:oMathParaPr>
+                    <m:oMath xmlns:m="http://schemas.openxmlformats.org/officeDocument/2006/math">
+                      <m:acc>
+                        <m:accPr>
+                          <m:chr m:val="̂"/>
+                          <m:ctrlPr>
+                            <a:rPr lang="en-US" altLang="ko-KR" sz="1600" b="1" i="1" dirty="0" smtClean="0">
+                              <a:latin typeface="Cambria Math" panose="02040503050406030204" pitchFamily="18" charset="0"/>
+                              <a:ea typeface="나눔스퀘어" panose="020B0600000101010101" pitchFamily="50" charset="-127"/>
+                            </a:rPr>
+                          </m:ctrlPr>
+                        </m:accPr>
+                        <m:e>
+                          <m:sSub>
+                            <m:sSubPr>
+                              <m:ctrlPr>
+                                <a:rPr lang="en-US" altLang="ko-KR" sz="1600" b="1" i="1" dirty="0" smtClean="0">
+                                  <a:latin typeface="Cambria Math" panose="02040503050406030204" pitchFamily="18" charset="0"/>
+                                  <a:ea typeface="나눔스퀘어" panose="020B0600000101010101" pitchFamily="50" charset="-127"/>
+                                </a:rPr>
+                              </m:ctrlPr>
+                            </m:sSubPr>
+                            <m:e>
+                              <m:r>
+                                <a:rPr lang="en-US" altLang="ko-KR" sz="1600" b="1" i="1" dirty="0" smtClean="0">
+                                  <a:latin typeface="Cambria Math" panose="02040503050406030204" pitchFamily="18" charset="0"/>
+                                  <a:ea typeface="나눔스퀘어" panose="020B0600000101010101" pitchFamily="50" charset="-127"/>
+                                </a:rPr>
+                                <m:t>𝒗</m:t>
+                              </m:r>
+                            </m:e>
+                            <m:sub>
+                              <m:r>
+                                <a:rPr lang="en-US" altLang="ko-KR" sz="1600" b="1" i="1" dirty="0" smtClean="0">
+                                  <a:latin typeface="Cambria Math" panose="02040503050406030204" pitchFamily="18" charset="0"/>
+                                  <a:ea typeface="나눔스퀘어" panose="020B0600000101010101" pitchFamily="50" charset="-127"/>
+                                </a:rPr>
+                                <m:t>𝟐</m:t>
+                              </m:r>
+                            </m:sub>
+                          </m:sSub>
+                        </m:e>
+                      </m:acc>
+                    </m:oMath>
+                  </m:oMathPara>
+                </a14:m>
+                <a:endParaRPr lang="ko-KR" altLang="en-US" sz="1600" b="1" dirty="0">
+                  <a:latin typeface="나눔스퀘어" panose="020B0600000101010101" pitchFamily="50" charset="-127"/>
+                  <a:ea typeface="나눔스퀘어" panose="020B0600000101010101" pitchFamily="50" charset="-127"/>
+                </a:endParaRPr>
+              </a:p>
+            </p:txBody>
+          </p:sp>
+        </mc:Choice>
+        <mc:Fallback>
+          <p:sp>
+            <p:nvSpPr>
+              <p:cNvPr id="37" name="TextBox 36">
+                <a:extLst>
+                  <a:ext uri="{FF2B5EF4-FFF2-40B4-BE49-F238E27FC236}">
+                    <a16:creationId xmlns:a16="http://schemas.microsoft.com/office/drawing/2014/main" id="{CA462A50-0A3C-4AAB-AFEF-912D04BE26F1}"/>
+                  </a:ext>
+                </a:extLst>
+              </p:cNvPr>
+              <p:cNvSpPr txBox="1">
+                <a:spLocks noRot="1" noChangeAspect="1" noMove="1" noResize="1" noEditPoints="1" noAdjustHandles="1" noChangeArrowheads="1" noChangeShapeType="1" noTextEdit="1"/>
+              </p:cNvSpPr>
+              <p:nvPr/>
+            </p:nvSpPr>
+            <p:spPr>
+              <a:xfrm>
+                <a:off x="9903393" y="2762968"/>
+                <a:ext cx="993967" cy="338554"/>
+              </a:xfrm>
+              <a:prstGeom prst="rect">
+                <a:avLst/>
+              </a:prstGeom>
+              <a:blipFill>
+                <a:blip r:embed="rId7"/>
+                <a:stretch>
+                  <a:fillRect r="-23926"/>
+                </a:stretch>
+              </a:blipFill>
+            </p:spPr>
+            <p:txBody>
+              <a:bodyPr/>
+              <a:lstStyle/>
+              <a:p>
+                <a:r>
+                  <a:rPr lang="ko-KR" altLang="en-US">
+                    <a:noFill/>
+                  </a:rPr>
+                  <a:t> </a:t>
+                </a:r>
+              </a:p>
+            </p:txBody>
+          </p:sp>
+        </mc:Fallback>
+      </mc:AlternateContent>
+      <p:cxnSp>
+        <p:nvCxnSpPr>
+          <p:cNvPr id="39" name="직선 화살표 연결선 38">
+            <a:extLst>
+              <a:ext uri="{FF2B5EF4-FFF2-40B4-BE49-F238E27FC236}">
+                <a16:creationId xmlns:a16="http://schemas.microsoft.com/office/drawing/2014/main" id="{2F109934-65DF-4C1E-8524-1D36AD4AAB9D}"/>
+              </a:ext>
+            </a:extLst>
+          </p:cNvPr>
+          <p:cNvCxnSpPr>
+            <a:cxnSpLocks/>
+            <a:endCxn id="5" idx="1"/>
+          </p:cNvCxnSpPr>
+          <p:nvPr/>
+        </p:nvCxnSpPr>
+        <p:spPr>
+          <a:xfrm>
+            <a:off x="4767310" y="1650177"/>
+            <a:ext cx="581335" cy="0"/>
+          </a:xfrm>
+          <a:prstGeom prst="straightConnector1">
+            <a:avLst/>
+          </a:prstGeom>
+          <a:ln w="25400">
+            <a:gradFill>
+              <a:gsLst>
+                <a:gs pos="0">
+                  <a:schemeClr val="bg1">
+                    <a:alpha val="50000"/>
+                  </a:schemeClr>
+                </a:gs>
+                <a:gs pos="52000">
+                  <a:schemeClr val="bg2">
+                    <a:lumMod val="90000"/>
+                  </a:schemeClr>
+                </a:gs>
+                <a:gs pos="83000">
+                  <a:schemeClr val="bg2">
+                    <a:lumMod val="75000"/>
+                  </a:schemeClr>
+                </a:gs>
+                <a:gs pos="100000">
+                  <a:schemeClr val="bg2">
+                    <a:lumMod val="50000"/>
+                  </a:schemeClr>
+                </a:gs>
+              </a:gsLst>
+              <a:lin ang="0" scaled="0"/>
+            </a:gradFill>
+            <a:tailEnd type="triangle"/>
+          </a:ln>
+        </p:spPr>
+        <p:style>
+          <a:lnRef idx="1">
+            <a:schemeClr val="accent1"/>
+          </a:lnRef>
+          <a:fillRef idx="0">
+            <a:schemeClr val="accent1"/>
+          </a:fillRef>
+          <a:effectRef idx="0">
+            <a:schemeClr val="accent1"/>
+          </a:effectRef>
+          <a:fontRef idx="minor">
+            <a:schemeClr val="tx1"/>
+          </a:fontRef>
+        </p:style>
+      </p:cxnSp>
+      <p:pic>
+        <p:nvPicPr>
+          <p:cNvPr id="42" name="Picture 2">
+            <a:extLst>
+              <a:ext uri="{FF2B5EF4-FFF2-40B4-BE49-F238E27FC236}">
+                <a16:creationId xmlns:a16="http://schemas.microsoft.com/office/drawing/2014/main" id="{1BDCE5D1-F3BC-4BCB-BD35-C360ACD37874}"/>
+              </a:ext>
+            </a:extLst>
+          </p:cNvPr>
+          <p:cNvPicPr>
+            <a:picLocks noChangeAspect="1" noChangeArrowheads="1"/>
+          </p:cNvPicPr>
+          <p:nvPr/>
+        </p:nvPicPr>
+        <p:blipFill rotWithShape="1">
+          <a:blip r:embed="rId2">
+            <a:extLst>
+              <a:ext uri="{28A0092B-C50C-407E-A947-70E740481C1C}">
+                <a14:useLocalDpi xmlns:a14="http://schemas.microsoft.com/office/drawing/2010/main" val="0"/>
+              </a:ext>
+            </a:extLst>
+          </a:blip>
+          <a:srcRect l="61380" t="24131" r="30286" b="10399"/>
+          <a:stretch/>
+        </p:blipFill>
+        <p:spPr bwMode="auto">
+          <a:xfrm>
+            <a:off x="7337731" y="4030701"/>
+            <a:ext cx="693941" cy="672256"/>
+          </a:xfrm>
+          <a:custGeom>
+            <a:avLst/>
+            <a:gdLst>
+              <a:gd name="connsiteX0" fmla="*/ 0 w 693941"/>
+              <a:gd name="connsiteY0" fmla="*/ 0 h 672256"/>
+              <a:gd name="connsiteX1" fmla="*/ 340031 w 693941"/>
+              <a:gd name="connsiteY1" fmla="*/ 0 h 672256"/>
+              <a:gd name="connsiteX2" fmla="*/ 693941 w 693941"/>
+              <a:gd name="connsiteY2" fmla="*/ 0 h 672256"/>
+              <a:gd name="connsiteX3" fmla="*/ 693941 w 693941"/>
+              <a:gd name="connsiteY3" fmla="*/ 349573 h 672256"/>
+              <a:gd name="connsiteX4" fmla="*/ 693941 w 693941"/>
+              <a:gd name="connsiteY4" fmla="*/ 672256 h 672256"/>
+              <a:gd name="connsiteX5" fmla="*/ 360849 w 693941"/>
+              <a:gd name="connsiteY5" fmla="*/ 672256 h 672256"/>
+              <a:gd name="connsiteX6" fmla="*/ 0 w 693941"/>
+              <a:gd name="connsiteY6" fmla="*/ 672256 h 672256"/>
+              <a:gd name="connsiteX7" fmla="*/ 0 w 693941"/>
+              <a:gd name="connsiteY7" fmla="*/ 349573 h 672256"/>
+              <a:gd name="connsiteX8" fmla="*/ 0 w 693941"/>
+              <a:gd name="connsiteY8" fmla="*/ 0 h 672256"/>
+            </a:gdLst>
+            <a:ahLst/>
+            <a:cxnLst>
+              <a:cxn ang="0">
+                <a:pos x="connsiteX0" y="connsiteY0"/>
+              </a:cxn>
+              <a:cxn ang="0">
+                <a:pos x="connsiteX1" y="connsiteY1"/>
+              </a:cxn>
+              <a:cxn ang="0">
+                <a:pos x="connsiteX2" y="connsiteY2"/>
+              </a:cxn>
+              <a:cxn ang="0">
+                <a:pos x="connsiteX3" y="connsiteY3"/>
+              </a:cxn>
+              <a:cxn ang="0">
+                <a:pos x="connsiteX4" y="connsiteY4"/>
+              </a:cxn>
+              <a:cxn ang="0">
+                <a:pos x="connsiteX5" y="connsiteY5"/>
+              </a:cxn>
+              <a:cxn ang="0">
+                <a:pos x="connsiteX6" y="connsiteY6"/>
+              </a:cxn>
+              <a:cxn ang="0">
+                <a:pos x="connsiteX7" y="connsiteY7"/>
+              </a:cxn>
+              <a:cxn ang="0">
+                <a:pos x="connsiteX8" y="connsiteY8"/>
+              </a:cxn>
+            </a:cxnLst>
+            <a:rect l="l" t="t" r="r" b="b"/>
+            <a:pathLst>
+              <a:path w="693941" h="672256" extrusionOk="0">
+                <a:moveTo>
+                  <a:pt x="0" y="0"/>
+                </a:moveTo>
+                <a:cubicBezTo>
+                  <a:pt x="128672" y="-20841"/>
+                  <a:pt x="224628" y="23975"/>
+                  <a:pt x="340031" y="0"/>
+                </a:cubicBezTo>
+                <a:cubicBezTo>
+                  <a:pt x="455434" y="-23975"/>
+                  <a:pt x="552951" y="25101"/>
+                  <a:pt x="693941" y="0"/>
+                </a:cubicBezTo>
+                <a:cubicBezTo>
+                  <a:pt x="730564" y="165339"/>
+                  <a:pt x="665302" y="213078"/>
+                  <a:pt x="693941" y="349573"/>
+                </a:cubicBezTo>
+                <a:cubicBezTo>
+                  <a:pt x="722580" y="486068"/>
+                  <a:pt x="685560" y="590034"/>
+                  <a:pt x="693941" y="672256"/>
+                </a:cubicBezTo>
+                <a:cubicBezTo>
+                  <a:pt x="623312" y="673382"/>
+                  <a:pt x="480470" y="635049"/>
+                  <a:pt x="360849" y="672256"/>
+                </a:cubicBezTo>
+                <a:cubicBezTo>
+                  <a:pt x="241228" y="709463"/>
+                  <a:pt x="171229" y="644019"/>
+                  <a:pt x="0" y="672256"/>
+                </a:cubicBezTo>
+                <a:cubicBezTo>
+                  <a:pt x="-24822" y="599760"/>
+                  <a:pt x="11899" y="460745"/>
+                  <a:pt x="0" y="349573"/>
+                </a:cubicBezTo>
+                <a:cubicBezTo>
+                  <a:pt x="-11899" y="238401"/>
+                  <a:pt x="19270" y="73669"/>
+                  <a:pt x="0" y="0"/>
+                </a:cubicBezTo>
+                <a:close/>
+              </a:path>
+            </a:pathLst>
+          </a:custGeom>
+          <a:noFill/>
+          <a:ln>
+            <a:solidFill>
+              <a:schemeClr val="bg2">
+                <a:lumMod val="50000"/>
+              </a:schemeClr>
+            </a:solidFill>
+            <a:extLst>
+              <a:ext uri="{C807C97D-BFC1-408E-A445-0C87EB9F89A2}">
+                <ask:lineSketchStyleProps xmlns:ask="http://schemas.microsoft.com/office/drawing/2018/sketchyshapes" sd="1219033472">
+                  <a:prstGeom prst="rect">
+                    <a:avLst/>
+                  </a:prstGeom>
+                  <ask:type>
+                    <ask:lineSketchScribble/>
+                  </ask:type>
+                </ask:lineSketchStyleProps>
+              </a:ext>
+            </a:extLst>
+          </a:ln>
+          <a:extLst>
+            <a:ext uri="{909E8E84-426E-40DD-AFC4-6F175D3DCCD1}">
+              <a14:hiddenFill xmlns:a14="http://schemas.microsoft.com/office/drawing/2010/main">
+                <a:solidFill>
+                  <a:srgbClr val="FFFFFF"/>
+                </a:solidFill>
+              </a14:hiddenFill>
+            </a:ext>
+          </a:extLst>
+        </p:spPr>
+      </p:pic>
+      <p:pic>
+        <p:nvPicPr>
+          <p:cNvPr id="43" name="Picture 2">
+            <a:extLst>
+              <a:ext uri="{FF2B5EF4-FFF2-40B4-BE49-F238E27FC236}">
+                <a16:creationId xmlns:a16="http://schemas.microsoft.com/office/drawing/2014/main" id="{01C7C5FC-69B9-46FF-A483-733743331A56}"/>
+              </a:ext>
+            </a:extLst>
+          </p:cNvPr>
+          <p:cNvPicPr>
+            <a:picLocks noChangeAspect="1" noChangeArrowheads="1"/>
+          </p:cNvPicPr>
+          <p:nvPr/>
+        </p:nvPicPr>
+        <p:blipFill rotWithShape="1">
+          <a:blip r:embed="rId2">
+            <a:extLst>
+              <a:ext uri="{28A0092B-C50C-407E-A947-70E740481C1C}">
+                <a14:useLocalDpi xmlns:a14="http://schemas.microsoft.com/office/drawing/2010/main" val="0"/>
+              </a:ext>
+            </a:extLst>
+          </a:blip>
+          <a:srcRect l="71420" t="24131" r="20246" b="10399"/>
+          <a:stretch/>
+        </p:blipFill>
+        <p:spPr bwMode="auto">
+          <a:xfrm>
+            <a:off x="8704364" y="4030701"/>
+            <a:ext cx="693941" cy="672256"/>
+          </a:xfrm>
+          <a:custGeom>
+            <a:avLst/>
+            <a:gdLst>
+              <a:gd name="connsiteX0" fmla="*/ 0 w 693941"/>
+              <a:gd name="connsiteY0" fmla="*/ 0 h 672256"/>
+              <a:gd name="connsiteX1" fmla="*/ 360849 w 693941"/>
+              <a:gd name="connsiteY1" fmla="*/ 0 h 672256"/>
+              <a:gd name="connsiteX2" fmla="*/ 693941 w 693941"/>
+              <a:gd name="connsiteY2" fmla="*/ 0 h 672256"/>
+              <a:gd name="connsiteX3" fmla="*/ 693941 w 693941"/>
+              <a:gd name="connsiteY3" fmla="*/ 322683 h 672256"/>
+              <a:gd name="connsiteX4" fmla="*/ 693941 w 693941"/>
+              <a:gd name="connsiteY4" fmla="*/ 672256 h 672256"/>
+              <a:gd name="connsiteX5" fmla="*/ 346971 w 693941"/>
+              <a:gd name="connsiteY5" fmla="*/ 672256 h 672256"/>
+              <a:gd name="connsiteX6" fmla="*/ 0 w 693941"/>
+              <a:gd name="connsiteY6" fmla="*/ 672256 h 672256"/>
+              <a:gd name="connsiteX7" fmla="*/ 0 w 693941"/>
+              <a:gd name="connsiteY7" fmla="*/ 329405 h 672256"/>
+              <a:gd name="connsiteX8" fmla="*/ 0 w 693941"/>
+              <a:gd name="connsiteY8" fmla="*/ 0 h 672256"/>
+            </a:gdLst>
+            <a:ahLst/>
+            <a:cxnLst>
+              <a:cxn ang="0">
+                <a:pos x="connsiteX0" y="connsiteY0"/>
+              </a:cxn>
+              <a:cxn ang="0">
+                <a:pos x="connsiteX1" y="connsiteY1"/>
+              </a:cxn>
+              <a:cxn ang="0">
+                <a:pos x="connsiteX2" y="connsiteY2"/>
+              </a:cxn>
+              <a:cxn ang="0">
+                <a:pos x="connsiteX3" y="connsiteY3"/>
+              </a:cxn>
+              <a:cxn ang="0">
+                <a:pos x="connsiteX4" y="connsiteY4"/>
+              </a:cxn>
+              <a:cxn ang="0">
+                <a:pos x="connsiteX5" y="connsiteY5"/>
+              </a:cxn>
+              <a:cxn ang="0">
+                <a:pos x="connsiteX6" y="connsiteY6"/>
+              </a:cxn>
+              <a:cxn ang="0">
+                <a:pos x="connsiteX7" y="connsiteY7"/>
+              </a:cxn>
+              <a:cxn ang="0">
+                <a:pos x="connsiteX8" y="connsiteY8"/>
+              </a:cxn>
+            </a:cxnLst>
+            <a:rect l="l" t="t" r="r" b="b"/>
+            <a:pathLst>
+              <a:path w="693941" h="672256" extrusionOk="0">
+                <a:moveTo>
+                  <a:pt x="0" y="0"/>
+                </a:moveTo>
+                <a:cubicBezTo>
+                  <a:pt x="155518" y="-22844"/>
+                  <a:pt x="181969" y="43160"/>
+                  <a:pt x="360849" y="0"/>
+                </a:cubicBezTo>
+                <a:cubicBezTo>
+                  <a:pt x="539729" y="-43160"/>
+                  <a:pt x="529972" y="11338"/>
+                  <a:pt x="693941" y="0"/>
+                </a:cubicBezTo>
+                <a:cubicBezTo>
+                  <a:pt x="718497" y="139320"/>
+                  <a:pt x="688864" y="188863"/>
+                  <a:pt x="693941" y="322683"/>
+                </a:cubicBezTo>
+                <a:cubicBezTo>
+                  <a:pt x="699018" y="456503"/>
+                  <a:pt x="671597" y="500189"/>
+                  <a:pt x="693941" y="672256"/>
+                </a:cubicBezTo>
+                <a:cubicBezTo>
+                  <a:pt x="560966" y="694967"/>
+                  <a:pt x="455683" y="645280"/>
+                  <a:pt x="346971" y="672256"/>
+                </a:cubicBezTo>
+                <a:cubicBezTo>
+                  <a:pt x="238259" y="699232"/>
+                  <a:pt x="81707" y="669933"/>
+                  <a:pt x="0" y="672256"/>
+                </a:cubicBezTo>
+                <a:cubicBezTo>
+                  <a:pt x="-35072" y="549723"/>
+                  <a:pt x="16951" y="475879"/>
+                  <a:pt x="0" y="329405"/>
+                </a:cubicBezTo>
+                <a:cubicBezTo>
+                  <a:pt x="-16951" y="182931"/>
+                  <a:pt x="32255" y="132019"/>
+                  <a:pt x="0" y="0"/>
+                </a:cubicBezTo>
+                <a:close/>
+              </a:path>
+            </a:pathLst>
+          </a:custGeom>
+          <a:noFill/>
+          <a:ln>
+            <a:solidFill>
+              <a:schemeClr val="bg2">
+                <a:lumMod val="50000"/>
+              </a:schemeClr>
+            </a:solidFill>
+            <a:extLst>
+              <a:ext uri="{C807C97D-BFC1-408E-A445-0C87EB9F89A2}">
+                <ask:lineSketchStyleProps xmlns:ask="http://schemas.microsoft.com/office/drawing/2018/sketchyshapes" sd="981765707">
+                  <a:prstGeom prst="rect">
+                    <a:avLst/>
+                  </a:prstGeom>
+                  <ask:type>
+                    <ask:lineSketchScribble/>
+                  </ask:type>
+                </ask:lineSketchStyleProps>
+              </a:ext>
+            </a:extLst>
+          </a:ln>
+          <a:extLst>
+            <a:ext uri="{909E8E84-426E-40DD-AFC4-6F175D3DCCD1}">
+              <a14:hiddenFill xmlns:a14="http://schemas.microsoft.com/office/drawing/2010/main">
+                <a:solidFill>
+                  <a:srgbClr val="FFFFFF"/>
+                </a:solidFill>
+              </a14:hiddenFill>
+            </a:ext>
+          </a:extLst>
+        </p:spPr>
+      </p:pic>
+      <p:pic>
+        <p:nvPicPr>
+          <p:cNvPr id="44" name="Picture 2">
+            <a:extLst>
+              <a:ext uri="{FF2B5EF4-FFF2-40B4-BE49-F238E27FC236}">
+                <a16:creationId xmlns:a16="http://schemas.microsoft.com/office/drawing/2014/main" id="{F1980261-CA78-470E-BAE3-C778C723F0A3}"/>
+              </a:ext>
+            </a:extLst>
+          </p:cNvPr>
+          <p:cNvPicPr>
+            <a:picLocks noChangeAspect="1" noChangeArrowheads="1"/>
+          </p:cNvPicPr>
+          <p:nvPr/>
+        </p:nvPicPr>
+        <p:blipFill rotWithShape="1">
+          <a:blip r:embed="rId2">
+            <a:extLst>
+              <a:ext uri="{28A0092B-C50C-407E-A947-70E740481C1C}">
+                <a14:useLocalDpi xmlns:a14="http://schemas.microsoft.com/office/drawing/2010/main" val="0"/>
+              </a:ext>
+            </a:extLst>
+          </a:blip>
+          <a:srcRect l="81483" t="24131" r="10183" b="10399"/>
+          <a:stretch/>
+        </p:blipFill>
+        <p:spPr bwMode="auto">
+          <a:xfrm>
+            <a:off x="10064421" y="4030701"/>
+            <a:ext cx="693941" cy="672256"/>
+          </a:xfrm>
+          <a:custGeom>
+            <a:avLst/>
+            <a:gdLst>
+              <a:gd name="connsiteX0" fmla="*/ 0 w 693941"/>
+              <a:gd name="connsiteY0" fmla="*/ 0 h 672256"/>
+              <a:gd name="connsiteX1" fmla="*/ 346971 w 693941"/>
+              <a:gd name="connsiteY1" fmla="*/ 0 h 672256"/>
+              <a:gd name="connsiteX2" fmla="*/ 693941 w 693941"/>
+              <a:gd name="connsiteY2" fmla="*/ 0 h 672256"/>
+              <a:gd name="connsiteX3" fmla="*/ 693941 w 693941"/>
+              <a:gd name="connsiteY3" fmla="*/ 349573 h 672256"/>
+              <a:gd name="connsiteX4" fmla="*/ 693941 w 693941"/>
+              <a:gd name="connsiteY4" fmla="*/ 672256 h 672256"/>
+              <a:gd name="connsiteX5" fmla="*/ 346971 w 693941"/>
+              <a:gd name="connsiteY5" fmla="*/ 672256 h 672256"/>
+              <a:gd name="connsiteX6" fmla="*/ 0 w 693941"/>
+              <a:gd name="connsiteY6" fmla="*/ 672256 h 672256"/>
+              <a:gd name="connsiteX7" fmla="*/ 0 w 693941"/>
+              <a:gd name="connsiteY7" fmla="*/ 342851 h 672256"/>
+              <a:gd name="connsiteX8" fmla="*/ 0 w 693941"/>
+              <a:gd name="connsiteY8" fmla="*/ 0 h 672256"/>
+            </a:gdLst>
+            <a:ahLst/>
+            <a:cxnLst>
+              <a:cxn ang="0">
+                <a:pos x="connsiteX0" y="connsiteY0"/>
+              </a:cxn>
+              <a:cxn ang="0">
+                <a:pos x="connsiteX1" y="connsiteY1"/>
+              </a:cxn>
+              <a:cxn ang="0">
+                <a:pos x="connsiteX2" y="connsiteY2"/>
+              </a:cxn>
+              <a:cxn ang="0">
+                <a:pos x="connsiteX3" y="connsiteY3"/>
+              </a:cxn>
+              <a:cxn ang="0">
+                <a:pos x="connsiteX4" y="connsiteY4"/>
+              </a:cxn>
+              <a:cxn ang="0">
+                <a:pos x="connsiteX5" y="connsiteY5"/>
+              </a:cxn>
+              <a:cxn ang="0">
+                <a:pos x="connsiteX6" y="connsiteY6"/>
+              </a:cxn>
+              <a:cxn ang="0">
+                <a:pos x="connsiteX7" y="connsiteY7"/>
+              </a:cxn>
+              <a:cxn ang="0">
+                <a:pos x="connsiteX8" y="connsiteY8"/>
+              </a:cxn>
+            </a:cxnLst>
+            <a:rect l="l" t="t" r="r" b="b"/>
+            <a:pathLst>
+              <a:path w="693941" h="672256" extrusionOk="0">
+                <a:moveTo>
+                  <a:pt x="0" y="0"/>
+                </a:moveTo>
+                <a:cubicBezTo>
+                  <a:pt x="92129" y="-811"/>
+                  <a:pt x="277535" y="14327"/>
+                  <a:pt x="346971" y="0"/>
+                </a:cubicBezTo>
+                <a:cubicBezTo>
+                  <a:pt x="416407" y="-14327"/>
+                  <a:pt x="556226" y="32896"/>
+                  <a:pt x="693941" y="0"/>
+                </a:cubicBezTo>
+                <a:cubicBezTo>
+                  <a:pt x="735311" y="83167"/>
+                  <a:pt x="656431" y="233161"/>
+                  <a:pt x="693941" y="349573"/>
+                </a:cubicBezTo>
+                <a:cubicBezTo>
+                  <a:pt x="731451" y="465985"/>
+                  <a:pt x="689931" y="558399"/>
+                  <a:pt x="693941" y="672256"/>
+                </a:cubicBezTo>
+                <a:cubicBezTo>
+                  <a:pt x="570320" y="705035"/>
+                  <a:pt x="506973" y="666029"/>
+                  <a:pt x="346971" y="672256"/>
+                </a:cubicBezTo>
+                <a:cubicBezTo>
+                  <a:pt x="186969" y="678483"/>
+                  <a:pt x="137073" y="668474"/>
+                  <a:pt x="0" y="672256"/>
+                </a:cubicBezTo>
+                <a:cubicBezTo>
+                  <a:pt x="-4952" y="594164"/>
+                  <a:pt x="24325" y="486034"/>
+                  <a:pt x="0" y="342851"/>
+                </a:cubicBezTo>
+                <a:cubicBezTo>
+                  <a:pt x="-24325" y="199668"/>
+                  <a:pt x="27542" y="99076"/>
+                  <a:pt x="0" y="0"/>
+                </a:cubicBezTo>
+                <a:close/>
+              </a:path>
+            </a:pathLst>
+          </a:custGeom>
+          <a:noFill/>
+          <a:ln>
+            <a:solidFill>
+              <a:schemeClr val="bg2">
+                <a:lumMod val="50000"/>
+              </a:schemeClr>
+            </a:solidFill>
+            <a:extLst>
+              <a:ext uri="{C807C97D-BFC1-408E-A445-0C87EB9F89A2}">
+                <ask:lineSketchStyleProps xmlns:ask="http://schemas.microsoft.com/office/drawing/2018/sketchyshapes" sd="3978248048">
+                  <a:prstGeom prst="rect">
+                    <a:avLst/>
+                  </a:prstGeom>
+                  <ask:type>
+                    <ask:lineSketchScribble/>
+                  </ask:type>
+                </ask:lineSketchStyleProps>
+              </a:ext>
+            </a:extLst>
+          </a:ln>
+          <a:extLst>
+            <a:ext uri="{909E8E84-426E-40DD-AFC4-6F175D3DCCD1}">
+              <a14:hiddenFill xmlns:a14="http://schemas.microsoft.com/office/drawing/2010/main">
+                <a:solidFill>
+                  <a:srgbClr val="FFFFFF"/>
+                </a:solidFill>
+              </a14:hiddenFill>
+            </a:ext>
+          </a:extLst>
+        </p:spPr>
+      </p:pic>
+      <p:grpSp>
+        <p:nvGrpSpPr>
+          <p:cNvPr id="45" name="그룹 44">
+            <a:extLst>
+              <a:ext uri="{FF2B5EF4-FFF2-40B4-BE49-F238E27FC236}">
+                <a16:creationId xmlns:a16="http://schemas.microsoft.com/office/drawing/2014/main" id="{296F961F-8D99-4C53-A20C-E6E0AE91E989}"/>
+              </a:ext>
+            </a:extLst>
+          </p:cNvPr>
+          <p:cNvGrpSpPr/>
+          <p:nvPr/>
+        </p:nvGrpSpPr>
+        <p:grpSpPr>
+          <a:xfrm>
+            <a:off x="5351168" y="4402558"/>
+            <a:ext cx="313235" cy="1451888"/>
+            <a:chOff x="5188812" y="3558262"/>
+            <a:chExt cx="313235" cy="1451888"/>
+          </a:xfrm>
+        </p:grpSpPr>
+        <p:sp>
+          <p:nvSpPr>
+            <p:cNvPr id="46" name="사각형: 둥근 모서리 45">
+              <a:extLst>
+                <a:ext uri="{FF2B5EF4-FFF2-40B4-BE49-F238E27FC236}">
+                  <a16:creationId xmlns:a16="http://schemas.microsoft.com/office/drawing/2014/main" id="{AA601BFC-D428-466C-96C9-45D55729EE50}"/>
+                </a:ext>
+              </a:extLst>
+            </p:cNvPr>
+            <p:cNvSpPr/>
+            <p:nvPr/>
+          </p:nvSpPr>
+          <p:spPr>
+            <a:xfrm>
+              <a:off x="5188812" y="3558262"/>
+              <a:ext cx="313235" cy="1451888"/>
+            </a:xfrm>
+            <a:prstGeom prst="roundRect">
+              <a:avLst>
+                <a:gd name="adj" fmla="val 50000"/>
+              </a:avLst>
+            </a:prstGeom>
+            <a:noFill/>
+            <a:ln w="19050">
+              <a:solidFill>
+                <a:schemeClr val="accent1">
+                  <a:lumMod val="60000"/>
+                  <a:lumOff val="40000"/>
+                </a:schemeClr>
+              </a:solidFill>
+            </a:ln>
+          </p:spPr>
+          <p:style>
+            <a:lnRef idx="2">
+              <a:schemeClr val="accent1">
+                <a:shade val="50000"/>
+              </a:schemeClr>
+            </a:lnRef>
+            <a:fillRef idx="1">
+              <a:schemeClr val="accent1"/>
+            </a:fillRef>
+            <a:effectRef idx="0">
+              <a:schemeClr val="accent1"/>
+            </a:effectRef>
+            <a:fontRef idx="minor">
+              <a:schemeClr val="lt1"/>
+            </a:fontRef>
+          </p:style>
+          <p:txBody>
+            <a:bodyPr rtlCol="0" anchor="ctr"/>
+            <a:lstStyle/>
+            <a:p>
+              <a:pPr algn="ctr"/>
+              <a:endParaRPr lang="ko-KR" altLang="en-US"/>
+            </a:p>
+          </p:txBody>
+        </p:sp>
+        <p:sp>
+          <p:nvSpPr>
+            <p:cNvPr id="47" name="타원 46">
+              <a:extLst>
+                <a:ext uri="{FF2B5EF4-FFF2-40B4-BE49-F238E27FC236}">
+                  <a16:creationId xmlns:a16="http://schemas.microsoft.com/office/drawing/2014/main" id="{8097A6D9-31C5-41F4-8F5A-D2A843F32B17}"/>
+                </a:ext>
+              </a:extLst>
+            </p:cNvPr>
+            <p:cNvSpPr/>
+            <p:nvPr/>
+          </p:nvSpPr>
+          <p:spPr>
+            <a:xfrm>
+              <a:off x="5242560" y="3634740"/>
+              <a:ext cx="205740" cy="205740"/>
+            </a:xfrm>
+            <a:prstGeom prst="ellipse">
+              <a:avLst/>
+            </a:prstGeom>
+            <a:solidFill>
+              <a:schemeClr val="accent5">
+                <a:lumMod val="20000"/>
+                <a:lumOff val="80000"/>
+              </a:schemeClr>
+            </a:solidFill>
+            <a:ln>
+              <a:solidFill>
+                <a:schemeClr val="accent5">
+                  <a:lumMod val="60000"/>
+                  <a:lumOff val="40000"/>
+                </a:schemeClr>
+              </a:solidFill>
+            </a:ln>
+          </p:spPr>
+          <p:style>
+            <a:lnRef idx="2">
+              <a:schemeClr val="accent1">
+                <a:shade val="50000"/>
+              </a:schemeClr>
+            </a:lnRef>
+            <a:fillRef idx="1">
+              <a:schemeClr val="accent1"/>
+            </a:fillRef>
+            <a:effectRef idx="0">
+              <a:schemeClr val="accent1"/>
+            </a:effectRef>
+            <a:fontRef idx="minor">
+              <a:schemeClr val="lt1"/>
+            </a:fontRef>
+          </p:style>
+          <p:txBody>
+            <a:bodyPr rtlCol="0" anchor="ctr"/>
+            <a:lstStyle/>
+            <a:p>
+              <a:pPr algn="ctr"/>
+              <a:endParaRPr lang="ko-KR" altLang="en-US"/>
+            </a:p>
+          </p:txBody>
+        </p:sp>
+        <p:sp>
+          <p:nvSpPr>
+            <p:cNvPr id="48" name="타원 47">
+              <a:extLst>
+                <a:ext uri="{FF2B5EF4-FFF2-40B4-BE49-F238E27FC236}">
+                  <a16:creationId xmlns:a16="http://schemas.microsoft.com/office/drawing/2014/main" id="{7046A8C1-1A8E-43E1-9FD1-8D3075F7EA71}"/>
+                </a:ext>
+              </a:extLst>
+            </p:cNvPr>
+            <p:cNvSpPr/>
+            <p:nvPr/>
+          </p:nvSpPr>
+          <p:spPr>
+            <a:xfrm>
+              <a:off x="5242560" y="3922891"/>
+              <a:ext cx="205740" cy="205740"/>
+            </a:xfrm>
+            <a:prstGeom prst="ellipse">
+              <a:avLst/>
+            </a:prstGeom>
+            <a:solidFill>
+              <a:schemeClr val="accent5">
+                <a:lumMod val="20000"/>
+                <a:lumOff val="80000"/>
+              </a:schemeClr>
+            </a:solidFill>
+            <a:ln>
+              <a:solidFill>
+                <a:schemeClr val="accent5">
+                  <a:lumMod val="60000"/>
+                  <a:lumOff val="40000"/>
+                </a:schemeClr>
+              </a:solidFill>
+            </a:ln>
+          </p:spPr>
+          <p:style>
+            <a:lnRef idx="2">
+              <a:schemeClr val="accent1">
+                <a:shade val="50000"/>
+              </a:schemeClr>
+            </a:lnRef>
+            <a:fillRef idx="1">
+              <a:schemeClr val="accent1"/>
+            </a:fillRef>
+            <a:effectRef idx="0">
+              <a:schemeClr val="accent1"/>
+            </a:effectRef>
+            <a:fontRef idx="minor">
+              <a:schemeClr val="lt1"/>
+            </a:fontRef>
+          </p:style>
+          <p:txBody>
+            <a:bodyPr rtlCol="0" anchor="ctr"/>
+            <a:lstStyle/>
+            <a:p>
+              <a:pPr algn="ctr"/>
+              <a:endParaRPr lang="ko-KR" altLang="en-US"/>
+            </a:p>
+          </p:txBody>
+        </p:sp>
+        <p:sp>
+          <p:nvSpPr>
+            <p:cNvPr id="49" name="타원 48">
+              <a:extLst>
+                <a:ext uri="{FF2B5EF4-FFF2-40B4-BE49-F238E27FC236}">
+                  <a16:creationId xmlns:a16="http://schemas.microsoft.com/office/drawing/2014/main" id="{730C6AD8-DFF9-4638-9CDD-D1DB1487D264}"/>
+                </a:ext>
+              </a:extLst>
+            </p:cNvPr>
+            <p:cNvSpPr/>
+            <p:nvPr/>
+          </p:nvSpPr>
+          <p:spPr>
+            <a:xfrm>
+              <a:off x="5242560" y="4211042"/>
+              <a:ext cx="205740" cy="205740"/>
+            </a:xfrm>
+            <a:prstGeom prst="ellipse">
+              <a:avLst/>
+            </a:prstGeom>
+            <a:solidFill>
+              <a:schemeClr val="accent5">
+                <a:lumMod val="20000"/>
+                <a:lumOff val="80000"/>
+              </a:schemeClr>
+            </a:solidFill>
+            <a:ln>
+              <a:solidFill>
+                <a:schemeClr val="accent5">
+                  <a:lumMod val="60000"/>
+                  <a:lumOff val="40000"/>
+                </a:schemeClr>
+              </a:solidFill>
+            </a:ln>
+          </p:spPr>
+          <p:style>
+            <a:lnRef idx="2">
+              <a:schemeClr val="accent1">
+                <a:shade val="50000"/>
+              </a:schemeClr>
+            </a:lnRef>
+            <a:fillRef idx="1">
+              <a:schemeClr val="accent1"/>
+            </a:fillRef>
+            <a:effectRef idx="0">
+              <a:schemeClr val="accent1"/>
+            </a:effectRef>
+            <a:fontRef idx="minor">
+              <a:schemeClr val="lt1"/>
+            </a:fontRef>
+          </p:style>
+          <p:txBody>
+            <a:bodyPr rtlCol="0" anchor="ctr"/>
+            <a:lstStyle/>
+            <a:p>
+              <a:pPr algn="ctr"/>
+              <a:endParaRPr lang="ko-KR" altLang="en-US"/>
+            </a:p>
+          </p:txBody>
+        </p:sp>
+        <p:sp>
+          <p:nvSpPr>
+            <p:cNvPr id="50" name="TextBox 49">
+              <a:extLst>
+                <a:ext uri="{FF2B5EF4-FFF2-40B4-BE49-F238E27FC236}">
+                  <a16:creationId xmlns:a16="http://schemas.microsoft.com/office/drawing/2014/main" id="{B77C1EA4-355E-4E06-A595-6F5F2554AAF8}"/>
+                </a:ext>
+              </a:extLst>
+            </p:cNvPr>
+            <p:cNvSpPr txBox="1"/>
+            <p:nvPr/>
+          </p:nvSpPr>
+          <p:spPr>
+            <a:xfrm rot="16200000">
+              <a:off x="5116196" y="4461296"/>
+              <a:ext cx="458469" cy="276999"/>
+            </a:xfrm>
+            <a:prstGeom prst="rect">
+              <a:avLst/>
+            </a:prstGeom>
+            <a:noFill/>
+          </p:spPr>
+          <p:txBody>
+            <a:bodyPr wrap="square" rtlCol="0">
+              <a:spAutoFit/>
+            </a:bodyPr>
+            <a:lstStyle/>
+            <a:p>
+              <a:pPr algn="ctr"/>
+              <a:r>
+                <a:rPr lang="ko-KR" altLang="en-US" sz="1200" dirty="0">
+                  <a:solidFill>
+                    <a:schemeClr val="bg2">
+                      <a:lumMod val="50000"/>
+                    </a:schemeClr>
+                  </a:solidFill>
+                  <a:sym typeface="Wingdings" panose="05000000000000000000" pitchFamily="2" charset="2"/>
+                </a:rPr>
+                <a:t></a:t>
+              </a:r>
+              <a:endParaRPr lang="ko-KR" altLang="en-US" sz="1200" dirty="0">
+                <a:solidFill>
+                  <a:schemeClr val="bg2">
+                    <a:lumMod val="50000"/>
+                  </a:schemeClr>
+                </a:solidFill>
+              </a:endParaRPr>
+            </a:p>
+          </p:txBody>
+        </p:sp>
+        <p:sp>
+          <p:nvSpPr>
+            <p:cNvPr id="51" name="타원 50">
+              <a:extLst>
+                <a:ext uri="{FF2B5EF4-FFF2-40B4-BE49-F238E27FC236}">
+                  <a16:creationId xmlns:a16="http://schemas.microsoft.com/office/drawing/2014/main" id="{58CA7F1D-E610-4E73-B863-288D885A4E6A}"/>
+                </a:ext>
+              </a:extLst>
+            </p:cNvPr>
+            <p:cNvSpPr/>
+            <p:nvPr/>
+          </p:nvSpPr>
+          <p:spPr>
+            <a:xfrm>
+              <a:off x="5242560" y="4741122"/>
+              <a:ext cx="205740" cy="205740"/>
+            </a:xfrm>
+            <a:prstGeom prst="ellipse">
+              <a:avLst/>
+            </a:prstGeom>
+            <a:solidFill>
+              <a:schemeClr val="accent5">
+                <a:lumMod val="20000"/>
+                <a:lumOff val="80000"/>
+              </a:schemeClr>
+            </a:solidFill>
+            <a:ln>
+              <a:solidFill>
+                <a:schemeClr val="accent5">
+                  <a:lumMod val="60000"/>
+                  <a:lumOff val="40000"/>
+                </a:schemeClr>
+              </a:solidFill>
+            </a:ln>
+          </p:spPr>
+          <p:style>
+            <a:lnRef idx="2">
+              <a:schemeClr val="accent1">
+                <a:shade val="50000"/>
+              </a:schemeClr>
+            </a:lnRef>
+            <a:fillRef idx="1">
+              <a:schemeClr val="accent1"/>
+            </a:fillRef>
+            <a:effectRef idx="0">
+              <a:schemeClr val="accent1"/>
+            </a:effectRef>
+            <a:fontRef idx="minor">
+              <a:schemeClr val="lt1"/>
+            </a:fontRef>
+          </p:style>
+          <p:txBody>
+            <a:bodyPr rtlCol="0" anchor="ctr"/>
+            <a:lstStyle/>
+            <a:p>
+              <a:pPr algn="ctr"/>
+              <a:endParaRPr lang="ko-KR" altLang="en-US"/>
+            </a:p>
+          </p:txBody>
+        </p:sp>
+      </p:grpSp>
+      <p:sp>
+        <p:nvSpPr>
+          <p:cNvPr id="52" name="직사각형 51">
+            <a:extLst>
+              <a:ext uri="{FF2B5EF4-FFF2-40B4-BE49-F238E27FC236}">
+                <a16:creationId xmlns:a16="http://schemas.microsoft.com/office/drawing/2014/main" id="{EC02C8DD-358A-4983-A39F-6AD5E92A96DC}"/>
+              </a:ext>
+            </a:extLst>
+          </p:cNvPr>
+          <p:cNvSpPr/>
+          <p:nvPr/>
+        </p:nvSpPr>
+        <p:spPr>
+          <a:xfrm>
+            <a:off x="7176701" y="4905371"/>
+            <a:ext cx="1016000" cy="464820"/>
+          </a:xfrm>
+          <a:prstGeom prst="rect">
+            <a:avLst/>
+          </a:prstGeom>
+          <a:solidFill>
+            <a:schemeClr val="accent2">
+              <a:lumMod val="20000"/>
+              <a:lumOff val="80000"/>
+            </a:schemeClr>
+          </a:solidFill>
+          <a:ln>
+            <a:solidFill>
+              <a:schemeClr val="accent2">
+                <a:lumMod val="60000"/>
+                <a:lumOff val="40000"/>
+              </a:schemeClr>
+            </a:solidFill>
+          </a:ln>
+        </p:spPr>
+        <p:style>
+          <a:lnRef idx="2">
+            <a:schemeClr val="accent1">
+              <a:shade val="50000"/>
+            </a:schemeClr>
+          </a:lnRef>
+          <a:fillRef idx="1">
+            <a:schemeClr val="accent1"/>
+          </a:fillRef>
+          <a:effectRef idx="0">
+            <a:schemeClr val="accent1"/>
+          </a:effectRef>
+          <a:fontRef idx="minor">
+            <a:schemeClr val="lt1"/>
+          </a:fontRef>
+        </p:style>
+        <p:txBody>
+          <a:bodyPr rtlCol="0" anchor="ctr"/>
+          <a:lstStyle/>
+          <a:p>
+            <a:pPr algn="ctr"/>
+            <a:r>
+              <a:rPr lang="en-US" altLang="ko-KR" sz="1400" b="1" dirty="0">
+                <a:solidFill>
+                  <a:schemeClr val="tx1"/>
+                </a:solidFill>
+                <a:latin typeface="나눔스퀘어" panose="020B0600000101010101" pitchFamily="50" charset="-127"/>
+                <a:ea typeface="나눔스퀘어" panose="020B0600000101010101" pitchFamily="50" charset="-127"/>
+              </a:rPr>
+              <a:t>LSTM</a:t>
+            </a:r>
+            <a:endParaRPr lang="ko-KR" altLang="en-US" sz="1400" b="1" dirty="0">
+              <a:solidFill>
+                <a:schemeClr val="tx1"/>
+              </a:solidFill>
+              <a:latin typeface="나눔스퀘어" panose="020B0600000101010101" pitchFamily="50" charset="-127"/>
+              <a:ea typeface="나눔스퀘어" panose="020B0600000101010101" pitchFamily="50" charset="-127"/>
+            </a:endParaRPr>
+          </a:p>
+        </p:txBody>
+      </p:sp>
+      <p:sp>
+        <p:nvSpPr>
+          <p:cNvPr id="53" name="직사각형 52">
+            <a:extLst>
+              <a:ext uri="{FF2B5EF4-FFF2-40B4-BE49-F238E27FC236}">
+                <a16:creationId xmlns:a16="http://schemas.microsoft.com/office/drawing/2014/main" id="{7F13C71D-ECAD-4F2B-8EC6-05E4B0D5DEAD}"/>
+              </a:ext>
+            </a:extLst>
+          </p:cNvPr>
+          <p:cNvSpPr/>
+          <p:nvPr/>
+        </p:nvSpPr>
+        <p:spPr>
+          <a:xfrm>
+            <a:off x="8543334" y="4905371"/>
+            <a:ext cx="1016000" cy="464820"/>
+          </a:xfrm>
+          <a:prstGeom prst="rect">
+            <a:avLst/>
+          </a:prstGeom>
+          <a:solidFill>
+            <a:schemeClr val="accent2">
+              <a:lumMod val="20000"/>
+              <a:lumOff val="80000"/>
+            </a:schemeClr>
+          </a:solidFill>
+          <a:ln>
+            <a:solidFill>
+              <a:schemeClr val="accent2">
+                <a:lumMod val="60000"/>
+                <a:lumOff val="40000"/>
+              </a:schemeClr>
+            </a:solidFill>
+          </a:ln>
+        </p:spPr>
+        <p:style>
+          <a:lnRef idx="2">
+            <a:schemeClr val="accent1">
+              <a:shade val="50000"/>
+            </a:schemeClr>
+          </a:lnRef>
+          <a:fillRef idx="1">
+            <a:schemeClr val="accent1"/>
+          </a:fillRef>
+          <a:effectRef idx="0">
+            <a:schemeClr val="accent1"/>
+          </a:effectRef>
+          <a:fontRef idx="minor">
+            <a:schemeClr val="lt1"/>
+          </a:fontRef>
+        </p:style>
+        <p:txBody>
+          <a:bodyPr rtlCol="0" anchor="ctr"/>
+          <a:lstStyle/>
+          <a:p>
+            <a:pPr algn="ctr"/>
+            <a:r>
+              <a:rPr lang="en-US" altLang="ko-KR" sz="1400" b="1" dirty="0">
+                <a:solidFill>
+                  <a:schemeClr val="tx1"/>
+                </a:solidFill>
+                <a:latin typeface="나눔스퀘어" panose="020B0600000101010101" pitchFamily="50" charset="-127"/>
+                <a:ea typeface="나눔스퀘어" panose="020B0600000101010101" pitchFamily="50" charset="-127"/>
+              </a:rPr>
+              <a:t>LSTM</a:t>
+            </a:r>
+            <a:endParaRPr lang="ko-KR" altLang="en-US" sz="1400" b="1" dirty="0">
+              <a:solidFill>
+                <a:schemeClr val="tx1"/>
+              </a:solidFill>
+              <a:latin typeface="나눔스퀘어" panose="020B0600000101010101" pitchFamily="50" charset="-127"/>
+              <a:ea typeface="나눔스퀘어" panose="020B0600000101010101" pitchFamily="50" charset="-127"/>
+            </a:endParaRPr>
+          </a:p>
+        </p:txBody>
+      </p:sp>
+      <p:sp>
+        <p:nvSpPr>
+          <p:cNvPr id="54" name="직사각형 53">
+            <a:extLst>
+              <a:ext uri="{FF2B5EF4-FFF2-40B4-BE49-F238E27FC236}">
+                <a16:creationId xmlns:a16="http://schemas.microsoft.com/office/drawing/2014/main" id="{BA922F30-93DC-4098-9ED0-25ED1331B516}"/>
+              </a:ext>
+            </a:extLst>
+          </p:cNvPr>
+          <p:cNvSpPr/>
+          <p:nvPr/>
+        </p:nvSpPr>
+        <p:spPr>
+          <a:xfrm>
+            <a:off x="9903393" y="4905371"/>
+            <a:ext cx="1016000" cy="464820"/>
+          </a:xfrm>
+          <a:prstGeom prst="rect">
+            <a:avLst/>
+          </a:prstGeom>
+          <a:solidFill>
+            <a:schemeClr val="accent2">
+              <a:lumMod val="20000"/>
+              <a:lumOff val="80000"/>
+            </a:schemeClr>
+          </a:solidFill>
+          <a:ln>
+            <a:solidFill>
+              <a:schemeClr val="accent2">
+                <a:lumMod val="60000"/>
+                <a:lumOff val="40000"/>
+              </a:schemeClr>
+            </a:solidFill>
+          </a:ln>
+        </p:spPr>
+        <p:style>
+          <a:lnRef idx="2">
+            <a:schemeClr val="accent1">
+              <a:shade val="50000"/>
+            </a:schemeClr>
+          </a:lnRef>
+          <a:fillRef idx="1">
+            <a:schemeClr val="accent1"/>
+          </a:fillRef>
+          <a:effectRef idx="0">
+            <a:schemeClr val="accent1"/>
+          </a:effectRef>
+          <a:fontRef idx="minor">
+            <a:schemeClr val="lt1"/>
+          </a:fontRef>
+        </p:style>
+        <p:txBody>
+          <a:bodyPr rtlCol="0" anchor="ctr"/>
+          <a:lstStyle/>
+          <a:p>
+            <a:pPr algn="ctr"/>
+            <a:r>
+              <a:rPr lang="en-US" altLang="ko-KR" sz="1400" b="1" dirty="0">
+                <a:solidFill>
+                  <a:schemeClr val="tx1"/>
+                </a:solidFill>
+                <a:latin typeface="나눔스퀘어" panose="020B0600000101010101" pitchFamily="50" charset="-127"/>
+                <a:ea typeface="나눔스퀘어" panose="020B0600000101010101" pitchFamily="50" charset="-127"/>
+              </a:rPr>
+              <a:t>LSTM</a:t>
+            </a:r>
+            <a:endParaRPr lang="ko-KR" altLang="en-US" sz="1400" b="1" dirty="0">
+              <a:solidFill>
+                <a:schemeClr val="tx1"/>
+              </a:solidFill>
+              <a:latin typeface="나눔스퀘어" panose="020B0600000101010101" pitchFamily="50" charset="-127"/>
+              <a:ea typeface="나눔스퀘어" panose="020B0600000101010101" pitchFamily="50" charset="-127"/>
+            </a:endParaRPr>
+          </a:p>
+        </p:txBody>
+      </p:sp>
+      <p:cxnSp>
+        <p:nvCxnSpPr>
+          <p:cNvPr id="55" name="직선 화살표 연결선 54">
+            <a:extLst>
+              <a:ext uri="{FF2B5EF4-FFF2-40B4-BE49-F238E27FC236}">
+                <a16:creationId xmlns:a16="http://schemas.microsoft.com/office/drawing/2014/main" id="{B309188B-4F71-4B24-899A-DC25EA5BDC56}"/>
+              </a:ext>
+            </a:extLst>
+          </p:cNvPr>
+          <p:cNvCxnSpPr>
+            <a:cxnSpLocks/>
+            <a:stCxn id="52" idx="0"/>
+            <a:endCxn id="42" idx="2"/>
+          </p:cNvCxnSpPr>
+          <p:nvPr/>
+        </p:nvCxnSpPr>
+        <p:spPr>
+          <a:xfrm flipV="1">
+            <a:off x="7684701" y="4702957"/>
+            <a:ext cx="1" cy="202414"/>
+          </a:xfrm>
+          <a:prstGeom prst="straightConnector1">
+            <a:avLst/>
+          </a:prstGeom>
+          <a:ln w="25400">
+            <a:solidFill>
+              <a:schemeClr val="bg2">
+                <a:lumMod val="50000"/>
+              </a:schemeClr>
+            </a:solidFill>
+            <a:tailEnd type="triangle"/>
+          </a:ln>
+        </p:spPr>
+        <p:style>
+          <a:lnRef idx="1">
+            <a:schemeClr val="accent1"/>
+          </a:lnRef>
+          <a:fillRef idx="0">
+            <a:schemeClr val="accent1"/>
+          </a:fillRef>
+          <a:effectRef idx="0">
+            <a:schemeClr val="accent1"/>
+          </a:effectRef>
+          <a:fontRef idx="minor">
+            <a:schemeClr val="tx1"/>
+          </a:fontRef>
+        </p:style>
+      </p:cxnSp>
+      <p:cxnSp>
+        <p:nvCxnSpPr>
+          <p:cNvPr id="56" name="직선 화살표 연결선 55">
+            <a:extLst>
+              <a:ext uri="{FF2B5EF4-FFF2-40B4-BE49-F238E27FC236}">
+                <a16:creationId xmlns:a16="http://schemas.microsoft.com/office/drawing/2014/main" id="{0A2AFAA0-4409-41AE-B72D-8477B1EE5516}"/>
+              </a:ext>
+            </a:extLst>
+          </p:cNvPr>
+          <p:cNvCxnSpPr>
+            <a:cxnSpLocks/>
+            <a:stCxn id="53" idx="0"/>
+            <a:endCxn id="43" idx="2"/>
+          </p:cNvCxnSpPr>
+          <p:nvPr/>
+        </p:nvCxnSpPr>
+        <p:spPr>
+          <a:xfrm flipV="1">
+            <a:off x="9051334" y="4702957"/>
+            <a:ext cx="1" cy="202414"/>
+          </a:xfrm>
+          <a:prstGeom prst="straightConnector1">
+            <a:avLst/>
+          </a:prstGeom>
+          <a:ln w="25400">
+            <a:solidFill>
+              <a:schemeClr val="bg2">
+                <a:lumMod val="50000"/>
+              </a:schemeClr>
+            </a:solidFill>
+            <a:tailEnd type="triangle"/>
+          </a:ln>
+        </p:spPr>
+        <p:style>
+          <a:lnRef idx="1">
+            <a:schemeClr val="accent1"/>
+          </a:lnRef>
+          <a:fillRef idx="0">
+            <a:schemeClr val="accent1"/>
+          </a:fillRef>
+          <a:effectRef idx="0">
+            <a:schemeClr val="accent1"/>
+          </a:effectRef>
+          <a:fontRef idx="minor">
+            <a:schemeClr val="tx1"/>
+          </a:fontRef>
+        </p:style>
+      </p:cxnSp>
+      <p:cxnSp>
+        <p:nvCxnSpPr>
+          <p:cNvPr id="57" name="직선 화살표 연결선 56">
+            <a:extLst>
+              <a:ext uri="{FF2B5EF4-FFF2-40B4-BE49-F238E27FC236}">
+                <a16:creationId xmlns:a16="http://schemas.microsoft.com/office/drawing/2014/main" id="{8EC999F7-00BB-4EF5-91F7-8F6B2862C024}"/>
+              </a:ext>
+            </a:extLst>
+          </p:cNvPr>
+          <p:cNvCxnSpPr>
+            <a:cxnSpLocks/>
+            <a:stCxn id="54" idx="0"/>
+            <a:endCxn id="44" idx="2"/>
+          </p:cNvCxnSpPr>
+          <p:nvPr/>
+        </p:nvCxnSpPr>
+        <p:spPr>
+          <a:xfrm flipH="1" flipV="1">
+            <a:off x="10411392" y="4702957"/>
+            <a:ext cx="1" cy="202414"/>
+          </a:xfrm>
+          <a:prstGeom prst="straightConnector1">
+            <a:avLst/>
+          </a:prstGeom>
+          <a:ln w="25400">
+            <a:solidFill>
+              <a:schemeClr val="bg2">
+                <a:lumMod val="50000"/>
+              </a:schemeClr>
+            </a:solidFill>
+            <a:tailEnd type="triangle"/>
+          </a:ln>
+        </p:spPr>
+        <p:style>
+          <a:lnRef idx="1">
+            <a:schemeClr val="accent1"/>
+          </a:lnRef>
+          <a:fillRef idx="0">
+            <a:schemeClr val="accent1"/>
+          </a:fillRef>
+          <a:effectRef idx="0">
+            <a:schemeClr val="accent1"/>
+          </a:effectRef>
+          <a:fontRef idx="minor">
+            <a:schemeClr val="tx1"/>
+          </a:fontRef>
+        </p:style>
+      </p:cxnSp>
+      <p:cxnSp>
+        <p:nvCxnSpPr>
+          <p:cNvPr id="58" name="직선 화살표 연결선 57">
+            <a:extLst>
+              <a:ext uri="{FF2B5EF4-FFF2-40B4-BE49-F238E27FC236}">
+                <a16:creationId xmlns:a16="http://schemas.microsoft.com/office/drawing/2014/main" id="{27D169D3-0BBA-44E1-9046-3B19241F3B2A}"/>
+              </a:ext>
+            </a:extLst>
+          </p:cNvPr>
+          <p:cNvCxnSpPr>
+            <a:cxnSpLocks/>
+            <a:stCxn id="52" idx="3"/>
+            <a:endCxn id="53" idx="1"/>
+          </p:cNvCxnSpPr>
+          <p:nvPr/>
+        </p:nvCxnSpPr>
+        <p:spPr>
+          <a:xfrm>
+            <a:off x="8192701" y="5137781"/>
+            <a:ext cx="350633" cy="0"/>
+          </a:xfrm>
+          <a:prstGeom prst="straightConnector1">
+            <a:avLst/>
+          </a:prstGeom>
+          <a:ln w="25400">
+            <a:solidFill>
+              <a:schemeClr val="bg2">
+                <a:lumMod val="50000"/>
+              </a:schemeClr>
+            </a:solidFill>
+            <a:tailEnd type="triangle"/>
+          </a:ln>
+        </p:spPr>
+        <p:style>
+          <a:lnRef idx="1">
+            <a:schemeClr val="accent1"/>
+          </a:lnRef>
+          <a:fillRef idx="0">
+            <a:schemeClr val="accent1"/>
+          </a:fillRef>
+          <a:effectRef idx="0">
+            <a:schemeClr val="accent1"/>
+          </a:effectRef>
+          <a:fontRef idx="minor">
+            <a:schemeClr val="tx1"/>
+          </a:fontRef>
+        </p:style>
+      </p:cxnSp>
+      <p:cxnSp>
+        <p:nvCxnSpPr>
+          <p:cNvPr id="59" name="직선 화살표 연결선 58">
+            <a:extLst>
+              <a:ext uri="{FF2B5EF4-FFF2-40B4-BE49-F238E27FC236}">
+                <a16:creationId xmlns:a16="http://schemas.microsoft.com/office/drawing/2014/main" id="{8AA1A830-D54A-4CEB-B680-FA516D230D67}"/>
+              </a:ext>
+            </a:extLst>
+          </p:cNvPr>
+          <p:cNvCxnSpPr>
+            <a:cxnSpLocks/>
+            <a:stCxn id="53" idx="3"/>
+            <a:endCxn id="54" idx="1"/>
+          </p:cNvCxnSpPr>
+          <p:nvPr/>
+        </p:nvCxnSpPr>
+        <p:spPr>
+          <a:xfrm>
+            <a:off x="9559334" y="5137781"/>
+            <a:ext cx="344059" cy="0"/>
+          </a:xfrm>
+          <a:prstGeom prst="straightConnector1">
+            <a:avLst/>
+          </a:prstGeom>
+          <a:ln w="25400">
+            <a:solidFill>
+              <a:schemeClr val="bg2">
+                <a:lumMod val="50000"/>
+              </a:schemeClr>
+            </a:solidFill>
+            <a:tailEnd type="triangle"/>
+          </a:ln>
+        </p:spPr>
+        <p:style>
+          <a:lnRef idx="1">
+            <a:schemeClr val="accent1"/>
+          </a:lnRef>
+          <a:fillRef idx="0">
+            <a:schemeClr val="accent1"/>
+          </a:fillRef>
+          <a:effectRef idx="0">
+            <a:schemeClr val="accent1"/>
+          </a:effectRef>
+          <a:fontRef idx="minor">
+            <a:schemeClr val="tx1"/>
+          </a:fontRef>
+        </p:style>
+      </p:cxnSp>
+      <p:pic>
+        <p:nvPicPr>
+          <p:cNvPr id="60" name="Picture 2">
+            <a:extLst>
+              <a:ext uri="{FF2B5EF4-FFF2-40B4-BE49-F238E27FC236}">
+                <a16:creationId xmlns:a16="http://schemas.microsoft.com/office/drawing/2014/main" id="{862F7477-ECB5-40E1-92AC-16E372F9821D}"/>
+              </a:ext>
+            </a:extLst>
+          </p:cNvPr>
+          <p:cNvPicPr>
+            <a:picLocks noChangeAspect="1" noChangeArrowheads="1"/>
+          </p:cNvPicPr>
+          <p:nvPr/>
+        </p:nvPicPr>
+        <p:blipFill rotWithShape="1">
+          <a:blip r:embed="rId2">
+            <a:extLst>
+              <a:ext uri="{28A0092B-C50C-407E-A947-70E740481C1C}">
+                <a14:useLocalDpi xmlns:a14="http://schemas.microsoft.com/office/drawing/2010/main" val="0"/>
+              </a:ext>
+            </a:extLst>
+          </a:blip>
+          <a:srcRect l="61380" t="24131" r="30286" b="10399"/>
+          <a:stretch/>
+        </p:blipFill>
+        <p:spPr bwMode="auto">
+          <a:xfrm>
+            <a:off x="7337731" y="5554047"/>
+            <a:ext cx="693941" cy="672256"/>
+          </a:xfrm>
+          <a:prstGeom prst="rect">
+            <a:avLst/>
+          </a:prstGeom>
+          <a:noFill/>
+          <a:extLst>
+            <a:ext uri="{909E8E84-426E-40DD-AFC4-6F175D3DCCD1}">
+              <a14:hiddenFill xmlns:a14="http://schemas.microsoft.com/office/drawing/2010/main">
+                <a:solidFill>
+                  <a:srgbClr val="FFFFFF"/>
+                </a:solidFill>
+              </a14:hiddenFill>
+            </a:ext>
+          </a:extLst>
+        </p:spPr>
+      </p:pic>
+      <p:sp>
+        <p:nvSpPr>
+          <p:cNvPr id="61" name="직사각형 60">
+            <a:extLst>
+              <a:ext uri="{FF2B5EF4-FFF2-40B4-BE49-F238E27FC236}">
+                <a16:creationId xmlns:a16="http://schemas.microsoft.com/office/drawing/2014/main" id="{FF32760E-ABD9-454A-AE8B-81616442A878}"/>
+              </a:ext>
+            </a:extLst>
+          </p:cNvPr>
+          <p:cNvSpPr/>
+          <p:nvPr/>
+        </p:nvSpPr>
+        <p:spPr>
+          <a:xfrm>
+            <a:off x="7337731" y="5554047"/>
+            <a:ext cx="693941" cy="672256"/>
+          </a:xfrm>
+          <a:custGeom>
+            <a:avLst/>
+            <a:gdLst>
+              <a:gd name="connsiteX0" fmla="*/ 0 w 693941"/>
+              <a:gd name="connsiteY0" fmla="*/ 0 h 672256"/>
+              <a:gd name="connsiteX1" fmla="*/ 360849 w 693941"/>
+              <a:gd name="connsiteY1" fmla="*/ 0 h 672256"/>
+              <a:gd name="connsiteX2" fmla="*/ 693941 w 693941"/>
+              <a:gd name="connsiteY2" fmla="*/ 0 h 672256"/>
+              <a:gd name="connsiteX3" fmla="*/ 693941 w 693941"/>
+              <a:gd name="connsiteY3" fmla="*/ 315960 h 672256"/>
+              <a:gd name="connsiteX4" fmla="*/ 693941 w 693941"/>
+              <a:gd name="connsiteY4" fmla="*/ 672256 h 672256"/>
+              <a:gd name="connsiteX5" fmla="*/ 360849 w 693941"/>
+              <a:gd name="connsiteY5" fmla="*/ 672256 h 672256"/>
+              <a:gd name="connsiteX6" fmla="*/ 0 w 693941"/>
+              <a:gd name="connsiteY6" fmla="*/ 672256 h 672256"/>
+              <a:gd name="connsiteX7" fmla="*/ 0 w 693941"/>
+              <a:gd name="connsiteY7" fmla="*/ 342851 h 672256"/>
+              <a:gd name="connsiteX8" fmla="*/ 0 w 693941"/>
+              <a:gd name="connsiteY8" fmla="*/ 0 h 672256"/>
+            </a:gdLst>
+            <a:ahLst/>
+            <a:cxnLst>
+              <a:cxn ang="0">
+                <a:pos x="connsiteX0" y="connsiteY0"/>
+              </a:cxn>
+              <a:cxn ang="0">
+                <a:pos x="connsiteX1" y="connsiteY1"/>
+              </a:cxn>
+              <a:cxn ang="0">
+                <a:pos x="connsiteX2" y="connsiteY2"/>
+              </a:cxn>
+              <a:cxn ang="0">
+                <a:pos x="connsiteX3" y="connsiteY3"/>
+              </a:cxn>
+              <a:cxn ang="0">
+                <a:pos x="connsiteX4" y="connsiteY4"/>
+              </a:cxn>
+              <a:cxn ang="0">
+                <a:pos x="connsiteX5" y="connsiteY5"/>
+              </a:cxn>
+              <a:cxn ang="0">
+                <a:pos x="connsiteX6" y="connsiteY6"/>
+              </a:cxn>
+              <a:cxn ang="0">
+                <a:pos x="connsiteX7" y="connsiteY7"/>
+              </a:cxn>
+              <a:cxn ang="0">
+                <a:pos x="connsiteX8" y="connsiteY8"/>
+              </a:cxn>
+            </a:cxnLst>
+            <a:rect l="l" t="t" r="r" b="b"/>
+            <a:pathLst>
+              <a:path w="693941" h="672256" fill="none" extrusionOk="0">
+                <a:moveTo>
+                  <a:pt x="0" y="0"/>
+                </a:moveTo>
+                <a:cubicBezTo>
+                  <a:pt x="73490" y="-9525"/>
+                  <a:pt x="236959" y="15622"/>
+                  <a:pt x="360849" y="0"/>
+                </a:cubicBezTo>
+                <a:cubicBezTo>
+                  <a:pt x="484739" y="-15622"/>
+                  <a:pt x="582709" y="22595"/>
+                  <a:pt x="693941" y="0"/>
+                </a:cubicBezTo>
+                <a:cubicBezTo>
+                  <a:pt x="717674" y="117891"/>
+                  <a:pt x="689044" y="226765"/>
+                  <a:pt x="693941" y="315960"/>
+                </a:cubicBezTo>
+                <a:cubicBezTo>
+                  <a:pt x="698838" y="405155"/>
+                  <a:pt x="674671" y="583672"/>
+                  <a:pt x="693941" y="672256"/>
+                </a:cubicBezTo>
+                <a:cubicBezTo>
+                  <a:pt x="606323" y="678998"/>
+                  <a:pt x="503342" y="667736"/>
+                  <a:pt x="360849" y="672256"/>
+                </a:cubicBezTo>
+                <a:cubicBezTo>
+                  <a:pt x="218356" y="676776"/>
+                  <a:pt x="118713" y="629808"/>
+                  <a:pt x="0" y="672256"/>
+                </a:cubicBezTo>
+                <a:cubicBezTo>
+                  <a:pt x="-26528" y="532606"/>
+                  <a:pt x="33927" y="484141"/>
+                  <a:pt x="0" y="342851"/>
+                </a:cubicBezTo>
+                <a:cubicBezTo>
+                  <a:pt x="-33927" y="201561"/>
+                  <a:pt x="26910" y="99005"/>
+                  <a:pt x="0" y="0"/>
+                </a:cubicBezTo>
+                <a:close/>
+              </a:path>
+              <a:path w="693941" h="672256" stroke="0" extrusionOk="0">
+                <a:moveTo>
+                  <a:pt x="0" y="0"/>
+                </a:moveTo>
+                <a:cubicBezTo>
+                  <a:pt x="128672" y="-20841"/>
+                  <a:pt x="224628" y="23975"/>
+                  <a:pt x="340031" y="0"/>
+                </a:cubicBezTo>
+                <a:cubicBezTo>
+                  <a:pt x="455434" y="-23975"/>
+                  <a:pt x="552951" y="25101"/>
+                  <a:pt x="693941" y="0"/>
+                </a:cubicBezTo>
+                <a:cubicBezTo>
+                  <a:pt x="730564" y="165339"/>
+                  <a:pt x="665302" y="213078"/>
+                  <a:pt x="693941" y="349573"/>
+                </a:cubicBezTo>
+                <a:cubicBezTo>
+                  <a:pt x="722580" y="486068"/>
+                  <a:pt x="685560" y="590034"/>
+                  <a:pt x="693941" y="672256"/>
+                </a:cubicBezTo>
+                <a:cubicBezTo>
+                  <a:pt x="623312" y="673382"/>
+                  <a:pt x="480470" y="635049"/>
+                  <a:pt x="360849" y="672256"/>
+                </a:cubicBezTo>
+                <a:cubicBezTo>
+                  <a:pt x="241228" y="709463"/>
+                  <a:pt x="171229" y="644019"/>
+                  <a:pt x="0" y="672256"/>
+                </a:cubicBezTo>
+                <a:cubicBezTo>
+                  <a:pt x="-24822" y="599760"/>
+                  <a:pt x="11899" y="460745"/>
+                  <a:pt x="0" y="349573"/>
+                </a:cubicBezTo>
+                <a:cubicBezTo>
+                  <a:pt x="-11899" y="238401"/>
+                  <a:pt x="19270" y="73669"/>
+                  <a:pt x="0" y="0"/>
+                </a:cubicBezTo>
+                <a:close/>
+              </a:path>
+            </a:pathLst>
+          </a:custGeom>
+          <a:solidFill>
+            <a:schemeClr val="bg1"/>
+          </a:solidFill>
+          <a:ln>
+            <a:solidFill>
+              <a:schemeClr val="bg2">
+                <a:lumMod val="50000"/>
+              </a:schemeClr>
+            </a:solidFill>
+            <a:prstDash val="lgDashDot"/>
+            <a:extLst>
+              <a:ext uri="{C807C97D-BFC1-408E-A445-0C87EB9F89A2}">
+                <ask:lineSketchStyleProps xmlns:ask="http://schemas.microsoft.com/office/drawing/2018/sketchyshapes" sd="1219033472">
+                  <a:prstGeom prst="rect">
+                    <a:avLst/>
+                  </a:prstGeom>
+                  <ask:type>
+                    <ask:lineSketchScribble/>
+                  </ask:type>
+                </ask:lineSketchStyleProps>
+              </a:ext>
+            </a:extLst>
+          </a:ln>
+        </p:spPr>
+        <p:style>
+          <a:lnRef idx="2">
+            <a:schemeClr val="accent1">
+              <a:shade val="50000"/>
+            </a:schemeClr>
+          </a:lnRef>
+          <a:fillRef idx="1">
+            <a:schemeClr val="accent1"/>
+          </a:fillRef>
+          <a:effectRef idx="0">
+            <a:schemeClr val="accent1"/>
+          </a:effectRef>
+          <a:fontRef idx="minor">
+            <a:schemeClr val="lt1"/>
+          </a:fontRef>
+        </p:style>
+        <p:txBody>
+          <a:bodyPr rtlCol="0" anchor="ctr"/>
+          <a:lstStyle/>
+          <a:p>
+            <a:pPr algn="ctr"/>
+            <a:endParaRPr lang="ko-KR" altLang="en-US"/>
+          </a:p>
+        </p:txBody>
+      </p:sp>
+      <p:pic>
+        <p:nvPicPr>
+          <p:cNvPr id="62" name="Picture 2">
+            <a:extLst>
+              <a:ext uri="{FF2B5EF4-FFF2-40B4-BE49-F238E27FC236}">
+                <a16:creationId xmlns:a16="http://schemas.microsoft.com/office/drawing/2014/main" id="{C61B05CD-C331-490E-BF3F-5FC6C75F9185}"/>
+              </a:ext>
+            </a:extLst>
+          </p:cNvPr>
+          <p:cNvPicPr>
+            <a:picLocks noChangeAspect="1" noChangeArrowheads="1"/>
+          </p:cNvPicPr>
+          <p:nvPr/>
+        </p:nvPicPr>
+        <p:blipFill rotWithShape="1">
+          <a:blip r:embed="rId2">
+            <a:alphaModFix amt="50000"/>
+            <a:extLst>
+              <a:ext uri="{28A0092B-C50C-407E-A947-70E740481C1C}">
+                <a14:useLocalDpi xmlns:a14="http://schemas.microsoft.com/office/drawing/2010/main" val="0"/>
+              </a:ext>
+            </a:extLst>
+          </a:blip>
+          <a:srcRect l="61380" t="24131" r="30286" b="10399"/>
+          <a:stretch/>
+        </p:blipFill>
+        <p:spPr bwMode="auto">
+          <a:xfrm>
+            <a:off x="8703271" y="5554047"/>
+            <a:ext cx="693941" cy="672256"/>
+          </a:xfrm>
+          <a:custGeom>
+            <a:avLst/>
+            <a:gdLst>
+              <a:gd name="connsiteX0" fmla="*/ 0 w 693941"/>
+              <a:gd name="connsiteY0" fmla="*/ 0 h 672256"/>
+              <a:gd name="connsiteX1" fmla="*/ 340031 w 693941"/>
+              <a:gd name="connsiteY1" fmla="*/ 0 h 672256"/>
+              <a:gd name="connsiteX2" fmla="*/ 693941 w 693941"/>
+              <a:gd name="connsiteY2" fmla="*/ 0 h 672256"/>
+              <a:gd name="connsiteX3" fmla="*/ 693941 w 693941"/>
+              <a:gd name="connsiteY3" fmla="*/ 349573 h 672256"/>
+              <a:gd name="connsiteX4" fmla="*/ 693941 w 693941"/>
+              <a:gd name="connsiteY4" fmla="*/ 672256 h 672256"/>
+              <a:gd name="connsiteX5" fmla="*/ 360849 w 693941"/>
+              <a:gd name="connsiteY5" fmla="*/ 672256 h 672256"/>
+              <a:gd name="connsiteX6" fmla="*/ 0 w 693941"/>
+              <a:gd name="connsiteY6" fmla="*/ 672256 h 672256"/>
+              <a:gd name="connsiteX7" fmla="*/ 0 w 693941"/>
+              <a:gd name="connsiteY7" fmla="*/ 349573 h 672256"/>
+              <a:gd name="connsiteX8" fmla="*/ 0 w 693941"/>
+              <a:gd name="connsiteY8" fmla="*/ 0 h 672256"/>
+            </a:gdLst>
+            <a:ahLst/>
+            <a:cxnLst>
+              <a:cxn ang="0">
+                <a:pos x="connsiteX0" y="connsiteY0"/>
+              </a:cxn>
+              <a:cxn ang="0">
+                <a:pos x="connsiteX1" y="connsiteY1"/>
+              </a:cxn>
+              <a:cxn ang="0">
+                <a:pos x="connsiteX2" y="connsiteY2"/>
+              </a:cxn>
+              <a:cxn ang="0">
+                <a:pos x="connsiteX3" y="connsiteY3"/>
+              </a:cxn>
+              <a:cxn ang="0">
+                <a:pos x="connsiteX4" y="connsiteY4"/>
+              </a:cxn>
+              <a:cxn ang="0">
+                <a:pos x="connsiteX5" y="connsiteY5"/>
+              </a:cxn>
+              <a:cxn ang="0">
+                <a:pos x="connsiteX6" y="connsiteY6"/>
+              </a:cxn>
+              <a:cxn ang="0">
+                <a:pos x="connsiteX7" y="connsiteY7"/>
+              </a:cxn>
+              <a:cxn ang="0">
+                <a:pos x="connsiteX8" y="connsiteY8"/>
+              </a:cxn>
+            </a:cxnLst>
+            <a:rect l="l" t="t" r="r" b="b"/>
+            <a:pathLst>
+              <a:path w="693941" h="672256" extrusionOk="0">
+                <a:moveTo>
+                  <a:pt x="0" y="0"/>
+                </a:moveTo>
+                <a:cubicBezTo>
+                  <a:pt x="128672" y="-20841"/>
+                  <a:pt x="224628" y="23975"/>
+                  <a:pt x="340031" y="0"/>
+                </a:cubicBezTo>
+                <a:cubicBezTo>
+                  <a:pt x="455434" y="-23975"/>
+                  <a:pt x="552951" y="25101"/>
+                  <a:pt x="693941" y="0"/>
+                </a:cubicBezTo>
+                <a:cubicBezTo>
+                  <a:pt x="730564" y="165339"/>
+                  <a:pt x="665302" y="213078"/>
+                  <a:pt x="693941" y="349573"/>
+                </a:cubicBezTo>
+                <a:cubicBezTo>
+                  <a:pt x="722580" y="486068"/>
+                  <a:pt x="685560" y="590034"/>
+                  <a:pt x="693941" y="672256"/>
+                </a:cubicBezTo>
+                <a:cubicBezTo>
+                  <a:pt x="623312" y="673382"/>
+                  <a:pt x="480470" y="635049"/>
+                  <a:pt x="360849" y="672256"/>
+                </a:cubicBezTo>
+                <a:cubicBezTo>
+                  <a:pt x="241228" y="709463"/>
+                  <a:pt x="171229" y="644019"/>
+                  <a:pt x="0" y="672256"/>
+                </a:cubicBezTo>
+                <a:cubicBezTo>
+                  <a:pt x="-24822" y="599760"/>
+                  <a:pt x="11899" y="460745"/>
+                  <a:pt x="0" y="349573"/>
+                </a:cubicBezTo>
+                <a:cubicBezTo>
+                  <a:pt x="-11899" y="238401"/>
+                  <a:pt x="19270" y="73669"/>
+                  <a:pt x="0" y="0"/>
+                </a:cubicBezTo>
+                <a:close/>
+              </a:path>
+            </a:pathLst>
+          </a:custGeom>
+          <a:noFill/>
+          <a:ln>
+            <a:solidFill>
+              <a:schemeClr val="bg2">
+                <a:lumMod val="50000"/>
+              </a:schemeClr>
+            </a:solidFill>
+            <a:prstDash val="lgDashDot"/>
+            <a:extLst>
+              <a:ext uri="{C807C97D-BFC1-408E-A445-0C87EB9F89A2}">
+                <ask:lineSketchStyleProps xmlns:ask="http://schemas.microsoft.com/office/drawing/2018/sketchyshapes" sd="1219033472">
+                  <a:prstGeom prst="rect">
+                    <a:avLst/>
+                  </a:prstGeom>
+                  <ask:type>
+                    <ask:lineSketchScribble/>
+                  </ask:type>
+                </ask:lineSketchStyleProps>
+              </a:ext>
+            </a:extLst>
+          </a:ln>
+          <a:extLst>
+            <a:ext uri="{909E8E84-426E-40DD-AFC4-6F175D3DCCD1}">
+              <a14:hiddenFill xmlns:a14="http://schemas.microsoft.com/office/drawing/2010/main">
+                <a:solidFill>
+                  <a:srgbClr val="FFFFFF"/>
+                </a:solidFill>
+              </a14:hiddenFill>
+            </a:ext>
+          </a:extLst>
+        </p:spPr>
+      </p:pic>
+      <p:pic>
+        <p:nvPicPr>
+          <p:cNvPr id="63" name="Picture 2">
+            <a:extLst>
+              <a:ext uri="{FF2B5EF4-FFF2-40B4-BE49-F238E27FC236}">
+                <a16:creationId xmlns:a16="http://schemas.microsoft.com/office/drawing/2014/main" id="{4E47E63C-A441-43C0-9434-6CC8B50968A5}"/>
+              </a:ext>
+            </a:extLst>
+          </p:cNvPr>
+          <p:cNvPicPr>
+            <a:picLocks noChangeAspect="1" noChangeArrowheads="1"/>
+          </p:cNvPicPr>
+          <p:nvPr/>
+        </p:nvPicPr>
+        <p:blipFill rotWithShape="1">
+          <a:blip r:embed="rId2">
+            <a:alphaModFix amt="50000"/>
+            <a:extLst>
+              <a:ext uri="{28A0092B-C50C-407E-A947-70E740481C1C}">
+                <a14:useLocalDpi xmlns:a14="http://schemas.microsoft.com/office/drawing/2010/main" val="0"/>
+              </a:ext>
+            </a:extLst>
+          </a:blip>
+          <a:srcRect l="71420" t="24131" r="20246" b="10399"/>
+          <a:stretch/>
+        </p:blipFill>
+        <p:spPr bwMode="auto">
+          <a:xfrm>
+            <a:off x="10065460" y="5554047"/>
+            <a:ext cx="693941" cy="672256"/>
+          </a:xfrm>
+          <a:custGeom>
+            <a:avLst/>
+            <a:gdLst>
+              <a:gd name="connsiteX0" fmla="*/ 0 w 693941"/>
+              <a:gd name="connsiteY0" fmla="*/ 0 h 672256"/>
+              <a:gd name="connsiteX1" fmla="*/ 360849 w 693941"/>
+              <a:gd name="connsiteY1" fmla="*/ 0 h 672256"/>
+              <a:gd name="connsiteX2" fmla="*/ 693941 w 693941"/>
+              <a:gd name="connsiteY2" fmla="*/ 0 h 672256"/>
+              <a:gd name="connsiteX3" fmla="*/ 693941 w 693941"/>
+              <a:gd name="connsiteY3" fmla="*/ 322683 h 672256"/>
+              <a:gd name="connsiteX4" fmla="*/ 693941 w 693941"/>
+              <a:gd name="connsiteY4" fmla="*/ 672256 h 672256"/>
+              <a:gd name="connsiteX5" fmla="*/ 346971 w 693941"/>
+              <a:gd name="connsiteY5" fmla="*/ 672256 h 672256"/>
+              <a:gd name="connsiteX6" fmla="*/ 0 w 693941"/>
+              <a:gd name="connsiteY6" fmla="*/ 672256 h 672256"/>
+              <a:gd name="connsiteX7" fmla="*/ 0 w 693941"/>
+              <a:gd name="connsiteY7" fmla="*/ 329405 h 672256"/>
+              <a:gd name="connsiteX8" fmla="*/ 0 w 693941"/>
+              <a:gd name="connsiteY8" fmla="*/ 0 h 672256"/>
+            </a:gdLst>
+            <a:ahLst/>
+            <a:cxnLst>
+              <a:cxn ang="0">
+                <a:pos x="connsiteX0" y="connsiteY0"/>
+              </a:cxn>
+              <a:cxn ang="0">
+                <a:pos x="connsiteX1" y="connsiteY1"/>
+              </a:cxn>
+              <a:cxn ang="0">
+                <a:pos x="connsiteX2" y="connsiteY2"/>
+              </a:cxn>
+              <a:cxn ang="0">
+                <a:pos x="connsiteX3" y="connsiteY3"/>
+              </a:cxn>
+              <a:cxn ang="0">
+                <a:pos x="connsiteX4" y="connsiteY4"/>
+              </a:cxn>
+              <a:cxn ang="0">
+                <a:pos x="connsiteX5" y="connsiteY5"/>
+              </a:cxn>
+              <a:cxn ang="0">
+                <a:pos x="connsiteX6" y="connsiteY6"/>
+              </a:cxn>
+              <a:cxn ang="0">
+                <a:pos x="connsiteX7" y="connsiteY7"/>
+              </a:cxn>
+              <a:cxn ang="0">
+                <a:pos x="connsiteX8" y="connsiteY8"/>
+              </a:cxn>
+            </a:cxnLst>
+            <a:rect l="l" t="t" r="r" b="b"/>
+            <a:pathLst>
+              <a:path w="693941" h="672256" extrusionOk="0">
+                <a:moveTo>
+                  <a:pt x="0" y="0"/>
+                </a:moveTo>
+                <a:cubicBezTo>
+                  <a:pt x="155518" y="-22844"/>
+                  <a:pt x="181969" y="43160"/>
+                  <a:pt x="360849" y="0"/>
+                </a:cubicBezTo>
+                <a:cubicBezTo>
+                  <a:pt x="539729" y="-43160"/>
+                  <a:pt x="529972" y="11338"/>
+                  <a:pt x="693941" y="0"/>
+                </a:cubicBezTo>
+                <a:cubicBezTo>
+                  <a:pt x="718497" y="139320"/>
+                  <a:pt x="688864" y="188863"/>
+                  <a:pt x="693941" y="322683"/>
+                </a:cubicBezTo>
+                <a:cubicBezTo>
+                  <a:pt x="699018" y="456503"/>
+                  <a:pt x="671597" y="500189"/>
+                  <a:pt x="693941" y="672256"/>
+                </a:cubicBezTo>
+                <a:cubicBezTo>
+                  <a:pt x="560966" y="694967"/>
+                  <a:pt x="455683" y="645280"/>
+                  <a:pt x="346971" y="672256"/>
+                </a:cubicBezTo>
+                <a:cubicBezTo>
+                  <a:pt x="238259" y="699232"/>
+                  <a:pt x="81707" y="669933"/>
+                  <a:pt x="0" y="672256"/>
+                </a:cubicBezTo>
+                <a:cubicBezTo>
+                  <a:pt x="-35072" y="549723"/>
+                  <a:pt x="16951" y="475879"/>
+                  <a:pt x="0" y="329405"/>
+                </a:cubicBezTo>
+                <a:cubicBezTo>
+                  <a:pt x="-16951" y="182931"/>
+                  <a:pt x="32255" y="132019"/>
+                  <a:pt x="0" y="0"/>
+                </a:cubicBezTo>
+                <a:close/>
+              </a:path>
+            </a:pathLst>
+          </a:custGeom>
+          <a:noFill/>
+          <a:ln>
+            <a:solidFill>
+              <a:schemeClr val="bg2">
+                <a:lumMod val="50000"/>
+              </a:schemeClr>
+            </a:solidFill>
+            <a:prstDash val="lgDashDot"/>
+            <a:extLst>
+              <a:ext uri="{C807C97D-BFC1-408E-A445-0C87EB9F89A2}">
+                <ask:lineSketchStyleProps xmlns:ask="http://schemas.microsoft.com/office/drawing/2018/sketchyshapes" sd="981765707">
+                  <a:prstGeom prst="rect">
+                    <a:avLst/>
+                  </a:prstGeom>
+                  <ask:type>
+                    <ask:lineSketchScribble/>
+                  </ask:type>
+                </ask:lineSketchStyleProps>
+              </a:ext>
+            </a:extLst>
+          </a:ln>
+          <a:extLst>
+            <a:ext uri="{909E8E84-426E-40DD-AFC4-6F175D3DCCD1}">
+              <a14:hiddenFill xmlns:a14="http://schemas.microsoft.com/office/drawing/2010/main">
+                <a:solidFill>
+                  <a:srgbClr val="FFFFFF"/>
+                </a:solidFill>
+              </a14:hiddenFill>
+            </a:ext>
+          </a:extLst>
+        </p:spPr>
+      </p:pic>
+      <p:cxnSp>
+        <p:nvCxnSpPr>
+          <p:cNvPr id="64" name="직선 화살표 연결선 63">
+            <a:extLst>
+              <a:ext uri="{FF2B5EF4-FFF2-40B4-BE49-F238E27FC236}">
+                <a16:creationId xmlns:a16="http://schemas.microsoft.com/office/drawing/2014/main" id="{CC800112-43F4-4305-B9DA-EF24C900E25C}"/>
+              </a:ext>
+            </a:extLst>
+          </p:cNvPr>
+          <p:cNvCxnSpPr>
+            <a:cxnSpLocks/>
+            <a:stCxn id="61" idx="0"/>
+            <a:endCxn id="52" idx="2"/>
+          </p:cNvCxnSpPr>
+          <p:nvPr/>
+        </p:nvCxnSpPr>
+        <p:spPr>
+          <a:xfrm flipH="1" flipV="1">
+            <a:off x="7684701" y="5370191"/>
+            <a:ext cx="1" cy="183856"/>
+          </a:xfrm>
+          <a:prstGeom prst="straightConnector1">
+            <a:avLst/>
+          </a:prstGeom>
+          <a:ln w="25400">
+            <a:solidFill>
+              <a:schemeClr val="bg2">
+                <a:lumMod val="50000"/>
+              </a:schemeClr>
+            </a:solidFill>
+            <a:tailEnd type="triangle"/>
+          </a:ln>
+        </p:spPr>
+        <p:style>
+          <a:lnRef idx="1">
+            <a:schemeClr val="accent1"/>
+          </a:lnRef>
+          <a:fillRef idx="0">
+            <a:schemeClr val="accent1"/>
+          </a:fillRef>
+          <a:effectRef idx="0">
+            <a:schemeClr val="accent1"/>
+          </a:effectRef>
+          <a:fontRef idx="minor">
+            <a:schemeClr val="tx1"/>
+          </a:fontRef>
+        </p:style>
+      </p:cxnSp>
+      <p:cxnSp>
+        <p:nvCxnSpPr>
+          <p:cNvPr id="65" name="직선 화살표 연결선 64">
+            <a:extLst>
+              <a:ext uri="{FF2B5EF4-FFF2-40B4-BE49-F238E27FC236}">
+                <a16:creationId xmlns:a16="http://schemas.microsoft.com/office/drawing/2014/main" id="{C25843ED-A3D3-4747-87BA-9F538431E92F}"/>
+              </a:ext>
+            </a:extLst>
+          </p:cNvPr>
+          <p:cNvCxnSpPr>
+            <a:cxnSpLocks/>
+            <a:stCxn id="62" idx="0"/>
+            <a:endCxn id="53" idx="2"/>
+          </p:cNvCxnSpPr>
+          <p:nvPr/>
+        </p:nvCxnSpPr>
+        <p:spPr>
+          <a:xfrm flipV="1">
+            <a:off x="9050242" y="5370191"/>
+            <a:ext cx="1092" cy="183856"/>
+          </a:xfrm>
+          <a:prstGeom prst="straightConnector1">
+            <a:avLst/>
+          </a:prstGeom>
+          <a:ln w="25400">
+            <a:solidFill>
+              <a:schemeClr val="bg2">
+                <a:lumMod val="50000"/>
+              </a:schemeClr>
+            </a:solidFill>
+            <a:tailEnd type="triangle"/>
+          </a:ln>
+        </p:spPr>
+        <p:style>
+          <a:lnRef idx="1">
+            <a:schemeClr val="accent1"/>
+          </a:lnRef>
+          <a:fillRef idx="0">
+            <a:schemeClr val="accent1"/>
+          </a:fillRef>
+          <a:effectRef idx="0">
+            <a:schemeClr val="accent1"/>
+          </a:effectRef>
+          <a:fontRef idx="minor">
+            <a:schemeClr val="tx1"/>
+          </a:fontRef>
+        </p:style>
+      </p:cxnSp>
+      <p:cxnSp>
+        <p:nvCxnSpPr>
+          <p:cNvPr id="66" name="직선 화살표 연결선 65">
+            <a:extLst>
+              <a:ext uri="{FF2B5EF4-FFF2-40B4-BE49-F238E27FC236}">
+                <a16:creationId xmlns:a16="http://schemas.microsoft.com/office/drawing/2014/main" id="{2812FF01-B1D0-4291-863F-9D5E7DD14365}"/>
+              </a:ext>
+            </a:extLst>
+          </p:cNvPr>
+          <p:cNvCxnSpPr>
+            <a:cxnSpLocks/>
+            <a:stCxn id="63" idx="0"/>
+            <a:endCxn id="54" idx="2"/>
+          </p:cNvCxnSpPr>
+          <p:nvPr/>
+        </p:nvCxnSpPr>
+        <p:spPr>
+          <a:xfrm flipH="1" flipV="1">
+            <a:off x="10411393" y="5370191"/>
+            <a:ext cx="1038" cy="183856"/>
+          </a:xfrm>
+          <a:prstGeom prst="straightConnector1">
+            <a:avLst/>
+          </a:prstGeom>
+          <a:ln w="25400">
+            <a:solidFill>
+              <a:schemeClr val="bg2">
+                <a:lumMod val="50000"/>
+              </a:schemeClr>
+            </a:solidFill>
+            <a:tailEnd type="triangle"/>
+          </a:ln>
+        </p:spPr>
+        <p:style>
+          <a:lnRef idx="1">
+            <a:schemeClr val="accent1"/>
+          </a:lnRef>
+          <a:fillRef idx="0">
+            <a:schemeClr val="accent1"/>
+          </a:fillRef>
+          <a:effectRef idx="0">
+            <a:schemeClr val="accent1"/>
+          </a:effectRef>
+          <a:fontRef idx="minor">
+            <a:schemeClr val="tx1"/>
+          </a:fontRef>
+        </p:style>
+      </p:cxnSp>
+      <p:cxnSp>
+        <p:nvCxnSpPr>
+          <p:cNvPr id="67" name="직선 화살표 연결선 66">
+            <a:extLst>
+              <a:ext uri="{FF2B5EF4-FFF2-40B4-BE49-F238E27FC236}">
+                <a16:creationId xmlns:a16="http://schemas.microsoft.com/office/drawing/2014/main" id="{A5D10D38-EAB1-4A68-996C-12620A34B373}"/>
+              </a:ext>
+            </a:extLst>
+          </p:cNvPr>
+          <p:cNvCxnSpPr>
+            <a:cxnSpLocks/>
+            <a:stCxn id="46" idx="3"/>
+            <a:endCxn id="52" idx="1"/>
+          </p:cNvCxnSpPr>
+          <p:nvPr/>
+        </p:nvCxnSpPr>
+        <p:spPr>
+          <a:xfrm>
+            <a:off x="5664403" y="5128502"/>
+            <a:ext cx="1512298" cy="9279"/>
+          </a:xfrm>
+          <a:prstGeom prst="straightConnector1">
+            <a:avLst/>
+          </a:prstGeom>
+          <a:ln w="25400">
+            <a:solidFill>
+              <a:schemeClr val="bg2">
+                <a:lumMod val="50000"/>
+              </a:schemeClr>
+            </a:solidFill>
+            <a:tailEnd type="triangle"/>
+          </a:ln>
+        </p:spPr>
+        <p:style>
+          <a:lnRef idx="1">
+            <a:schemeClr val="accent1"/>
+          </a:lnRef>
+          <a:fillRef idx="0">
+            <a:schemeClr val="accent1"/>
+          </a:fillRef>
+          <a:effectRef idx="0">
+            <a:schemeClr val="accent1"/>
+          </a:effectRef>
+          <a:fontRef idx="minor">
+            <a:schemeClr val="tx1"/>
+          </a:fontRef>
+        </p:style>
+      </p:cxnSp>
+      <p:sp>
+        <p:nvSpPr>
+          <p:cNvPr id="68" name="TextBox 67">
+            <a:extLst>
+              <a:ext uri="{FF2B5EF4-FFF2-40B4-BE49-F238E27FC236}">
+                <a16:creationId xmlns:a16="http://schemas.microsoft.com/office/drawing/2014/main" id="{C220E7D0-FB40-4127-B85D-58C5D748CE6D}"/>
+              </a:ext>
+            </a:extLst>
+          </p:cNvPr>
+          <p:cNvSpPr txBox="1"/>
+          <p:nvPr/>
+        </p:nvSpPr>
+        <p:spPr>
+          <a:xfrm>
+            <a:off x="5057977" y="2401786"/>
+            <a:ext cx="938273" cy="261610"/>
+          </a:xfrm>
+          <a:prstGeom prst="rect">
+            <a:avLst/>
+          </a:prstGeom>
+          <a:noFill/>
+        </p:spPr>
+        <p:txBody>
+          <a:bodyPr wrap="square" rtlCol="0">
+            <a:spAutoFit/>
+          </a:bodyPr>
+          <a:lstStyle/>
+          <a:p>
+            <a:pPr algn="ctr"/>
+            <a:r>
+              <a:rPr lang="en-US" altLang="ko-KR" sz="1100" b="1" dirty="0">
+                <a:solidFill>
+                  <a:schemeClr val="accent1"/>
+                </a:solidFill>
+                <a:latin typeface="나눔스퀘어" panose="020B0600000101010101" pitchFamily="50" charset="-127"/>
+                <a:ea typeface="나눔스퀘어" panose="020B0600000101010101" pitchFamily="50" charset="-127"/>
+              </a:rPr>
+              <a:t>Feature</a:t>
+            </a:r>
+            <a:endParaRPr lang="ko-KR" altLang="en-US" sz="1100" b="1" dirty="0">
+              <a:solidFill>
+                <a:schemeClr val="accent1"/>
+              </a:solidFill>
+              <a:latin typeface="나눔스퀘어" panose="020B0600000101010101" pitchFamily="50" charset="-127"/>
+              <a:ea typeface="나눔스퀘어" panose="020B0600000101010101" pitchFamily="50" charset="-127"/>
+            </a:endParaRPr>
+          </a:p>
+        </p:txBody>
+      </p:sp>
+      <p:sp>
+        <p:nvSpPr>
+          <p:cNvPr id="69" name="TextBox 68">
+            <a:extLst>
+              <a:ext uri="{FF2B5EF4-FFF2-40B4-BE49-F238E27FC236}">
+                <a16:creationId xmlns:a16="http://schemas.microsoft.com/office/drawing/2014/main" id="{22C3CB2F-1FA6-4A44-AD06-AE1DADA83C4A}"/>
+              </a:ext>
+            </a:extLst>
+          </p:cNvPr>
+          <p:cNvSpPr txBox="1"/>
+          <p:nvPr/>
+        </p:nvSpPr>
+        <p:spPr>
+          <a:xfrm>
+            <a:off x="5643763" y="4806368"/>
+            <a:ext cx="1499059" cy="307777"/>
+          </a:xfrm>
+          <a:prstGeom prst="rect">
+            <a:avLst/>
+          </a:prstGeom>
+          <a:noFill/>
+        </p:spPr>
+        <p:txBody>
+          <a:bodyPr wrap="square" rtlCol="0">
+            <a:spAutoFit/>
+          </a:bodyPr>
+          <a:lstStyle/>
+          <a:p>
+            <a:pPr algn="ctr"/>
+            <a:r>
+              <a:rPr lang="en-US" altLang="ko-KR" sz="1400" b="1" dirty="0">
+                <a:solidFill>
+                  <a:schemeClr val="bg2">
+                    <a:lumMod val="50000"/>
+                  </a:schemeClr>
+                </a:solidFill>
+                <a:latin typeface="나눔스퀘어" panose="020B0600000101010101" pitchFamily="50" charset="-127"/>
+                <a:ea typeface="나눔스퀘어" panose="020B0600000101010101" pitchFamily="50" charset="-127"/>
+              </a:rPr>
+              <a:t>Prediction</a:t>
+            </a:r>
+            <a:endParaRPr lang="ko-KR" altLang="en-US" sz="1400" b="1" dirty="0">
+              <a:solidFill>
+                <a:schemeClr val="bg2">
+                  <a:lumMod val="50000"/>
+                </a:schemeClr>
+              </a:solidFill>
+              <a:latin typeface="나눔스퀘어" panose="020B0600000101010101" pitchFamily="50" charset="-127"/>
+              <a:ea typeface="나눔스퀘어" panose="020B0600000101010101" pitchFamily="50" charset="-127"/>
+            </a:endParaRPr>
+          </a:p>
+        </p:txBody>
+      </p:sp>
+      <p:cxnSp>
+        <p:nvCxnSpPr>
+          <p:cNvPr id="70" name="연결선: 구부러짐 69">
+            <a:extLst>
+              <a:ext uri="{FF2B5EF4-FFF2-40B4-BE49-F238E27FC236}">
+                <a16:creationId xmlns:a16="http://schemas.microsoft.com/office/drawing/2014/main" id="{8BB002E1-7EC2-46A5-876A-B8A8294FA461}"/>
+              </a:ext>
+            </a:extLst>
+          </p:cNvPr>
+          <p:cNvCxnSpPr>
+            <a:cxnSpLocks/>
+            <a:stCxn id="43" idx="3"/>
+            <a:endCxn id="63" idx="1"/>
+          </p:cNvCxnSpPr>
+          <p:nvPr/>
+        </p:nvCxnSpPr>
+        <p:spPr>
+          <a:xfrm>
+            <a:off x="9398305" y="4366829"/>
+            <a:ext cx="667155" cy="1523346"/>
+          </a:xfrm>
+          <a:prstGeom prst="curvedConnector3">
+            <a:avLst>
+              <a:gd name="adj1" fmla="val 50000"/>
+            </a:avLst>
+          </a:prstGeom>
+          <a:ln w="19050">
+            <a:solidFill>
+              <a:schemeClr val="bg2">
+                <a:lumMod val="50000"/>
+              </a:schemeClr>
+            </a:solidFill>
+            <a:prstDash val="lgDash"/>
+            <a:tailEnd type="triangle"/>
+          </a:ln>
+        </p:spPr>
+        <p:style>
+          <a:lnRef idx="1">
+            <a:schemeClr val="accent1"/>
+          </a:lnRef>
+          <a:fillRef idx="0">
+            <a:schemeClr val="accent1"/>
+          </a:fillRef>
+          <a:effectRef idx="0">
+            <a:schemeClr val="accent1"/>
+          </a:effectRef>
+          <a:fontRef idx="minor">
+            <a:schemeClr val="tx1"/>
+          </a:fontRef>
+        </p:style>
+      </p:cxnSp>
+      <p:cxnSp>
+        <p:nvCxnSpPr>
+          <p:cNvPr id="71" name="연결선: 구부러짐 70">
+            <a:extLst>
+              <a:ext uri="{FF2B5EF4-FFF2-40B4-BE49-F238E27FC236}">
+                <a16:creationId xmlns:a16="http://schemas.microsoft.com/office/drawing/2014/main" id="{226B9832-9802-4031-9E90-40BDB11D5B45}"/>
+              </a:ext>
+            </a:extLst>
+          </p:cNvPr>
+          <p:cNvCxnSpPr>
+            <a:cxnSpLocks/>
+            <a:stCxn id="42" idx="3"/>
+            <a:endCxn id="62" idx="1"/>
+          </p:cNvCxnSpPr>
+          <p:nvPr/>
+        </p:nvCxnSpPr>
+        <p:spPr>
+          <a:xfrm>
+            <a:off x="8031672" y="4366829"/>
+            <a:ext cx="671599" cy="1523346"/>
+          </a:xfrm>
+          <a:prstGeom prst="curvedConnector3">
+            <a:avLst>
+              <a:gd name="adj1" fmla="val 50000"/>
+            </a:avLst>
+          </a:prstGeom>
+          <a:ln w="19050">
+            <a:solidFill>
+              <a:schemeClr val="bg2">
+                <a:lumMod val="50000"/>
+              </a:schemeClr>
+            </a:solidFill>
+            <a:prstDash val="lgDash"/>
+            <a:tailEnd type="triangle"/>
+          </a:ln>
+        </p:spPr>
+        <p:style>
+          <a:lnRef idx="1">
+            <a:schemeClr val="accent1"/>
+          </a:lnRef>
+          <a:fillRef idx="0">
+            <a:schemeClr val="accent1"/>
+          </a:fillRef>
+          <a:effectRef idx="0">
+            <a:schemeClr val="accent1"/>
+          </a:effectRef>
+          <a:fontRef idx="minor">
+            <a:schemeClr val="tx1"/>
+          </a:fontRef>
+        </p:style>
+      </p:cxnSp>
+      <mc:AlternateContent xmlns:mc="http://schemas.openxmlformats.org/markup-compatibility/2006">
+        <mc:Choice xmlns:a14="http://schemas.microsoft.com/office/drawing/2010/main" Requires="a14">
+          <p:sp>
+            <p:nvSpPr>
+              <p:cNvPr id="72" name="TextBox 71">
+                <a:extLst>
+                  <a:ext uri="{FF2B5EF4-FFF2-40B4-BE49-F238E27FC236}">
+                    <a16:creationId xmlns:a16="http://schemas.microsoft.com/office/drawing/2014/main" id="{5FB4D88E-342F-4E94-8F6B-1188F9C0CB75}"/>
+                  </a:ext>
+                </a:extLst>
+              </p:cNvPr>
+              <p:cNvSpPr txBox="1"/>
+              <p:nvPr/>
+            </p:nvSpPr>
+            <p:spPr>
+              <a:xfrm>
+                <a:off x="7176701" y="3679725"/>
+                <a:ext cx="993967" cy="338554"/>
+              </a:xfrm>
+              <a:prstGeom prst="rect">
+                <a:avLst/>
+              </a:prstGeom>
+              <a:noFill/>
+            </p:spPr>
+            <p:txBody>
+              <a:bodyPr wrap="square" rtlCol="0">
+                <a:spAutoFit/>
+              </a:bodyPr>
+              <a:lstStyle/>
+              <a:p>
+                <a:pPr algn="ctr"/>
+                <a14:m>
+                  <m:oMathPara xmlns:m="http://schemas.openxmlformats.org/officeDocument/2006/math">
+                    <m:oMathParaPr>
+                      <m:jc m:val="centerGroup"/>
+                    </m:oMathParaPr>
+                    <m:oMath xmlns:m="http://schemas.openxmlformats.org/officeDocument/2006/math">
+                      <m:acc>
+                        <m:accPr>
+                          <m:chr m:val="̂"/>
+                          <m:ctrlPr>
+                            <a:rPr lang="en-US" altLang="ko-KR" sz="1600" b="1" i="1" dirty="0" smtClean="0">
+                              <a:latin typeface="Cambria Math" panose="02040503050406030204" pitchFamily="18" charset="0"/>
+                              <a:ea typeface="나눔스퀘어" panose="020B0600000101010101" pitchFamily="50" charset="-127"/>
+                            </a:rPr>
+                          </m:ctrlPr>
+                        </m:accPr>
+                        <m:e>
+                          <m:sSub>
+                            <m:sSubPr>
+                              <m:ctrlPr>
+                                <a:rPr lang="en-US" altLang="ko-KR" sz="1600" b="1" i="1" dirty="0" smtClean="0">
+                                  <a:latin typeface="Cambria Math" panose="02040503050406030204" pitchFamily="18" charset="0"/>
+                                  <a:ea typeface="나눔스퀘어" panose="020B0600000101010101" pitchFamily="50" charset="-127"/>
+                                </a:rPr>
+                              </m:ctrlPr>
+                            </m:sSubPr>
+                            <m:e>
+                              <m:r>
+                                <a:rPr lang="en-US" altLang="ko-KR" sz="1600" b="1" i="1" dirty="0" smtClean="0">
+                                  <a:latin typeface="Cambria Math" panose="02040503050406030204" pitchFamily="18" charset="0"/>
+                                  <a:ea typeface="나눔스퀘어" panose="020B0600000101010101" pitchFamily="50" charset="-127"/>
+                                </a:rPr>
+                                <m:t>𝒗</m:t>
+                              </m:r>
+                            </m:e>
+                            <m:sub>
+                              <m:r>
+                                <a:rPr lang="en-US" altLang="ko-KR" sz="1600" b="1" i="1" dirty="0" smtClean="0">
+                                  <a:latin typeface="Cambria Math" panose="02040503050406030204" pitchFamily="18" charset="0"/>
+                                  <a:ea typeface="나눔스퀘어" panose="020B0600000101010101" pitchFamily="50" charset="-127"/>
+                                </a:rPr>
+                                <m:t>𝟒</m:t>
+                              </m:r>
+                            </m:sub>
+                          </m:sSub>
+                        </m:e>
+                      </m:acc>
+                    </m:oMath>
+                  </m:oMathPara>
+                </a14:m>
+                <a:endParaRPr lang="ko-KR" altLang="en-US" sz="1600" b="1" dirty="0">
+                  <a:latin typeface="나눔스퀘어" panose="020B0600000101010101" pitchFamily="50" charset="-127"/>
+                  <a:ea typeface="나눔스퀘어" panose="020B0600000101010101" pitchFamily="50" charset="-127"/>
+                </a:endParaRPr>
+              </a:p>
+            </p:txBody>
+          </p:sp>
+        </mc:Choice>
+        <mc:Fallback>
+          <p:sp>
+            <p:nvSpPr>
+              <p:cNvPr id="72" name="TextBox 71">
+                <a:extLst>
+                  <a:ext uri="{FF2B5EF4-FFF2-40B4-BE49-F238E27FC236}">
+                    <a16:creationId xmlns:a16="http://schemas.microsoft.com/office/drawing/2014/main" id="{5FB4D88E-342F-4E94-8F6B-1188F9C0CB75}"/>
+                  </a:ext>
+                </a:extLst>
+              </p:cNvPr>
+              <p:cNvSpPr txBox="1">
+                <a:spLocks noRot="1" noChangeAspect="1" noMove="1" noResize="1" noEditPoints="1" noAdjustHandles="1" noChangeArrowheads="1" noChangeShapeType="1" noTextEdit="1"/>
+              </p:cNvSpPr>
+              <p:nvPr/>
+            </p:nvSpPr>
+            <p:spPr>
+              <a:xfrm>
+                <a:off x="7176701" y="3679725"/>
+                <a:ext cx="993967" cy="338554"/>
+              </a:xfrm>
+              <a:prstGeom prst="rect">
+                <a:avLst/>
+              </a:prstGeom>
+              <a:blipFill>
+                <a:blip r:embed="rId8"/>
+                <a:stretch>
+                  <a:fillRect r="-24540"/>
+                </a:stretch>
+              </a:blipFill>
+            </p:spPr>
+            <p:txBody>
+              <a:bodyPr/>
+              <a:lstStyle/>
+              <a:p>
+                <a:r>
+                  <a:rPr lang="ko-KR" altLang="en-US">
+                    <a:noFill/>
+                  </a:rPr>
+                  <a:t> </a:t>
+                </a:r>
+              </a:p>
+            </p:txBody>
+          </p:sp>
+        </mc:Fallback>
+      </mc:AlternateContent>
+      <mc:AlternateContent xmlns:mc="http://schemas.openxmlformats.org/markup-compatibility/2006">
+        <mc:Choice xmlns:a14="http://schemas.microsoft.com/office/drawing/2010/main" Requires="a14">
+          <p:sp>
+            <p:nvSpPr>
+              <p:cNvPr id="73" name="TextBox 72">
+                <a:extLst>
+                  <a:ext uri="{FF2B5EF4-FFF2-40B4-BE49-F238E27FC236}">
+                    <a16:creationId xmlns:a16="http://schemas.microsoft.com/office/drawing/2014/main" id="{2DBA895E-5B72-42EC-BA62-16D45EB8943D}"/>
+                  </a:ext>
+                </a:extLst>
+              </p:cNvPr>
+              <p:cNvSpPr txBox="1"/>
+              <p:nvPr/>
+            </p:nvSpPr>
+            <p:spPr>
+              <a:xfrm>
+                <a:off x="8552346" y="3679725"/>
+                <a:ext cx="1016000" cy="338554"/>
+              </a:xfrm>
+              <a:prstGeom prst="rect">
+                <a:avLst/>
+              </a:prstGeom>
+              <a:noFill/>
+            </p:spPr>
+            <p:txBody>
+              <a:bodyPr wrap="square" rtlCol="0">
+                <a:spAutoFit/>
+              </a:bodyPr>
+              <a:lstStyle/>
+              <a:p>
+                <a:pPr algn="ctr"/>
+                <a14:m>
+                  <m:oMathPara xmlns:m="http://schemas.openxmlformats.org/officeDocument/2006/math">
+                    <m:oMathParaPr>
+                      <m:jc m:val="centerGroup"/>
+                    </m:oMathParaPr>
+                    <m:oMath xmlns:m="http://schemas.openxmlformats.org/officeDocument/2006/math">
+                      <m:acc>
+                        <m:accPr>
+                          <m:chr m:val="̂"/>
+                          <m:ctrlPr>
+                            <a:rPr lang="en-US" altLang="ko-KR" sz="1600" b="1" i="1" dirty="0" smtClean="0">
+                              <a:latin typeface="Cambria Math" panose="02040503050406030204" pitchFamily="18" charset="0"/>
+                              <a:ea typeface="나눔스퀘어" panose="020B0600000101010101" pitchFamily="50" charset="-127"/>
+                            </a:rPr>
+                          </m:ctrlPr>
+                        </m:accPr>
+                        <m:e>
+                          <m:sSub>
+                            <m:sSubPr>
+                              <m:ctrlPr>
+                                <a:rPr lang="en-US" altLang="ko-KR" sz="1600" b="1" i="1" dirty="0" smtClean="0">
+                                  <a:latin typeface="Cambria Math" panose="02040503050406030204" pitchFamily="18" charset="0"/>
+                                  <a:ea typeface="나눔스퀘어" panose="020B0600000101010101" pitchFamily="50" charset="-127"/>
+                                </a:rPr>
+                              </m:ctrlPr>
+                            </m:sSubPr>
+                            <m:e>
+                              <m:r>
+                                <a:rPr lang="en-US" altLang="ko-KR" sz="1600" b="1" i="1" dirty="0" smtClean="0">
+                                  <a:latin typeface="Cambria Math" panose="02040503050406030204" pitchFamily="18" charset="0"/>
+                                  <a:ea typeface="나눔스퀘어" panose="020B0600000101010101" pitchFamily="50" charset="-127"/>
+                                </a:rPr>
+                                <m:t>𝒗</m:t>
+                              </m:r>
+                            </m:e>
+                            <m:sub>
+                              <m:r>
+                                <a:rPr lang="en-US" altLang="ko-KR" sz="1600" b="1" i="1" dirty="0" smtClean="0">
+                                  <a:latin typeface="Cambria Math" panose="02040503050406030204" pitchFamily="18" charset="0"/>
+                                  <a:ea typeface="나눔스퀘어" panose="020B0600000101010101" pitchFamily="50" charset="-127"/>
+                                </a:rPr>
+                                <m:t>𝟓</m:t>
+                              </m:r>
+                            </m:sub>
+                          </m:sSub>
+                        </m:e>
+                      </m:acc>
+                    </m:oMath>
+                  </m:oMathPara>
+                </a14:m>
+                <a:endParaRPr lang="ko-KR" altLang="en-US" sz="1600" b="1" dirty="0">
+                  <a:latin typeface="나눔스퀘어" panose="020B0600000101010101" pitchFamily="50" charset="-127"/>
+                  <a:ea typeface="나눔스퀘어" panose="020B0600000101010101" pitchFamily="50" charset="-127"/>
+                </a:endParaRPr>
+              </a:p>
+            </p:txBody>
+          </p:sp>
+        </mc:Choice>
+        <mc:Fallback>
+          <p:sp>
+            <p:nvSpPr>
+              <p:cNvPr id="73" name="TextBox 72">
+                <a:extLst>
+                  <a:ext uri="{FF2B5EF4-FFF2-40B4-BE49-F238E27FC236}">
+                    <a16:creationId xmlns:a16="http://schemas.microsoft.com/office/drawing/2014/main" id="{2DBA895E-5B72-42EC-BA62-16D45EB8943D}"/>
+                  </a:ext>
+                </a:extLst>
+              </p:cNvPr>
+              <p:cNvSpPr txBox="1">
+                <a:spLocks noRot="1" noChangeAspect="1" noMove="1" noResize="1" noEditPoints="1" noAdjustHandles="1" noChangeArrowheads="1" noChangeShapeType="1" noTextEdit="1"/>
+              </p:cNvSpPr>
+              <p:nvPr/>
+            </p:nvSpPr>
+            <p:spPr>
+              <a:xfrm>
+                <a:off x="8552346" y="3679725"/>
+                <a:ext cx="1016000" cy="338554"/>
+              </a:xfrm>
+              <a:prstGeom prst="rect">
+                <a:avLst/>
+              </a:prstGeom>
+              <a:blipFill>
+                <a:blip r:embed="rId9"/>
+                <a:stretch>
+                  <a:fillRect r="-22156"/>
+                </a:stretch>
+              </a:blipFill>
+            </p:spPr>
+            <p:txBody>
+              <a:bodyPr/>
+              <a:lstStyle/>
+              <a:p>
+                <a:r>
+                  <a:rPr lang="ko-KR" altLang="en-US">
+                    <a:noFill/>
+                  </a:rPr>
+                  <a:t> </a:t>
+                </a:r>
+              </a:p>
+            </p:txBody>
+          </p:sp>
+        </mc:Fallback>
+      </mc:AlternateContent>
+      <mc:AlternateContent xmlns:mc="http://schemas.openxmlformats.org/markup-compatibility/2006">
+        <mc:Choice xmlns:a14="http://schemas.microsoft.com/office/drawing/2010/main" Requires="a14">
+          <p:sp>
+            <p:nvSpPr>
+              <p:cNvPr id="74" name="TextBox 73">
+                <a:extLst>
+                  <a:ext uri="{FF2B5EF4-FFF2-40B4-BE49-F238E27FC236}">
+                    <a16:creationId xmlns:a16="http://schemas.microsoft.com/office/drawing/2014/main" id="{FF0AB5C5-5689-4CB8-B644-F87EBA8D334C}"/>
+                  </a:ext>
+                </a:extLst>
+              </p:cNvPr>
+              <p:cNvSpPr txBox="1"/>
+              <p:nvPr/>
+            </p:nvSpPr>
+            <p:spPr>
+              <a:xfrm>
+                <a:off x="9916093" y="3679725"/>
+                <a:ext cx="1016000" cy="338554"/>
+              </a:xfrm>
+              <a:prstGeom prst="rect">
+                <a:avLst/>
+              </a:prstGeom>
+              <a:noFill/>
+            </p:spPr>
+            <p:txBody>
+              <a:bodyPr wrap="square" rtlCol="0">
+                <a:spAutoFit/>
+              </a:bodyPr>
+              <a:lstStyle/>
+              <a:p>
+                <a:pPr algn="ctr"/>
+                <a14:m>
+                  <m:oMathPara xmlns:m="http://schemas.openxmlformats.org/officeDocument/2006/math">
+                    <m:oMathParaPr>
+                      <m:jc m:val="centerGroup"/>
+                    </m:oMathParaPr>
+                    <m:oMath xmlns:m="http://schemas.openxmlformats.org/officeDocument/2006/math">
+                      <m:acc>
+                        <m:accPr>
+                          <m:chr m:val="̂"/>
+                          <m:ctrlPr>
+                            <a:rPr lang="en-US" altLang="ko-KR" sz="1600" b="1" i="1" dirty="0" smtClean="0">
+                              <a:latin typeface="Cambria Math" panose="02040503050406030204" pitchFamily="18" charset="0"/>
+                              <a:ea typeface="나눔스퀘어" panose="020B0600000101010101" pitchFamily="50" charset="-127"/>
+                            </a:rPr>
+                          </m:ctrlPr>
+                        </m:accPr>
+                        <m:e>
+                          <m:sSub>
+                            <m:sSubPr>
+                              <m:ctrlPr>
+                                <a:rPr lang="en-US" altLang="ko-KR" sz="1600" b="1" i="1" dirty="0" smtClean="0">
+                                  <a:latin typeface="Cambria Math" panose="02040503050406030204" pitchFamily="18" charset="0"/>
+                                  <a:ea typeface="나눔스퀘어" panose="020B0600000101010101" pitchFamily="50" charset="-127"/>
+                                </a:rPr>
+                              </m:ctrlPr>
+                            </m:sSubPr>
+                            <m:e>
+                              <m:r>
+                                <a:rPr lang="en-US" altLang="ko-KR" sz="1600" b="1" i="1" dirty="0" smtClean="0">
+                                  <a:latin typeface="Cambria Math" panose="02040503050406030204" pitchFamily="18" charset="0"/>
+                                  <a:ea typeface="나눔스퀘어" panose="020B0600000101010101" pitchFamily="50" charset="-127"/>
+                                </a:rPr>
+                                <m:t>𝒗</m:t>
+                              </m:r>
+                            </m:e>
+                            <m:sub>
+                              <m:r>
+                                <a:rPr lang="en-US" altLang="ko-KR" sz="1600" b="1" i="1" dirty="0" smtClean="0">
+                                  <a:latin typeface="Cambria Math" panose="02040503050406030204" pitchFamily="18" charset="0"/>
+                                  <a:ea typeface="나눔스퀘어" panose="020B0600000101010101" pitchFamily="50" charset="-127"/>
+                                </a:rPr>
+                                <m:t>𝟔</m:t>
+                              </m:r>
+                            </m:sub>
+                          </m:sSub>
+                        </m:e>
+                      </m:acc>
+                    </m:oMath>
+                  </m:oMathPara>
+                </a14:m>
+                <a:endParaRPr lang="ko-KR" altLang="en-US" sz="1600" b="1" dirty="0">
+                  <a:latin typeface="나눔스퀘어" panose="020B0600000101010101" pitchFamily="50" charset="-127"/>
+                  <a:ea typeface="나눔스퀘어" panose="020B0600000101010101" pitchFamily="50" charset="-127"/>
+                </a:endParaRPr>
+              </a:p>
+            </p:txBody>
+          </p:sp>
+        </mc:Choice>
+        <mc:Fallback>
+          <p:sp>
+            <p:nvSpPr>
+              <p:cNvPr id="74" name="TextBox 73">
+                <a:extLst>
+                  <a:ext uri="{FF2B5EF4-FFF2-40B4-BE49-F238E27FC236}">
+                    <a16:creationId xmlns:a16="http://schemas.microsoft.com/office/drawing/2014/main" id="{FF0AB5C5-5689-4CB8-B644-F87EBA8D334C}"/>
+                  </a:ext>
+                </a:extLst>
+              </p:cNvPr>
+              <p:cNvSpPr txBox="1">
+                <a:spLocks noRot="1" noChangeAspect="1" noMove="1" noResize="1" noEditPoints="1" noAdjustHandles="1" noChangeArrowheads="1" noChangeShapeType="1" noTextEdit="1"/>
+              </p:cNvSpPr>
+              <p:nvPr/>
+            </p:nvSpPr>
+            <p:spPr>
+              <a:xfrm>
+                <a:off x="9916093" y="3679725"/>
+                <a:ext cx="1016000" cy="338554"/>
+              </a:xfrm>
+              <a:prstGeom prst="rect">
+                <a:avLst/>
+              </a:prstGeom>
+              <a:blipFill>
+                <a:blip r:embed="rId10"/>
+                <a:stretch>
+                  <a:fillRect r="-22892"/>
+                </a:stretch>
+              </a:blipFill>
+            </p:spPr>
+            <p:txBody>
+              <a:bodyPr/>
+              <a:lstStyle/>
+              <a:p>
+                <a:r>
+                  <a:rPr lang="ko-KR" altLang="en-US">
+                    <a:noFill/>
+                  </a:rPr>
+                  <a:t> </a:t>
+                </a:r>
+              </a:p>
+            </p:txBody>
+          </p:sp>
+        </mc:Fallback>
+      </mc:AlternateContent>
+      <mc:AlternateContent xmlns:mc="http://schemas.openxmlformats.org/markup-compatibility/2006">
+        <mc:Choice xmlns:a14="http://schemas.microsoft.com/office/drawing/2010/main" Requires="a14">
+          <p:sp>
+            <p:nvSpPr>
+              <p:cNvPr id="75" name="TextBox 74">
+                <a:extLst>
+                  <a:ext uri="{FF2B5EF4-FFF2-40B4-BE49-F238E27FC236}">
+                    <a16:creationId xmlns:a16="http://schemas.microsoft.com/office/drawing/2014/main" id="{2686AB72-3952-43E2-8685-496D4A4B21A6}"/>
+                  </a:ext>
+                </a:extLst>
+              </p:cNvPr>
+              <p:cNvSpPr txBox="1"/>
+              <p:nvPr/>
+            </p:nvSpPr>
+            <p:spPr>
+              <a:xfrm>
+                <a:off x="8560622" y="6233076"/>
+                <a:ext cx="993967" cy="338554"/>
+              </a:xfrm>
+              <a:prstGeom prst="rect">
+                <a:avLst/>
+              </a:prstGeom>
+              <a:noFill/>
+            </p:spPr>
+            <p:txBody>
+              <a:bodyPr wrap="square" rtlCol="0">
+                <a:spAutoFit/>
+              </a:bodyPr>
+              <a:lstStyle/>
+              <a:p>
+                <a:pPr algn="ctr"/>
+                <a14:m>
+                  <m:oMathPara xmlns:m="http://schemas.openxmlformats.org/officeDocument/2006/math">
+                    <m:oMathParaPr>
+                      <m:jc m:val="centerGroup"/>
+                    </m:oMathParaPr>
+                    <m:oMath xmlns:m="http://schemas.openxmlformats.org/officeDocument/2006/math">
+                      <m:acc>
+                        <m:accPr>
+                          <m:chr m:val="̂"/>
+                          <m:ctrlPr>
+                            <a:rPr lang="en-US" altLang="ko-KR" sz="1600" b="1" i="1" dirty="0" smtClean="0">
+                              <a:latin typeface="Cambria Math" panose="02040503050406030204" pitchFamily="18" charset="0"/>
+                              <a:ea typeface="나눔스퀘어" panose="020B0600000101010101" pitchFamily="50" charset="-127"/>
+                            </a:rPr>
+                          </m:ctrlPr>
+                        </m:accPr>
+                        <m:e>
+                          <m:sSub>
+                            <m:sSubPr>
+                              <m:ctrlPr>
+                                <a:rPr lang="en-US" altLang="ko-KR" sz="1600" b="1" i="1" dirty="0" smtClean="0">
+                                  <a:latin typeface="Cambria Math" panose="02040503050406030204" pitchFamily="18" charset="0"/>
+                                  <a:ea typeface="나눔스퀘어" panose="020B0600000101010101" pitchFamily="50" charset="-127"/>
+                                </a:rPr>
+                              </m:ctrlPr>
+                            </m:sSubPr>
+                            <m:e>
+                              <m:r>
+                                <a:rPr lang="en-US" altLang="ko-KR" sz="1600" b="1" i="1" dirty="0" smtClean="0">
+                                  <a:latin typeface="Cambria Math" panose="02040503050406030204" pitchFamily="18" charset="0"/>
+                                  <a:ea typeface="나눔스퀘어" panose="020B0600000101010101" pitchFamily="50" charset="-127"/>
+                                </a:rPr>
+                                <m:t>𝒗</m:t>
+                              </m:r>
+                            </m:e>
+                            <m:sub>
+                              <m:r>
+                                <a:rPr lang="en-US" altLang="ko-KR" sz="1600" b="1" i="1" dirty="0" smtClean="0">
+                                  <a:latin typeface="Cambria Math" panose="02040503050406030204" pitchFamily="18" charset="0"/>
+                                  <a:ea typeface="나눔스퀘어" panose="020B0600000101010101" pitchFamily="50" charset="-127"/>
+                                </a:rPr>
+                                <m:t>𝟒</m:t>
+                              </m:r>
+                            </m:sub>
+                          </m:sSub>
+                        </m:e>
+                      </m:acc>
+                    </m:oMath>
+                  </m:oMathPara>
+                </a14:m>
+                <a:endParaRPr lang="ko-KR" altLang="en-US" sz="1600" b="1" dirty="0">
+                  <a:latin typeface="나눔스퀘어" panose="020B0600000101010101" pitchFamily="50" charset="-127"/>
+                  <a:ea typeface="나눔스퀘어" panose="020B0600000101010101" pitchFamily="50" charset="-127"/>
+                </a:endParaRPr>
+              </a:p>
+            </p:txBody>
+          </p:sp>
+        </mc:Choice>
+        <mc:Fallback>
+          <p:sp>
+            <p:nvSpPr>
+              <p:cNvPr id="75" name="TextBox 74">
+                <a:extLst>
+                  <a:ext uri="{FF2B5EF4-FFF2-40B4-BE49-F238E27FC236}">
+                    <a16:creationId xmlns:a16="http://schemas.microsoft.com/office/drawing/2014/main" id="{2686AB72-3952-43E2-8685-496D4A4B21A6}"/>
+                  </a:ext>
+                </a:extLst>
+              </p:cNvPr>
+              <p:cNvSpPr txBox="1">
+                <a:spLocks noRot="1" noChangeAspect="1" noMove="1" noResize="1" noEditPoints="1" noAdjustHandles="1" noChangeArrowheads="1" noChangeShapeType="1" noTextEdit="1"/>
+              </p:cNvSpPr>
+              <p:nvPr/>
+            </p:nvSpPr>
+            <p:spPr>
+              <a:xfrm>
+                <a:off x="8560622" y="6233076"/>
+                <a:ext cx="993967" cy="338554"/>
+              </a:xfrm>
+              <a:prstGeom prst="rect">
+                <a:avLst/>
+              </a:prstGeom>
+              <a:blipFill>
+                <a:blip r:embed="rId11"/>
+                <a:stretch>
+                  <a:fillRect r="-24540"/>
+                </a:stretch>
+              </a:blipFill>
+            </p:spPr>
+            <p:txBody>
+              <a:bodyPr/>
+              <a:lstStyle/>
+              <a:p>
+                <a:r>
+                  <a:rPr lang="ko-KR" altLang="en-US">
+                    <a:noFill/>
+                  </a:rPr>
+                  <a:t> </a:t>
+                </a:r>
+              </a:p>
+            </p:txBody>
+          </p:sp>
+        </mc:Fallback>
+      </mc:AlternateContent>
+      <mc:AlternateContent xmlns:mc="http://schemas.openxmlformats.org/markup-compatibility/2006">
+        <mc:Choice xmlns:a14="http://schemas.microsoft.com/office/drawing/2010/main" Requires="a14">
+          <p:sp>
+            <p:nvSpPr>
+              <p:cNvPr id="76" name="TextBox 75">
+                <a:extLst>
+                  <a:ext uri="{FF2B5EF4-FFF2-40B4-BE49-F238E27FC236}">
+                    <a16:creationId xmlns:a16="http://schemas.microsoft.com/office/drawing/2014/main" id="{3937FC77-D03F-4081-92DC-4F7F30431E78}"/>
+                  </a:ext>
+                </a:extLst>
+              </p:cNvPr>
+              <p:cNvSpPr txBox="1"/>
+              <p:nvPr/>
+            </p:nvSpPr>
+            <p:spPr>
+              <a:xfrm>
+                <a:off x="9903393" y="6233076"/>
+                <a:ext cx="993967" cy="338554"/>
+              </a:xfrm>
+              <a:prstGeom prst="rect">
+                <a:avLst/>
+              </a:prstGeom>
+              <a:noFill/>
+            </p:spPr>
+            <p:txBody>
+              <a:bodyPr wrap="square" rtlCol="0">
+                <a:spAutoFit/>
+              </a:bodyPr>
+              <a:lstStyle/>
+              <a:p>
+                <a:pPr algn="ctr"/>
+                <a14:m>
+                  <m:oMathPara xmlns:m="http://schemas.openxmlformats.org/officeDocument/2006/math">
+                    <m:oMathParaPr>
+                      <m:jc m:val="centerGroup"/>
+                    </m:oMathParaPr>
+                    <m:oMath xmlns:m="http://schemas.openxmlformats.org/officeDocument/2006/math">
+                      <m:acc>
+                        <m:accPr>
+                          <m:chr m:val="̂"/>
+                          <m:ctrlPr>
+                            <a:rPr lang="en-US" altLang="ko-KR" sz="1600" b="1" i="1" dirty="0" smtClean="0">
+                              <a:latin typeface="Cambria Math" panose="02040503050406030204" pitchFamily="18" charset="0"/>
+                              <a:ea typeface="나눔스퀘어" panose="020B0600000101010101" pitchFamily="50" charset="-127"/>
+                            </a:rPr>
+                          </m:ctrlPr>
+                        </m:accPr>
+                        <m:e>
+                          <m:sSub>
+                            <m:sSubPr>
+                              <m:ctrlPr>
+                                <a:rPr lang="en-US" altLang="ko-KR" sz="1600" b="1" i="1" dirty="0" smtClean="0">
+                                  <a:latin typeface="Cambria Math" panose="02040503050406030204" pitchFamily="18" charset="0"/>
+                                  <a:ea typeface="나눔스퀘어" panose="020B0600000101010101" pitchFamily="50" charset="-127"/>
+                                </a:rPr>
+                              </m:ctrlPr>
+                            </m:sSubPr>
+                            <m:e>
+                              <m:r>
+                                <a:rPr lang="en-US" altLang="ko-KR" sz="1600" b="1" i="1" dirty="0" smtClean="0">
+                                  <a:latin typeface="Cambria Math" panose="02040503050406030204" pitchFamily="18" charset="0"/>
+                                  <a:ea typeface="나눔스퀘어" panose="020B0600000101010101" pitchFamily="50" charset="-127"/>
+                                </a:rPr>
+                                <m:t>𝒗</m:t>
+                              </m:r>
+                            </m:e>
+                            <m:sub>
+                              <m:r>
+                                <a:rPr lang="en-US" altLang="ko-KR" sz="1600" b="1" i="1" dirty="0" smtClean="0">
+                                  <a:latin typeface="Cambria Math" panose="02040503050406030204" pitchFamily="18" charset="0"/>
+                                  <a:ea typeface="나눔스퀘어" panose="020B0600000101010101" pitchFamily="50" charset="-127"/>
+                                </a:rPr>
+                                <m:t>𝟓</m:t>
+                              </m:r>
+                            </m:sub>
+                          </m:sSub>
+                        </m:e>
+                      </m:acc>
+                    </m:oMath>
+                  </m:oMathPara>
+                </a14:m>
+                <a:endParaRPr lang="ko-KR" altLang="en-US" sz="1600" b="1" dirty="0">
+                  <a:latin typeface="나눔스퀘어" panose="020B0600000101010101" pitchFamily="50" charset="-127"/>
+                  <a:ea typeface="나눔스퀘어" panose="020B0600000101010101" pitchFamily="50" charset="-127"/>
+                </a:endParaRPr>
+              </a:p>
+            </p:txBody>
+          </p:sp>
+        </mc:Choice>
+        <mc:Fallback>
+          <p:sp>
+            <p:nvSpPr>
+              <p:cNvPr id="76" name="TextBox 75">
+                <a:extLst>
+                  <a:ext uri="{FF2B5EF4-FFF2-40B4-BE49-F238E27FC236}">
+                    <a16:creationId xmlns:a16="http://schemas.microsoft.com/office/drawing/2014/main" id="{3937FC77-D03F-4081-92DC-4F7F30431E78}"/>
+                  </a:ext>
+                </a:extLst>
+              </p:cNvPr>
+              <p:cNvSpPr txBox="1">
+                <a:spLocks noRot="1" noChangeAspect="1" noMove="1" noResize="1" noEditPoints="1" noAdjustHandles="1" noChangeArrowheads="1" noChangeShapeType="1" noTextEdit="1"/>
+              </p:cNvSpPr>
+              <p:nvPr/>
+            </p:nvSpPr>
+            <p:spPr>
+              <a:xfrm>
+                <a:off x="9903393" y="6233076"/>
+                <a:ext cx="993967" cy="338554"/>
+              </a:xfrm>
+              <a:prstGeom prst="rect">
+                <a:avLst/>
+              </a:prstGeom>
+              <a:blipFill>
+                <a:blip r:embed="rId12"/>
+                <a:stretch>
+                  <a:fillRect r="-23926"/>
+                </a:stretch>
+              </a:blipFill>
+            </p:spPr>
+            <p:txBody>
+              <a:bodyPr/>
+              <a:lstStyle/>
+              <a:p>
+                <a:r>
+                  <a:rPr lang="ko-KR" altLang="en-US">
+                    <a:noFill/>
+                  </a:rPr>
+                  <a:t> </a:t>
+                </a:r>
+              </a:p>
+            </p:txBody>
+          </p:sp>
+        </mc:Fallback>
+      </mc:AlternateContent>
+      <p:sp>
+        <p:nvSpPr>
+          <p:cNvPr id="77" name="TextBox 76">
+            <a:extLst>
+              <a:ext uri="{FF2B5EF4-FFF2-40B4-BE49-F238E27FC236}">
+                <a16:creationId xmlns:a16="http://schemas.microsoft.com/office/drawing/2014/main" id="{F29C2AAE-1625-423C-829D-DE69C69C43F1}"/>
+              </a:ext>
+            </a:extLst>
+          </p:cNvPr>
+          <p:cNvSpPr txBox="1"/>
+          <p:nvPr/>
+        </p:nvSpPr>
+        <p:spPr>
+          <a:xfrm>
+            <a:off x="5057977" y="5883159"/>
+            <a:ext cx="938273" cy="261610"/>
+          </a:xfrm>
+          <a:prstGeom prst="rect">
+            <a:avLst/>
+          </a:prstGeom>
+          <a:noFill/>
+        </p:spPr>
+        <p:txBody>
+          <a:bodyPr wrap="square" rtlCol="0">
+            <a:spAutoFit/>
+          </a:bodyPr>
+          <a:lstStyle/>
+          <a:p>
+            <a:pPr algn="ctr"/>
+            <a:r>
+              <a:rPr lang="en-US" altLang="ko-KR" sz="1100" b="1" dirty="0">
+                <a:solidFill>
+                  <a:schemeClr val="accent1"/>
+                </a:solidFill>
+                <a:latin typeface="나눔스퀘어" panose="020B0600000101010101" pitchFamily="50" charset="-127"/>
+                <a:ea typeface="나눔스퀘어" panose="020B0600000101010101" pitchFamily="50" charset="-127"/>
+              </a:rPr>
+              <a:t>Feature</a:t>
+            </a:r>
+            <a:endParaRPr lang="ko-KR" altLang="en-US" sz="1100" b="1" dirty="0">
+              <a:solidFill>
+                <a:schemeClr val="accent1"/>
+              </a:solidFill>
+              <a:latin typeface="나눔스퀘어" panose="020B0600000101010101" pitchFamily="50" charset="-127"/>
+              <a:ea typeface="나눔스퀘어" panose="020B0600000101010101" pitchFamily="50" charset="-127"/>
+            </a:endParaRPr>
+          </a:p>
+        </p:txBody>
+      </p:sp>
+      <p:cxnSp>
+        <p:nvCxnSpPr>
+          <p:cNvPr id="78" name="직선 화살표 연결선 77">
+            <a:extLst>
+              <a:ext uri="{FF2B5EF4-FFF2-40B4-BE49-F238E27FC236}">
+                <a16:creationId xmlns:a16="http://schemas.microsoft.com/office/drawing/2014/main" id="{B671EC00-438B-4C2E-8784-CCFE61770A47}"/>
+              </a:ext>
+            </a:extLst>
+          </p:cNvPr>
+          <p:cNvCxnSpPr>
+            <a:cxnSpLocks/>
+            <a:endCxn id="46" idx="1"/>
+          </p:cNvCxnSpPr>
+          <p:nvPr/>
+        </p:nvCxnSpPr>
+        <p:spPr>
+          <a:xfrm flipV="1">
+            <a:off x="4765470" y="5128502"/>
+            <a:ext cx="585698" cy="9279"/>
+          </a:xfrm>
+          <a:prstGeom prst="straightConnector1">
+            <a:avLst/>
+          </a:prstGeom>
+          <a:ln w="25400">
+            <a:gradFill>
+              <a:gsLst>
+                <a:gs pos="0">
+                  <a:schemeClr val="bg1">
+                    <a:alpha val="50000"/>
+                  </a:schemeClr>
+                </a:gs>
+                <a:gs pos="52000">
+                  <a:schemeClr val="bg2">
+                    <a:lumMod val="90000"/>
+                  </a:schemeClr>
+                </a:gs>
+                <a:gs pos="83000">
+                  <a:schemeClr val="bg2">
+                    <a:lumMod val="75000"/>
+                  </a:schemeClr>
+                </a:gs>
+                <a:gs pos="100000">
+                  <a:schemeClr val="bg2">
+                    <a:lumMod val="50000"/>
+                  </a:schemeClr>
+                </a:gs>
+              </a:gsLst>
+              <a:lin ang="0" scaled="0"/>
+            </a:gradFill>
+            <a:tailEnd type="triangle"/>
+          </a:ln>
+        </p:spPr>
+        <p:style>
+          <a:lnRef idx="1">
+            <a:schemeClr val="accent1"/>
+          </a:lnRef>
+          <a:fillRef idx="0">
+            <a:schemeClr val="accent1"/>
+          </a:fillRef>
+          <a:effectRef idx="0">
+            <a:schemeClr val="accent1"/>
+          </a:effectRef>
+          <a:fontRef idx="minor">
+            <a:schemeClr val="tx1"/>
+          </a:fontRef>
+        </p:style>
+      </p:cxnSp>
+    </p:spTree>
+    <p:extLst>
+      <p:ext uri="{BB962C8B-B14F-4D97-AF65-F5344CB8AC3E}">
+        <p14:creationId xmlns:p14="http://schemas.microsoft.com/office/powerpoint/2010/main" val="2107134318"/>
       </p:ext>
     </p:extLst>
   </p:cSld>

--- a/img/in-post/2020/2020-10-11/1011_resource.pptx
+++ b/img/in-post/2020/2020-10-11/1011_resource.pptx
@@ -18008,7 +18008,7 @@
         </p:nvGrpSpPr>
         <p:grpSpPr>
           <a:xfrm>
-            <a:off x="5160955" y="2506775"/>
+            <a:off x="6072960" y="2506775"/>
             <a:ext cx="313235" cy="1451888"/>
             <a:chOff x="5188812" y="3558262"/>
             <a:chExt cx="313235" cy="1451888"/>
@@ -18381,7 +18381,7 @@
         <p:spPr>
           <a:xfrm>
             <a:off x="4756152" y="3232719"/>
-            <a:ext cx="404803" cy="0"/>
+            <a:ext cx="1316808" cy="0"/>
           </a:xfrm>
           <a:prstGeom prst="straightConnector1">
             <a:avLst/>
@@ -18568,7 +18568,7 @@
         </p:nvSpPr>
         <p:spPr>
           <a:xfrm>
-            <a:off x="4841798" y="3985192"/>
+            <a:off x="5760440" y="3985192"/>
             <a:ext cx="938273" cy="261610"/>
           </a:xfrm>
           <a:prstGeom prst="rect">
@@ -18603,8 +18603,8 @@
           </a:p>
         </p:txBody>
       </p:sp>
-      <mc:AlternateContent xmlns:mc="http://schemas.openxmlformats.org/markup-compatibility/2006">
-        <mc:Choice xmlns:a14="http://schemas.microsoft.com/office/drawing/2010/main" Requires="a14">
+      <mc:AlternateContent xmlns:mc="http://schemas.openxmlformats.org/markup-compatibility/2006" xmlns:a14="http://schemas.microsoft.com/office/drawing/2010/main">
+        <mc:Choice Requires="a14">
           <p:sp>
             <p:nvSpPr>
               <p:cNvPr id="25" name="TextBox 24">
@@ -18679,7 +18679,7 @@
             </p:txBody>
           </p:sp>
         </mc:Choice>
-        <mc:Fallback>
+        <mc:Fallback xmlns="">
           <p:sp>
             <p:nvSpPr>
               <p:cNvPr id="25" name="TextBox 24">
@@ -18724,8 +18724,8 @@
           </p:sp>
         </mc:Fallback>
       </mc:AlternateContent>
-      <mc:AlternateContent xmlns:mc="http://schemas.openxmlformats.org/markup-compatibility/2006">
-        <mc:Choice xmlns:a14="http://schemas.microsoft.com/office/drawing/2010/main" Requires="a14">
+      <mc:AlternateContent xmlns:mc="http://schemas.openxmlformats.org/markup-compatibility/2006" xmlns:a14="http://schemas.microsoft.com/office/drawing/2010/main">
+        <mc:Choice Requires="a14">
           <p:sp>
             <p:nvSpPr>
               <p:cNvPr id="26" name="TextBox 25">
@@ -18800,7 +18800,7 @@
             </p:txBody>
           </p:sp>
         </mc:Choice>
-        <mc:Fallback>
+        <mc:Fallback xmlns="">
           <p:sp>
             <p:nvSpPr>
               <p:cNvPr id="26" name="TextBox 25">
@@ -18845,8 +18845,8 @@
           </p:sp>
         </mc:Fallback>
       </mc:AlternateContent>
-      <mc:AlternateContent xmlns:mc="http://schemas.openxmlformats.org/markup-compatibility/2006">
-        <mc:Choice xmlns:a14="http://schemas.microsoft.com/office/drawing/2010/main" Requires="a14">
+      <mc:AlternateContent xmlns:mc="http://schemas.openxmlformats.org/markup-compatibility/2006" xmlns:a14="http://schemas.microsoft.com/office/drawing/2010/main">
+        <mc:Choice Requires="a14">
           <p:sp>
             <p:nvSpPr>
               <p:cNvPr id="27" name="TextBox 26">
@@ -18921,7 +18921,7 @@
             </p:txBody>
           </p:sp>
         </mc:Choice>
-        <mc:Fallback>
+        <mc:Fallback xmlns="">
           <p:sp>
             <p:nvSpPr>
               <p:cNvPr id="27" name="TextBox 26">
@@ -18983,7 +18983,7 @@
         </p:nvCxnSpPr>
         <p:spPr>
           <a:xfrm flipV="1">
-            <a:off x="5474190" y="2686123"/>
+            <a:off x="6386195" y="2686123"/>
             <a:ext cx="621810" cy="546596"/>
           </a:xfrm>
           <a:prstGeom prst="straightConnector1">
@@ -19050,7 +19050,7 @@
         </p:nvCxnSpPr>
         <p:spPr>
           <a:xfrm>
-            <a:off x="5474190" y="3232719"/>
+            <a:off x="6386195" y="3232719"/>
             <a:ext cx="565832" cy="544824"/>
           </a:xfrm>
           <a:prstGeom prst="straightConnector1">
@@ -19098,6 +19098,59 @@
           </a:fontRef>
         </p:style>
       </p:cxnSp>
+      <p:sp>
+        <p:nvSpPr>
+          <p:cNvPr id="3" name="TextBox 2">
+            <a:extLst>
+              <a:ext uri="{FF2B5EF4-FFF2-40B4-BE49-F238E27FC236}">
+                <a16:creationId xmlns:a16="http://schemas.microsoft.com/office/drawing/2014/main" id="{1E946597-5F02-489F-8EEF-32169A60005D}"/>
+              </a:ext>
+            </a:extLst>
+          </p:cNvPr>
+          <p:cNvSpPr txBox="1"/>
+          <p:nvPr/>
+        </p:nvSpPr>
+        <p:spPr>
+          <a:xfrm>
+            <a:off x="4662803" y="2933827"/>
+            <a:ext cx="1499059" cy="307777"/>
+          </a:xfrm>
+          <a:prstGeom prst="rect">
+            <a:avLst/>
+          </a:prstGeom>
+          <a:noFill/>
+        </p:spPr>
+        <p:txBody>
+          <a:bodyPr wrap="square" rtlCol="0">
+            <a:spAutoFit/>
+          </a:bodyPr>
+          <a:lstStyle/>
+          <a:p>
+            <a:pPr algn="ctr"/>
+            <a:r>
+              <a:rPr lang="en-US" altLang="ko-KR" sz="1400" b="1" dirty="0">
+                <a:solidFill>
+                  <a:schemeClr val="bg2">
+                    <a:lumMod val="50000"/>
+                  </a:schemeClr>
+                </a:solidFill>
+                <a:latin typeface="나눔스퀘어" panose="020B0600000101010101" pitchFamily="50" charset="-127"/>
+                <a:ea typeface="나눔스퀘어" panose="020B0600000101010101" pitchFamily="50" charset="-127"/>
+              </a:rPr>
+              <a:t>Compression</a:t>
+            </a:r>
+            <a:endParaRPr lang="ko-KR" altLang="en-US" sz="1400" b="1" dirty="0">
+              <a:solidFill>
+                <a:schemeClr val="bg2">
+                  <a:lumMod val="50000"/>
+                </a:schemeClr>
+              </a:solidFill>
+              <a:latin typeface="나눔스퀘어" panose="020B0600000101010101" pitchFamily="50" charset="-127"/>
+              <a:ea typeface="나눔스퀘어" panose="020B0600000101010101" pitchFamily="50" charset="-127"/>
+            </a:endParaRPr>
+          </a:p>
+        </p:txBody>
+      </p:sp>
     </p:spTree>
     <p:extLst>
       <p:ext uri="{BB962C8B-B14F-4D97-AF65-F5344CB8AC3E}">
@@ -21384,8 +21437,8 @@
           </a:fontRef>
         </p:style>
       </p:cxnSp>
-      <mc:AlternateContent xmlns:mc="http://schemas.openxmlformats.org/markup-compatibility/2006">
-        <mc:Choice xmlns:a14="http://schemas.microsoft.com/office/drawing/2010/main" Requires="a14">
+      <mc:AlternateContent xmlns:mc="http://schemas.openxmlformats.org/markup-compatibility/2006" xmlns:a14="http://schemas.microsoft.com/office/drawing/2010/main">
+        <mc:Choice Requires="a14">
           <p:sp>
             <p:nvSpPr>
               <p:cNvPr id="33" name="TextBox 32">
@@ -21473,7 +21526,7 @@
             </p:txBody>
           </p:sp>
         </mc:Choice>
-        <mc:Fallback>
+        <mc:Fallback xmlns="">
           <p:sp>
             <p:nvSpPr>
               <p:cNvPr id="33" name="TextBox 32">
@@ -21518,8 +21571,8 @@
           </p:sp>
         </mc:Fallback>
       </mc:AlternateContent>
-      <mc:AlternateContent xmlns:mc="http://schemas.openxmlformats.org/markup-compatibility/2006">
-        <mc:Choice xmlns:a14="http://schemas.microsoft.com/office/drawing/2010/main" Requires="a14">
+      <mc:AlternateContent xmlns:mc="http://schemas.openxmlformats.org/markup-compatibility/2006" xmlns:a14="http://schemas.microsoft.com/office/drawing/2010/main">
+        <mc:Choice Requires="a14">
           <p:sp>
             <p:nvSpPr>
               <p:cNvPr id="34" name="TextBox 33">
@@ -21607,7 +21660,7 @@
             </p:txBody>
           </p:sp>
         </mc:Choice>
-        <mc:Fallback>
+        <mc:Fallback xmlns="">
           <p:sp>
             <p:nvSpPr>
               <p:cNvPr id="34" name="TextBox 33">
@@ -21652,8 +21705,8 @@
           </p:sp>
         </mc:Fallback>
       </mc:AlternateContent>
-      <mc:AlternateContent xmlns:mc="http://schemas.openxmlformats.org/markup-compatibility/2006">
-        <mc:Choice xmlns:a14="http://schemas.microsoft.com/office/drawing/2010/main" Requires="a14">
+      <mc:AlternateContent xmlns:mc="http://schemas.openxmlformats.org/markup-compatibility/2006" xmlns:a14="http://schemas.microsoft.com/office/drawing/2010/main">
+        <mc:Choice Requires="a14">
           <p:sp>
             <p:nvSpPr>
               <p:cNvPr id="35" name="TextBox 34">
@@ -21741,7 +21794,7 @@
             </p:txBody>
           </p:sp>
         </mc:Choice>
-        <mc:Fallback>
+        <mc:Fallback xmlns="">
           <p:sp>
             <p:nvSpPr>
               <p:cNvPr id="35" name="TextBox 34">
@@ -21786,8 +21839,8 @@
           </p:sp>
         </mc:Fallback>
       </mc:AlternateContent>
-      <mc:AlternateContent xmlns:mc="http://schemas.openxmlformats.org/markup-compatibility/2006">
-        <mc:Choice xmlns:a14="http://schemas.microsoft.com/office/drawing/2010/main" Requires="a14">
+      <mc:AlternateContent xmlns:mc="http://schemas.openxmlformats.org/markup-compatibility/2006" xmlns:a14="http://schemas.microsoft.com/office/drawing/2010/main">
+        <mc:Choice Requires="a14">
           <p:sp>
             <p:nvSpPr>
               <p:cNvPr id="36" name="TextBox 35">
@@ -21875,7 +21928,7 @@
             </p:txBody>
           </p:sp>
         </mc:Choice>
-        <mc:Fallback>
+        <mc:Fallback xmlns="">
           <p:sp>
             <p:nvSpPr>
               <p:cNvPr id="36" name="TextBox 35">
@@ -21920,8 +21973,8 @@
           </p:sp>
         </mc:Fallback>
       </mc:AlternateContent>
-      <mc:AlternateContent xmlns:mc="http://schemas.openxmlformats.org/markup-compatibility/2006">
-        <mc:Choice xmlns:a14="http://schemas.microsoft.com/office/drawing/2010/main" Requires="a14">
+      <mc:AlternateContent xmlns:mc="http://schemas.openxmlformats.org/markup-compatibility/2006" xmlns:a14="http://schemas.microsoft.com/office/drawing/2010/main">
+        <mc:Choice Requires="a14">
           <p:sp>
             <p:nvSpPr>
               <p:cNvPr id="37" name="TextBox 36">
@@ -22009,7 +22062,7 @@
             </p:txBody>
           </p:sp>
         </mc:Choice>
-        <mc:Fallback>
+        <mc:Fallback xmlns="">
           <p:sp>
             <p:nvSpPr>
               <p:cNvPr id="37" name="TextBox 36">
@@ -24431,8 +24484,8 @@
           </a:fontRef>
         </p:style>
       </p:cxnSp>
-      <mc:AlternateContent xmlns:mc="http://schemas.openxmlformats.org/markup-compatibility/2006">
-        <mc:Choice xmlns:a14="http://schemas.microsoft.com/office/drawing/2010/main" Requires="a14">
+      <mc:AlternateContent xmlns:mc="http://schemas.openxmlformats.org/markup-compatibility/2006" xmlns:a14="http://schemas.microsoft.com/office/drawing/2010/main">
+        <mc:Choice Requires="a14">
           <p:sp>
             <p:nvSpPr>
               <p:cNvPr id="72" name="TextBox 71">
@@ -24520,7 +24573,7 @@
             </p:txBody>
           </p:sp>
         </mc:Choice>
-        <mc:Fallback>
+        <mc:Fallback xmlns="">
           <p:sp>
             <p:nvSpPr>
               <p:cNvPr id="72" name="TextBox 71">
@@ -24565,8 +24618,8 @@
           </p:sp>
         </mc:Fallback>
       </mc:AlternateContent>
-      <mc:AlternateContent xmlns:mc="http://schemas.openxmlformats.org/markup-compatibility/2006">
-        <mc:Choice xmlns:a14="http://schemas.microsoft.com/office/drawing/2010/main" Requires="a14">
+      <mc:AlternateContent xmlns:mc="http://schemas.openxmlformats.org/markup-compatibility/2006" xmlns:a14="http://schemas.microsoft.com/office/drawing/2010/main">
+        <mc:Choice Requires="a14">
           <p:sp>
             <p:nvSpPr>
               <p:cNvPr id="73" name="TextBox 72">
@@ -24654,7 +24707,7 @@
             </p:txBody>
           </p:sp>
         </mc:Choice>
-        <mc:Fallback>
+        <mc:Fallback xmlns="">
           <p:sp>
             <p:nvSpPr>
               <p:cNvPr id="73" name="TextBox 72">
@@ -24699,8 +24752,8 @@
           </p:sp>
         </mc:Fallback>
       </mc:AlternateContent>
-      <mc:AlternateContent xmlns:mc="http://schemas.openxmlformats.org/markup-compatibility/2006">
-        <mc:Choice xmlns:a14="http://schemas.microsoft.com/office/drawing/2010/main" Requires="a14">
+      <mc:AlternateContent xmlns:mc="http://schemas.openxmlformats.org/markup-compatibility/2006" xmlns:a14="http://schemas.microsoft.com/office/drawing/2010/main">
+        <mc:Choice Requires="a14">
           <p:sp>
             <p:nvSpPr>
               <p:cNvPr id="74" name="TextBox 73">
@@ -24788,7 +24841,7 @@
             </p:txBody>
           </p:sp>
         </mc:Choice>
-        <mc:Fallback>
+        <mc:Fallback xmlns="">
           <p:sp>
             <p:nvSpPr>
               <p:cNvPr id="74" name="TextBox 73">
@@ -24833,8 +24886,8 @@
           </p:sp>
         </mc:Fallback>
       </mc:AlternateContent>
-      <mc:AlternateContent xmlns:mc="http://schemas.openxmlformats.org/markup-compatibility/2006">
-        <mc:Choice xmlns:a14="http://schemas.microsoft.com/office/drawing/2010/main" Requires="a14">
+      <mc:AlternateContent xmlns:mc="http://schemas.openxmlformats.org/markup-compatibility/2006" xmlns:a14="http://schemas.microsoft.com/office/drawing/2010/main">
+        <mc:Choice Requires="a14">
           <p:sp>
             <p:nvSpPr>
               <p:cNvPr id="75" name="TextBox 74">
@@ -24922,7 +24975,7 @@
             </p:txBody>
           </p:sp>
         </mc:Choice>
-        <mc:Fallback>
+        <mc:Fallback xmlns="">
           <p:sp>
             <p:nvSpPr>
               <p:cNvPr id="75" name="TextBox 74">
@@ -24967,8 +25020,8 @@
           </p:sp>
         </mc:Fallback>
       </mc:AlternateContent>
-      <mc:AlternateContent xmlns:mc="http://schemas.openxmlformats.org/markup-compatibility/2006">
-        <mc:Choice xmlns:a14="http://schemas.microsoft.com/office/drawing/2010/main" Requires="a14">
+      <mc:AlternateContent xmlns:mc="http://schemas.openxmlformats.org/markup-compatibility/2006" xmlns:a14="http://schemas.microsoft.com/office/drawing/2010/main">
+        <mc:Choice Requires="a14">
           <p:sp>
             <p:nvSpPr>
               <p:cNvPr id="76" name="TextBox 75">
@@ -25056,7 +25109,7 @@
             </p:txBody>
           </p:sp>
         </mc:Choice>
-        <mc:Fallback>
+        <mc:Fallback xmlns="">
           <p:sp>
             <p:nvSpPr>
               <p:cNvPr id="76" name="TextBox 75">
